--- a/Guía/MEAN Stack - Módulo 12. Autenticación (JWT).pptx
+++ b/Guía/MEAN Stack - Módulo 12. Autenticación (JWT).pptx
@@ -5,7 +5,7 @@
     <p:sldMasterId id="2147483648" r:id="rId4"/>
   </p:sldMasterIdLst>
   <p:notesMasterIdLst>
-    <p:notesMasterId r:id="rId40"/>
+    <p:notesMasterId r:id="rId34"/>
   </p:notesMasterIdLst>
   <p:sldIdLst>
     <p:sldId id="272" r:id="rId5"/>
@@ -32,17 +32,11 @@
     <p:sldId id="444" r:id="rId26"/>
     <p:sldId id="441" r:id="rId27"/>
     <p:sldId id="423" r:id="rId28"/>
-    <p:sldId id="445" r:id="rId29"/>
-    <p:sldId id="446" r:id="rId30"/>
-    <p:sldId id="414" r:id="rId31"/>
-    <p:sldId id="447" r:id="rId32"/>
-    <p:sldId id="448" r:id="rId33"/>
-    <p:sldId id="415" r:id="rId34"/>
-    <p:sldId id="416" r:id="rId35"/>
-    <p:sldId id="417" r:id="rId36"/>
-    <p:sldId id="418" r:id="rId37"/>
-    <p:sldId id="419" r:id="rId38"/>
-    <p:sldId id="345" r:id="rId39"/>
+    <p:sldId id="446" r:id="rId29"/>
+    <p:sldId id="414" r:id="rId30"/>
+    <p:sldId id="447" r:id="rId31"/>
+    <p:sldId id="448" r:id="rId32"/>
+    <p:sldId id="345" r:id="rId33"/>
   </p:sldIdLst>
   <p:sldSz cx="12192000" cy="6858000"/>
   <p:notesSz cx="6858000" cy="9144000"/>
@@ -242,7 +236,7 @@
           <a:p>
             <a:fld id="{E7D2866E-01B6-40FB-9DF2-B2EA56AAFFB1}" type="datetimeFigureOut">
               <a:rPr lang="en-US" smtClean="0"/>
-              <a:t>10/12/2023</a:t>
+              <a:t>10/13/2023</a:t>
             </a:fld>
             <a:endParaRPr lang="en-US"/>
           </a:p>
@@ -1158,7 +1152,7 @@
           <a:p>
             <a:fld id="{69D18269-CD32-429B-80E4-27A96AE6C0EC}" type="datetimeFigureOut">
               <a:rPr lang="en-US" smtClean="0"/>
-              <a:t>10/12/2023</a:t>
+              <a:t>10/13/2023</a:t>
             </a:fld>
             <a:endParaRPr lang="en-US"/>
           </a:p>
@@ -2364,7 +2358,7 @@
           <a:p>
             <a:fld id="{69D18269-CD32-429B-80E4-27A96AE6C0EC}" type="datetimeFigureOut">
               <a:rPr lang="en-US" smtClean="0"/>
-              <a:t>10/12/2023</a:t>
+              <a:t>10/13/2023</a:t>
             </a:fld>
             <a:endParaRPr lang="en-US"/>
           </a:p>
@@ -3993,7 +3987,7 @@
           <a:p>
             <a:fld id="{69D18269-CD32-429B-80E4-27A96AE6C0EC}" type="datetimeFigureOut">
               <a:rPr lang="en-US" smtClean="0"/>
-              <a:t>10/12/2023</a:t>
+              <a:t>10/13/2023</a:t>
             </a:fld>
             <a:endParaRPr lang="en-US"/>
           </a:p>
@@ -5757,7 +5751,7 @@
           <a:p>
             <a:fld id="{69D18269-CD32-429B-80E4-27A96AE6C0EC}" type="datetimeFigureOut">
               <a:rPr lang="en-US" smtClean="0"/>
-              <a:t>10/12/2023</a:t>
+              <a:t>10/13/2023</a:t>
             </a:fld>
             <a:endParaRPr lang="en-US"/>
           </a:p>
@@ -7054,7 +7048,7 @@
           <a:p>
             <a:fld id="{69D18269-CD32-429B-80E4-27A96AE6C0EC}" type="datetimeFigureOut">
               <a:rPr lang="en-US" smtClean="0"/>
-              <a:t>10/12/2023</a:t>
+              <a:t>10/13/2023</a:t>
             </a:fld>
             <a:endParaRPr lang="en-US"/>
           </a:p>
@@ -7599,7 +7593,7 @@
           <a:p>
             <a:fld id="{69D18269-CD32-429B-80E4-27A96AE6C0EC}" type="datetimeFigureOut">
               <a:rPr lang="en-US" smtClean="0"/>
-              <a:t>10/12/2023</a:t>
+              <a:t>10/13/2023</a:t>
             </a:fld>
             <a:endParaRPr lang="en-US"/>
           </a:p>
@@ -8630,7 +8624,7 @@
           <a:p>
             <a:fld id="{69D18269-CD32-429B-80E4-27A96AE6C0EC}" type="datetimeFigureOut">
               <a:rPr lang="en-US" smtClean="0"/>
-              <a:t>10/12/2023</a:t>
+              <a:t>10/13/2023</a:t>
             </a:fld>
             <a:endParaRPr lang="en-US"/>
           </a:p>
@@ -19590,7 +19584,7 @@
           <p:cNvPr id="2" name="Título 1">
             <a:extLst>
               <a:ext uri="{FF2B5EF4-FFF2-40B4-BE49-F238E27FC236}">
-                <a16:creationId xmlns:a16="http://schemas.microsoft.com/office/drawing/2014/main" id="{AAEE4DC9-A5D8-79A2-7056-60FEDADD92E7}"/>
+                <a16:creationId xmlns:a16="http://schemas.microsoft.com/office/drawing/2014/main" id="{DDA0F478-E659-43F0-7A3A-E966BE629E17}"/>
               </a:ext>
             </a:extLst>
           </p:cNvPr>
@@ -19606,16 +19600,23 @@
           <a:bodyPr/>
           <a:lstStyle/>
           <a:p>
-            <a:endParaRPr lang="es-419" dirty="0"/>
+            <a:r>
+              <a:rPr lang="es-419" dirty="0" err="1"/>
+              <a:t>Login</a:t>
+            </a:r>
+            <a:r>
+              <a:rPr lang="es-419" dirty="0"/>
+              <a:t> de autenticación</a:t>
+            </a:r>
           </a:p>
         </p:txBody>
       </p:sp>
       <p:sp>
         <p:nvSpPr>
-          <p:cNvPr id="3" name="Marcador de contenido 2">
+          <p:cNvPr id="4" name="Marcador de texto 3">
             <a:extLst>
               <a:ext uri="{FF2B5EF4-FFF2-40B4-BE49-F238E27FC236}">
-                <a16:creationId xmlns:a16="http://schemas.microsoft.com/office/drawing/2014/main" id="{20FDE891-4DC3-BD02-73FD-764834522A30}"/>
+                <a16:creationId xmlns:a16="http://schemas.microsoft.com/office/drawing/2014/main" id="{B9BA2C9D-5204-4DF2-D3FC-D6C8656C5583}"/>
               </a:ext>
             </a:extLst>
           </p:cNvPr>
@@ -19623,7 +19624,265 @@
             <a:spLocks noGrp="1"/>
           </p:cNvSpPr>
           <p:nvPr>
-            <p:ph idx="1"/>
+            <p:ph type="body" sz="quarter" idx="13"/>
+          </p:nvPr>
+        </p:nvSpPr>
+        <p:spPr>
+          <a:xfrm>
+            <a:off x="982766" y="2666772"/>
+            <a:ext cx="5113234" cy="999924"/>
+          </a:xfrm>
+        </p:spPr>
+        <p:txBody>
+          <a:bodyPr/>
+          <a:lstStyle/>
+          <a:p>
+            <a:r>
+              <a:rPr lang="fr-FR" sz="1200" b="0" dirty="0">
+                <a:solidFill>
+                  <a:srgbClr val="0000FF"/>
+                </a:solidFill>
+                <a:effectLst/>
+                <a:latin typeface="Consolas" panose="020B0609020204030204" pitchFamily="49" charset="0"/>
+              </a:rPr>
+              <a:t>export</a:t>
+            </a:r>
+            <a:r>
+              <a:rPr lang="fr-FR" sz="1200" b="0" dirty="0">
+                <a:solidFill>
+                  <a:srgbClr val="000000"/>
+                </a:solidFill>
+                <a:effectLst/>
+                <a:latin typeface="Consolas" panose="020B0609020204030204" pitchFamily="49" charset="0"/>
+              </a:rPr>
+              <a:t> </a:t>
+            </a:r>
+            <a:r>
+              <a:rPr lang="fr-FR" sz="1200" b="0" dirty="0" err="1">
+                <a:solidFill>
+                  <a:srgbClr val="0000FF"/>
+                </a:solidFill>
+                <a:effectLst/>
+                <a:latin typeface="Consolas" panose="020B0609020204030204" pitchFamily="49" charset="0"/>
+              </a:rPr>
+              <a:t>const</a:t>
+            </a:r>
+            <a:r>
+              <a:rPr lang="fr-FR" sz="1200" b="0" dirty="0">
+                <a:solidFill>
+                  <a:srgbClr val="000000"/>
+                </a:solidFill>
+                <a:effectLst/>
+                <a:latin typeface="Consolas" panose="020B0609020204030204" pitchFamily="49" charset="0"/>
+              </a:rPr>
+              <a:t> </a:t>
+            </a:r>
+            <a:r>
+              <a:rPr lang="fr-FR" sz="1200" b="0" dirty="0" err="1">
+                <a:solidFill>
+                  <a:srgbClr val="000000"/>
+                </a:solidFill>
+                <a:effectLst/>
+                <a:latin typeface="Consolas" panose="020B0609020204030204" pitchFamily="49" charset="0"/>
+              </a:rPr>
+              <a:t>environment</a:t>
+            </a:r>
+            <a:r>
+              <a:rPr lang="fr-FR" sz="1200" b="0" dirty="0">
+                <a:solidFill>
+                  <a:srgbClr val="000000"/>
+                </a:solidFill>
+                <a:effectLst/>
+                <a:latin typeface="Consolas" panose="020B0609020204030204" pitchFamily="49" charset="0"/>
+              </a:rPr>
+              <a:t> = {</a:t>
+            </a:r>
+          </a:p>
+          <a:p>
+            <a:r>
+              <a:rPr lang="fr-FR" sz="1200" b="0" dirty="0">
+                <a:solidFill>
+                  <a:srgbClr val="000000"/>
+                </a:solidFill>
+                <a:effectLst/>
+                <a:latin typeface="Consolas" panose="020B0609020204030204" pitchFamily="49" charset="0"/>
+              </a:rPr>
+              <a:t>    production: </a:t>
+            </a:r>
+            <a:r>
+              <a:rPr lang="fr-FR" sz="1200" b="0" dirty="0">
+                <a:solidFill>
+                  <a:srgbClr val="0000FF"/>
+                </a:solidFill>
+                <a:effectLst/>
+                <a:latin typeface="Consolas" panose="020B0609020204030204" pitchFamily="49" charset="0"/>
+              </a:rPr>
+              <a:t>false</a:t>
+            </a:r>
+            <a:r>
+              <a:rPr lang="fr-FR" sz="1200" b="0" dirty="0">
+                <a:solidFill>
+                  <a:srgbClr val="000000"/>
+                </a:solidFill>
+                <a:effectLst/>
+                <a:latin typeface="Consolas" panose="020B0609020204030204" pitchFamily="49" charset="0"/>
+              </a:rPr>
+              <a:t>,</a:t>
+            </a:r>
+          </a:p>
+          <a:p>
+            <a:r>
+              <a:rPr lang="fr-FR" sz="1200" b="0" dirty="0">
+                <a:solidFill>
+                  <a:srgbClr val="000000"/>
+                </a:solidFill>
+                <a:effectLst/>
+                <a:latin typeface="Consolas" panose="020B0609020204030204" pitchFamily="49" charset="0"/>
+              </a:rPr>
+              <a:t>    </a:t>
+            </a:r>
+            <a:r>
+              <a:rPr lang="fr-FR" sz="1200" b="0" dirty="0" err="1">
+                <a:solidFill>
+                  <a:srgbClr val="000000"/>
+                </a:solidFill>
+                <a:effectLst/>
+                <a:latin typeface="Consolas" panose="020B0609020204030204" pitchFamily="49" charset="0"/>
+              </a:rPr>
+              <a:t>apiUrl</a:t>
+            </a:r>
+            <a:r>
+              <a:rPr lang="fr-FR" sz="1200" b="0" dirty="0">
+                <a:solidFill>
+                  <a:srgbClr val="000000"/>
+                </a:solidFill>
+                <a:effectLst/>
+                <a:latin typeface="Consolas" panose="020B0609020204030204" pitchFamily="49" charset="0"/>
+              </a:rPr>
+              <a:t>: </a:t>
+            </a:r>
+            <a:r>
+              <a:rPr lang="fr-FR" sz="1200" b="0" dirty="0">
+                <a:solidFill>
+                  <a:srgbClr val="A31515"/>
+                </a:solidFill>
+                <a:effectLst/>
+                <a:latin typeface="Consolas" panose="020B0609020204030204" pitchFamily="49" charset="0"/>
+              </a:rPr>
+              <a:t>'http://localhost:3000/api'</a:t>
+            </a:r>
+            <a:r>
+              <a:rPr lang="fr-FR" sz="1200" b="0" dirty="0">
+                <a:solidFill>
+                  <a:srgbClr val="000000"/>
+                </a:solidFill>
+                <a:effectLst/>
+                <a:latin typeface="Consolas" panose="020B0609020204030204" pitchFamily="49" charset="0"/>
+              </a:rPr>
+              <a:t>,</a:t>
+            </a:r>
+          </a:p>
+          <a:p>
+            <a:r>
+              <a:rPr lang="fr-FR" sz="1200" b="0" dirty="0">
+                <a:solidFill>
+                  <a:srgbClr val="000000"/>
+                </a:solidFill>
+                <a:effectLst/>
+                <a:latin typeface="Consolas" panose="020B0609020204030204" pitchFamily="49" charset="0"/>
+              </a:rPr>
+              <a:t>    </a:t>
+            </a:r>
+            <a:r>
+              <a:rPr lang="fr-FR" sz="1200" b="0" dirty="0" err="1">
+                <a:solidFill>
+                  <a:srgbClr val="000000"/>
+                </a:solidFill>
+                <a:effectLst/>
+                <a:latin typeface="Consolas" panose="020B0609020204030204" pitchFamily="49" charset="0"/>
+              </a:rPr>
+              <a:t>apiAuth</a:t>
+            </a:r>
+            <a:r>
+              <a:rPr lang="fr-FR" sz="1200" b="0" dirty="0">
+                <a:solidFill>
+                  <a:srgbClr val="000000"/>
+                </a:solidFill>
+                <a:effectLst/>
+                <a:latin typeface="Consolas" panose="020B0609020204030204" pitchFamily="49" charset="0"/>
+              </a:rPr>
+              <a:t>: </a:t>
+            </a:r>
+            <a:r>
+              <a:rPr lang="fr-FR" sz="1200" b="0" dirty="0">
+                <a:solidFill>
+                  <a:srgbClr val="A31515"/>
+                </a:solidFill>
+                <a:effectLst/>
+                <a:latin typeface="Consolas" panose="020B0609020204030204" pitchFamily="49" charset="0"/>
+              </a:rPr>
+              <a:t>'http://localhost:3000/</a:t>
+            </a:r>
+            <a:r>
+              <a:rPr lang="fr-FR" sz="1200" b="0" dirty="0" err="1">
+                <a:solidFill>
+                  <a:srgbClr val="A31515"/>
+                </a:solidFill>
+                <a:effectLst/>
+                <a:highlight>
+                  <a:srgbClr val="FFFF00"/>
+                </a:highlight>
+                <a:latin typeface="Consolas" panose="020B0609020204030204" pitchFamily="49" charset="0"/>
+              </a:rPr>
+              <a:t>auth</a:t>
+            </a:r>
+            <a:r>
+              <a:rPr lang="fr-FR" sz="1200" b="0" dirty="0">
+                <a:solidFill>
+                  <a:srgbClr val="A31515"/>
+                </a:solidFill>
+                <a:effectLst/>
+                <a:latin typeface="Consolas" panose="020B0609020204030204" pitchFamily="49" charset="0"/>
+              </a:rPr>
+              <a:t>'</a:t>
+            </a:r>
+            <a:endParaRPr lang="fr-FR" sz="1200" b="0" dirty="0">
+              <a:solidFill>
+                <a:srgbClr val="000000"/>
+              </a:solidFill>
+              <a:effectLst/>
+              <a:latin typeface="Consolas" panose="020B0609020204030204" pitchFamily="49" charset="0"/>
+            </a:endParaRPr>
+          </a:p>
+          <a:p>
+            <a:r>
+              <a:rPr lang="fr-FR" sz="1200" b="0" dirty="0">
+                <a:solidFill>
+                  <a:srgbClr val="000000"/>
+                </a:solidFill>
+                <a:effectLst/>
+                <a:latin typeface="Consolas" panose="020B0609020204030204" pitchFamily="49" charset="0"/>
+              </a:rPr>
+              <a:t>};</a:t>
+            </a:r>
+            <a:endParaRPr lang="es-419" sz="1200" dirty="0"/>
+          </a:p>
+        </p:txBody>
+      </p:sp>
+      <p:sp>
+        <p:nvSpPr>
+          <p:cNvPr id="6" name="Marcador de texto 5">
+            <a:extLst>
+              <a:ext uri="{FF2B5EF4-FFF2-40B4-BE49-F238E27FC236}">
+                <a16:creationId xmlns:a16="http://schemas.microsoft.com/office/drawing/2014/main" id="{94C7201D-AA00-5FED-181F-19C1BCA260E8}"/>
+              </a:ext>
+            </a:extLst>
+          </p:cNvPr>
+          <p:cNvSpPr>
+            <a:spLocks noGrp="1"/>
+          </p:cNvSpPr>
+          <p:nvPr>
+            <p:ph type="body" sz="quarter" idx="23"/>
           </p:nvPr>
         </p:nvSpPr>
         <p:spPr/>
@@ -19631,63 +19890,2279 @@
           <a:bodyPr/>
           <a:lstStyle/>
           <a:p>
+            <a:r>
+              <a:rPr lang="es-ES" dirty="0"/>
+              <a:t>1.- Conectar la verificación del usuario, entre el cliente y el servidor</a:t>
+            </a:r>
             <a:endParaRPr lang="es-419" dirty="0"/>
           </a:p>
         </p:txBody>
       </p:sp>
       <p:sp>
         <p:nvSpPr>
-          <p:cNvPr id="4" name="Elipse 3">
+          <p:cNvPr id="5" name="Marcador de texto 4">
             <a:extLst>
               <a:ext uri="{FF2B5EF4-FFF2-40B4-BE49-F238E27FC236}">
-                <a16:creationId xmlns:a16="http://schemas.microsoft.com/office/drawing/2014/main" id="{8FECAAC1-69B9-6C26-2FC9-94901A4A8DF4}"/>
+                <a16:creationId xmlns:a16="http://schemas.microsoft.com/office/drawing/2014/main" id="{2E3B5040-05AB-F7A3-10EF-5FF075F7A6E0}"/>
               </a:ext>
             </a:extLst>
           </p:cNvPr>
-          <p:cNvSpPr/>
+          <p:cNvSpPr>
+            <a:spLocks noGrp="1"/>
+          </p:cNvSpPr>
+          <p:nvPr>
+            <p:ph type="body" sz="quarter" idx="20"/>
+          </p:nvPr>
+        </p:nvSpPr>
+        <p:spPr>
+          <a:xfrm>
+            <a:off x="838201" y="1546420"/>
+            <a:ext cx="9921549" cy="291519"/>
+          </a:xfrm>
+        </p:spPr>
+        <p:txBody>
+          <a:bodyPr/>
+          <a:lstStyle/>
+          <a:p>
+            <a:pPr>
+              <a:lnSpc>
+                <a:spcPct val="100000"/>
+              </a:lnSpc>
+              <a:spcBef>
+                <a:spcPts val="0"/>
+              </a:spcBef>
+            </a:pPr>
+            <a:r>
+              <a:rPr lang="es-ES" dirty="0"/>
+              <a:t>Levantar los servicios de Cliente y Servidor respectivamente, para ir haciendo las pruebas</a:t>
+            </a:r>
+          </a:p>
+          <a:p>
+            <a:pPr>
+              <a:lnSpc>
+                <a:spcPct val="100000"/>
+              </a:lnSpc>
+              <a:spcBef>
+                <a:spcPts val="0"/>
+              </a:spcBef>
+            </a:pPr>
+            <a:r>
+              <a:rPr lang="es-ES" dirty="0"/>
+              <a:t>Realizar los cambios en los archivos de los proyectos Cliente y Servidor respectivamente</a:t>
+            </a:r>
+            <a:endParaRPr lang="es-419" dirty="0"/>
+          </a:p>
+        </p:txBody>
+      </p:sp>
+      <p:sp>
+        <p:nvSpPr>
+          <p:cNvPr id="7" name="Marcador de texto 4">
+            <a:extLst>
+              <a:ext uri="{FF2B5EF4-FFF2-40B4-BE49-F238E27FC236}">
+                <a16:creationId xmlns:a16="http://schemas.microsoft.com/office/drawing/2014/main" id="{B84CA518-6156-0A67-BEB0-9361632E37E1}"/>
+              </a:ext>
+            </a:extLst>
+          </p:cNvPr>
+          <p:cNvSpPr txBox="1">
+            <a:spLocks/>
+          </p:cNvSpPr>
           <p:nvPr/>
         </p:nvSpPr>
         <p:spPr>
           <a:xfrm>
-            <a:off x="4419600" y="2116931"/>
-            <a:ext cx="3181350" cy="3181350"/>
+            <a:off x="845429" y="2106595"/>
+            <a:ext cx="5257800" cy="291519"/>
           </a:xfrm>
-          <a:prstGeom prst="ellipse">
+          <a:prstGeom prst="rect">
+            <a:avLst/>
+          </a:prstGeom>
+        </p:spPr>
+        <p:txBody>
+          <a:bodyPr vert="horz" lIns="0" tIns="0" rIns="0" bIns="0" rtlCol="0" anchor="ctr">
+            <a:noAutofit/>
+          </a:bodyPr>
+          <a:lstStyle>
+            <a:lvl1pPr marL="228600" indent="-228600" algn="l" defTabSz="914400" rtl="0" eaLnBrk="1" latinLnBrk="0" hangingPunct="1">
+              <a:lnSpc>
+                <a:spcPct val="90000"/>
+              </a:lnSpc>
+              <a:spcBef>
+                <a:spcPts val="1000"/>
+              </a:spcBef>
+              <a:buFont typeface="Arial" panose="020B0604020202020204" pitchFamily="34" charset="0"/>
+              <a:buChar char="•"/>
+              <a:defRPr lang="es-ES" sz="1400" b="1" kern="1200" cap="none" baseline="0" dirty="0" smtClean="0">
+                <a:solidFill>
+                  <a:srgbClr val="AA286F"/>
+                </a:solidFill>
+                <a:latin typeface="+mn-lt"/>
+                <a:ea typeface="+mn-ea"/>
+                <a:cs typeface="+mn-cs"/>
+              </a:defRPr>
+            </a:lvl1pPr>
+            <a:lvl2pPr marL="685800" indent="-228600" algn="l" defTabSz="914400" rtl="0" eaLnBrk="1" latinLnBrk="0" hangingPunct="1">
+              <a:lnSpc>
+                <a:spcPct val="90000"/>
+              </a:lnSpc>
+              <a:spcBef>
+                <a:spcPts val="500"/>
+              </a:spcBef>
+              <a:buFont typeface="Arial" panose="020B0604020202020204" pitchFamily="34" charset="0"/>
+              <a:buChar char="•"/>
+              <a:defRPr sz="2400" kern="1200">
+                <a:solidFill>
+                  <a:schemeClr val="tx1"/>
+                </a:solidFill>
+                <a:latin typeface="+mn-lt"/>
+                <a:ea typeface="+mn-ea"/>
+                <a:cs typeface="+mn-cs"/>
+              </a:defRPr>
+            </a:lvl2pPr>
+            <a:lvl3pPr marL="1143000" indent="-228600" algn="l" defTabSz="914400" rtl="0" eaLnBrk="1" latinLnBrk="0" hangingPunct="1">
+              <a:lnSpc>
+                <a:spcPct val="90000"/>
+              </a:lnSpc>
+              <a:spcBef>
+                <a:spcPts val="500"/>
+              </a:spcBef>
+              <a:buFont typeface="Arial" panose="020B0604020202020204" pitchFamily="34" charset="0"/>
+              <a:buChar char="•"/>
+              <a:defRPr sz="2000" kern="1200">
+                <a:solidFill>
+                  <a:schemeClr val="tx1"/>
+                </a:solidFill>
+                <a:latin typeface="+mn-lt"/>
+                <a:ea typeface="+mn-ea"/>
+                <a:cs typeface="+mn-cs"/>
+              </a:defRPr>
+            </a:lvl3pPr>
+            <a:lvl4pPr marL="1600200" indent="-228600" algn="l" defTabSz="914400" rtl="0" eaLnBrk="1" latinLnBrk="0" hangingPunct="1">
+              <a:lnSpc>
+                <a:spcPct val="90000"/>
+              </a:lnSpc>
+              <a:spcBef>
+                <a:spcPts val="500"/>
+              </a:spcBef>
+              <a:buFont typeface="Arial" panose="020B0604020202020204" pitchFamily="34" charset="0"/>
+              <a:buChar char="•"/>
+              <a:defRPr sz="1800" kern="1200">
+                <a:solidFill>
+                  <a:schemeClr val="tx1"/>
+                </a:solidFill>
+                <a:latin typeface="+mn-lt"/>
+                <a:ea typeface="+mn-ea"/>
+                <a:cs typeface="+mn-cs"/>
+              </a:defRPr>
+            </a:lvl4pPr>
+            <a:lvl5pPr marL="2057400" indent="-228600" algn="l" defTabSz="914400" rtl="0" eaLnBrk="1" latinLnBrk="0" hangingPunct="1">
+              <a:lnSpc>
+                <a:spcPct val="90000"/>
+              </a:lnSpc>
+              <a:spcBef>
+                <a:spcPts val="500"/>
+              </a:spcBef>
+              <a:buFont typeface="Arial" panose="020B0604020202020204" pitchFamily="34" charset="0"/>
+              <a:buChar char="•"/>
+              <a:defRPr sz="1800" kern="1200">
+                <a:solidFill>
+                  <a:schemeClr val="tx1"/>
+                </a:solidFill>
+                <a:latin typeface="+mn-lt"/>
+                <a:ea typeface="+mn-ea"/>
+                <a:cs typeface="+mn-cs"/>
+              </a:defRPr>
+            </a:lvl5pPr>
+            <a:lvl6pPr marL="2514600" indent="-228600" algn="l" defTabSz="914400" rtl="0" eaLnBrk="1" latinLnBrk="0" hangingPunct="1">
+              <a:lnSpc>
+                <a:spcPct val="90000"/>
+              </a:lnSpc>
+              <a:spcBef>
+                <a:spcPts val="500"/>
+              </a:spcBef>
+              <a:buFont typeface="Arial" panose="020B0604020202020204" pitchFamily="34" charset="0"/>
+              <a:buChar char="•"/>
+              <a:defRPr sz="1800" kern="1200">
+                <a:solidFill>
+                  <a:schemeClr val="tx1"/>
+                </a:solidFill>
+                <a:latin typeface="+mn-lt"/>
+                <a:ea typeface="+mn-ea"/>
+                <a:cs typeface="+mn-cs"/>
+              </a:defRPr>
+            </a:lvl6pPr>
+            <a:lvl7pPr marL="2971800" indent="-228600" algn="l" defTabSz="914400" rtl="0" eaLnBrk="1" latinLnBrk="0" hangingPunct="1">
+              <a:lnSpc>
+                <a:spcPct val="90000"/>
+              </a:lnSpc>
+              <a:spcBef>
+                <a:spcPts val="500"/>
+              </a:spcBef>
+              <a:buFont typeface="Arial" panose="020B0604020202020204" pitchFamily="34" charset="0"/>
+              <a:buChar char="•"/>
+              <a:defRPr sz="1800" kern="1200">
+                <a:solidFill>
+                  <a:schemeClr val="tx1"/>
+                </a:solidFill>
+                <a:latin typeface="+mn-lt"/>
+                <a:ea typeface="+mn-ea"/>
+                <a:cs typeface="+mn-cs"/>
+              </a:defRPr>
+            </a:lvl7pPr>
+            <a:lvl8pPr marL="3429000" indent="-228600" algn="l" defTabSz="914400" rtl="0" eaLnBrk="1" latinLnBrk="0" hangingPunct="1">
+              <a:lnSpc>
+                <a:spcPct val="90000"/>
+              </a:lnSpc>
+              <a:spcBef>
+                <a:spcPts val="500"/>
+              </a:spcBef>
+              <a:buFont typeface="Arial" panose="020B0604020202020204" pitchFamily="34" charset="0"/>
+              <a:buChar char="•"/>
+              <a:defRPr sz="1800" kern="1200">
+                <a:solidFill>
+                  <a:schemeClr val="tx1"/>
+                </a:solidFill>
+                <a:latin typeface="+mn-lt"/>
+                <a:ea typeface="+mn-ea"/>
+                <a:cs typeface="+mn-cs"/>
+              </a:defRPr>
+            </a:lvl8pPr>
+            <a:lvl9pPr marL="3886200" indent="-228600" algn="l" defTabSz="914400" rtl="0" eaLnBrk="1" latinLnBrk="0" hangingPunct="1">
+              <a:lnSpc>
+                <a:spcPct val="90000"/>
+              </a:lnSpc>
+              <a:spcBef>
+                <a:spcPts val="500"/>
+              </a:spcBef>
+              <a:buFont typeface="Arial" panose="020B0604020202020204" pitchFamily="34" charset="0"/>
+              <a:buChar char="•"/>
+              <a:defRPr sz="1800" kern="1200">
+                <a:solidFill>
+                  <a:schemeClr val="tx1"/>
+                </a:solidFill>
+                <a:latin typeface="+mn-lt"/>
+                <a:ea typeface="+mn-ea"/>
+                <a:cs typeface="+mn-cs"/>
+              </a:defRPr>
+            </a:lvl9pPr>
+          </a:lstStyle>
+          <a:p>
+            <a:r>
+              <a:rPr lang="es-ES" dirty="0" err="1"/>
+              <a:t>Frontend</a:t>
+            </a:r>
+            <a:endParaRPr lang="es-419" b="0" dirty="0">
+              <a:solidFill>
+                <a:schemeClr val="tx1"/>
+              </a:solidFill>
+            </a:endParaRPr>
+          </a:p>
+        </p:txBody>
+      </p:sp>
+      <p:sp>
+        <p:nvSpPr>
+          <p:cNvPr id="8" name="Marcador de texto 4">
+            <a:extLst>
+              <a:ext uri="{FF2B5EF4-FFF2-40B4-BE49-F238E27FC236}">
+                <a16:creationId xmlns:a16="http://schemas.microsoft.com/office/drawing/2014/main" id="{52259B58-0254-24A6-B8B5-E0585E0D0B54}"/>
+              </a:ext>
+            </a:extLst>
+          </p:cNvPr>
+          <p:cNvSpPr txBox="1">
+            <a:spLocks/>
+          </p:cNvSpPr>
+          <p:nvPr/>
+        </p:nvSpPr>
+        <p:spPr>
+          <a:xfrm>
+            <a:off x="6619876" y="2097194"/>
+            <a:ext cx="5257800" cy="291519"/>
+          </a:xfrm>
+          <a:prstGeom prst="rect">
+            <a:avLst/>
+          </a:prstGeom>
+        </p:spPr>
+        <p:txBody>
+          <a:bodyPr vert="horz" lIns="0" tIns="0" rIns="0" bIns="0" rtlCol="0" anchor="ctr">
+            <a:noAutofit/>
+          </a:bodyPr>
+          <a:lstStyle>
+            <a:lvl1pPr marL="228600" indent="-228600" algn="l" defTabSz="914400" rtl="0" eaLnBrk="1" latinLnBrk="0" hangingPunct="1">
+              <a:lnSpc>
+                <a:spcPct val="90000"/>
+              </a:lnSpc>
+              <a:spcBef>
+                <a:spcPts val="1000"/>
+              </a:spcBef>
+              <a:buFont typeface="Arial" panose="020B0604020202020204" pitchFamily="34" charset="0"/>
+              <a:buChar char="•"/>
+              <a:defRPr lang="es-ES" sz="1400" b="1" kern="1200" cap="none" baseline="0" dirty="0" smtClean="0">
+                <a:solidFill>
+                  <a:srgbClr val="AA286F"/>
+                </a:solidFill>
+                <a:latin typeface="+mn-lt"/>
+                <a:ea typeface="+mn-ea"/>
+                <a:cs typeface="+mn-cs"/>
+              </a:defRPr>
+            </a:lvl1pPr>
+            <a:lvl2pPr marL="685800" indent="-228600" algn="l" defTabSz="914400" rtl="0" eaLnBrk="1" latinLnBrk="0" hangingPunct="1">
+              <a:lnSpc>
+                <a:spcPct val="90000"/>
+              </a:lnSpc>
+              <a:spcBef>
+                <a:spcPts val="500"/>
+              </a:spcBef>
+              <a:buFont typeface="Arial" panose="020B0604020202020204" pitchFamily="34" charset="0"/>
+              <a:buChar char="•"/>
+              <a:defRPr sz="2400" kern="1200">
+                <a:solidFill>
+                  <a:schemeClr val="tx1"/>
+                </a:solidFill>
+                <a:latin typeface="+mn-lt"/>
+                <a:ea typeface="+mn-ea"/>
+                <a:cs typeface="+mn-cs"/>
+              </a:defRPr>
+            </a:lvl2pPr>
+            <a:lvl3pPr marL="1143000" indent="-228600" algn="l" defTabSz="914400" rtl="0" eaLnBrk="1" latinLnBrk="0" hangingPunct="1">
+              <a:lnSpc>
+                <a:spcPct val="90000"/>
+              </a:lnSpc>
+              <a:spcBef>
+                <a:spcPts val="500"/>
+              </a:spcBef>
+              <a:buFont typeface="Arial" panose="020B0604020202020204" pitchFamily="34" charset="0"/>
+              <a:buChar char="•"/>
+              <a:defRPr sz="2000" kern="1200">
+                <a:solidFill>
+                  <a:schemeClr val="tx1"/>
+                </a:solidFill>
+                <a:latin typeface="+mn-lt"/>
+                <a:ea typeface="+mn-ea"/>
+                <a:cs typeface="+mn-cs"/>
+              </a:defRPr>
+            </a:lvl3pPr>
+            <a:lvl4pPr marL="1600200" indent="-228600" algn="l" defTabSz="914400" rtl="0" eaLnBrk="1" latinLnBrk="0" hangingPunct="1">
+              <a:lnSpc>
+                <a:spcPct val="90000"/>
+              </a:lnSpc>
+              <a:spcBef>
+                <a:spcPts val="500"/>
+              </a:spcBef>
+              <a:buFont typeface="Arial" panose="020B0604020202020204" pitchFamily="34" charset="0"/>
+              <a:buChar char="•"/>
+              <a:defRPr sz="1800" kern="1200">
+                <a:solidFill>
+                  <a:schemeClr val="tx1"/>
+                </a:solidFill>
+                <a:latin typeface="+mn-lt"/>
+                <a:ea typeface="+mn-ea"/>
+                <a:cs typeface="+mn-cs"/>
+              </a:defRPr>
+            </a:lvl4pPr>
+            <a:lvl5pPr marL="2057400" indent="-228600" algn="l" defTabSz="914400" rtl="0" eaLnBrk="1" latinLnBrk="0" hangingPunct="1">
+              <a:lnSpc>
+                <a:spcPct val="90000"/>
+              </a:lnSpc>
+              <a:spcBef>
+                <a:spcPts val="500"/>
+              </a:spcBef>
+              <a:buFont typeface="Arial" panose="020B0604020202020204" pitchFamily="34" charset="0"/>
+              <a:buChar char="•"/>
+              <a:defRPr sz="1800" kern="1200">
+                <a:solidFill>
+                  <a:schemeClr val="tx1"/>
+                </a:solidFill>
+                <a:latin typeface="+mn-lt"/>
+                <a:ea typeface="+mn-ea"/>
+                <a:cs typeface="+mn-cs"/>
+              </a:defRPr>
+            </a:lvl5pPr>
+            <a:lvl6pPr marL="2514600" indent="-228600" algn="l" defTabSz="914400" rtl="0" eaLnBrk="1" latinLnBrk="0" hangingPunct="1">
+              <a:lnSpc>
+                <a:spcPct val="90000"/>
+              </a:lnSpc>
+              <a:spcBef>
+                <a:spcPts val="500"/>
+              </a:spcBef>
+              <a:buFont typeface="Arial" panose="020B0604020202020204" pitchFamily="34" charset="0"/>
+              <a:buChar char="•"/>
+              <a:defRPr sz="1800" kern="1200">
+                <a:solidFill>
+                  <a:schemeClr val="tx1"/>
+                </a:solidFill>
+                <a:latin typeface="+mn-lt"/>
+                <a:ea typeface="+mn-ea"/>
+                <a:cs typeface="+mn-cs"/>
+              </a:defRPr>
+            </a:lvl6pPr>
+            <a:lvl7pPr marL="2971800" indent="-228600" algn="l" defTabSz="914400" rtl="0" eaLnBrk="1" latinLnBrk="0" hangingPunct="1">
+              <a:lnSpc>
+                <a:spcPct val="90000"/>
+              </a:lnSpc>
+              <a:spcBef>
+                <a:spcPts val="500"/>
+              </a:spcBef>
+              <a:buFont typeface="Arial" panose="020B0604020202020204" pitchFamily="34" charset="0"/>
+              <a:buChar char="•"/>
+              <a:defRPr sz="1800" kern="1200">
+                <a:solidFill>
+                  <a:schemeClr val="tx1"/>
+                </a:solidFill>
+                <a:latin typeface="+mn-lt"/>
+                <a:ea typeface="+mn-ea"/>
+                <a:cs typeface="+mn-cs"/>
+              </a:defRPr>
+            </a:lvl7pPr>
+            <a:lvl8pPr marL="3429000" indent="-228600" algn="l" defTabSz="914400" rtl="0" eaLnBrk="1" latinLnBrk="0" hangingPunct="1">
+              <a:lnSpc>
+                <a:spcPct val="90000"/>
+              </a:lnSpc>
+              <a:spcBef>
+                <a:spcPts val="500"/>
+              </a:spcBef>
+              <a:buFont typeface="Arial" panose="020B0604020202020204" pitchFamily="34" charset="0"/>
+              <a:buChar char="•"/>
+              <a:defRPr sz="1800" kern="1200">
+                <a:solidFill>
+                  <a:schemeClr val="tx1"/>
+                </a:solidFill>
+                <a:latin typeface="+mn-lt"/>
+                <a:ea typeface="+mn-ea"/>
+                <a:cs typeface="+mn-cs"/>
+              </a:defRPr>
+            </a:lvl8pPr>
+            <a:lvl9pPr marL="3886200" indent="-228600" algn="l" defTabSz="914400" rtl="0" eaLnBrk="1" latinLnBrk="0" hangingPunct="1">
+              <a:lnSpc>
+                <a:spcPct val="90000"/>
+              </a:lnSpc>
+              <a:spcBef>
+                <a:spcPts val="500"/>
+              </a:spcBef>
+              <a:buFont typeface="Arial" panose="020B0604020202020204" pitchFamily="34" charset="0"/>
+              <a:buChar char="•"/>
+              <a:defRPr sz="1800" kern="1200">
+                <a:solidFill>
+                  <a:schemeClr val="tx1"/>
+                </a:solidFill>
+                <a:latin typeface="+mn-lt"/>
+                <a:ea typeface="+mn-ea"/>
+                <a:cs typeface="+mn-cs"/>
+              </a:defRPr>
+            </a:lvl9pPr>
+          </a:lstStyle>
+          <a:p>
+            <a:r>
+              <a:rPr lang="es-ES" dirty="0"/>
+              <a:t>Server</a:t>
+            </a:r>
+            <a:endParaRPr lang="es-419" dirty="0"/>
+          </a:p>
+        </p:txBody>
+      </p:sp>
+      <p:sp>
+        <p:nvSpPr>
+          <p:cNvPr id="9" name="Marcador de texto 3">
+            <a:extLst>
+              <a:ext uri="{FF2B5EF4-FFF2-40B4-BE49-F238E27FC236}">
+                <a16:creationId xmlns:a16="http://schemas.microsoft.com/office/drawing/2014/main" id="{0329639B-1F83-A446-9451-BC6E3E3D05F3}"/>
+              </a:ext>
+            </a:extLst>
+          </p:cNvPr>
+          <p:cNvSpPr txBox="1">
+            <a:spLocks/>
+          </p:cNvSpPr>
+          <p:nvPr/>
+        </p:nvSpPr>
+        <p:spPr>
+          <a:xfrm>
+            <a:off x="6314738" y="2666771"/>
+            <a:ext cx="5668925" cy="3172054"/>
+          </a:xfrm>
+          <a:prstGeom prst="rect">
+            <a:avLst/>
+          </a:prstGeom>
+        </p:spPr>
+        <p:txBody>
+          <a:bodyPr vert="horz" wrap="square" lIns="91440" tIns="45720" rIns="91440" bIns="45720" rtlCol="0">
+            <a:noAutofit/>
+          </a:bodyPr>
+          <a:lstStyle>
+            <a:lvl1pPr marL="0" indent="0" algn="l" defTabSz="914400" rtl="0" eaLnBrk="1" latinLnBrk="0" hangingPunct="1">
+              <a:lnSpc>
+                <a:spcPct val="100000"/>
+              </a:lnSpc>
+              <a:spcBef>
+                <a:spcPts val="0"/>
+              </a:spcBef>
+              <a:buFont typeface="Arial" panose="020B0604020202020204" pitchFamily="34" charset="0"/>
+              <a:buNone/>
+              <a:defRPr lang="es-ES" sz="1400" kern="1200" baseline="0">
+                <a:solidFill>
+                  <a:schemeClr val="tx1"/>
+                </a:solidFill>
+                <a:latin typeface="Courier New" panose="02070309020205020404" pitchFamily="49" charset="0"/>
+                <a:ea typeface="+mn-ea"/>
+                <a:cs typeface="Courier New" panose="02070309020205020404" pitchFamily="49" charset="0"/>
+              </a:defRPr>
+            </a:lvl1pPr>
+            <a:lvl2pPr marL="457200" indent="0" algn="l" defTabSz="914400" rtl="0" eaLnBrk="1" latinLnBrk="0" hangingPunct="1">
+              <a:lnSpc>
+                <a:spcPct val="90000"/>
+              </a:lnSpc>
+              <a:spcBef>
+                <a:spcPts val="500"/>
+              </a:spcBef>
+              <a:buFont typeface="Arial" panose="020B0604020202020204" pitchFamily="34" charset="0"/>
+              <a:buNone/>
+              <a:defRPr lang="es-ES" sz="1800" kern="1200">
+                <a:solidFill>
+                  <a:schemeClr val="tx1"/>
+                </a:solidFill>
+                <a:latin typeface="+mn-lt"/>
+                <a:ea typeface="+mn-ea"/>
+                <a:cs typeface="+mn-cs"/>
+              </a:defRPr>
+            </a:lvl2pPr>
+            <a:lvl3pPr marL="914400" indent="0" algn="l" defTabSz="914400" rtl="0" eaLnBrk="1" latinLnBrk="0" hangingPunct="1">
+              <a:lnSpc>
+                <a:spcPct val="90000"/>
+              </a:lnSpc>
+              <a:spcBef>
+                <a:spcPts val="500"/>
+              </a:spcBef>
+              <a:buFont typeface="Arial" panose="020B0604020202020204" pitchFamily="34" charset="0"/>
+              <a:buNone/>
+              <a:defRPr lang="es-ES" sz="1800" kern="1200">
+                <a:solidFill>
+                  <a:schemeClr val="tx1"/>
+                </a:solidFill>
+                <a:latin typeface="+mn-lt"/>
+                <a:ea typeface="+mn-ea"/>
+                <a:cs typeface="+mn-cs"/>
+              </a:defRPr>
+            </a:lvl3pPr>
+            <a:lvl4pPr marL="1371600" indent="0" algn="l" defTabSz="914400" rtl="0" eaLnBrk="1" latinLnBrk="0" hangingPunct="1">
+              <a:lnSpc>
+                <a:spcPct val="90000"/>
+              </a:lnSpc>
+              <a:spcBef>
+                <a:spcPts val="500"/>
+              </a:spcBef>
+              <a:buFont typeface="Arial" panose="020B0604020202020204" pitchFamily="34" charset="0"/>
+              <a:buNone/>
+              <a:defRPr lang="es-ES" sz="1800" kern="1200">
+                <a:solidFill>
+                  <a:schemeClr val="tx1"/>
+                </a:solidFill>
+                <a:latin typeface="+mn-lt"/>
+                <a:ea typeface="+mn-ea"/>
+                <a:cs typeface="+mn-cs"/>
+              </a:defRPr>
+            </a:lvl4pPr>
+            <a:lvl5pPr marL="1828800" indent="0" algn="l" defTabSz="914400" rtl="0" eaLnBrk="1" latinLnBrk="0" hangingPunct="1">
+              <a:lnSpc>
+                <a:spcPct val="90000"/>
+              </a:lnSpc>
+              <a:spcBef>
+                <a:spcPts val="500"/>
+              </a:spcBef>
+              <a:buFont typeface="Arial" panose="020B0604020202020204" pitchFamily="34" charset="0"/>
+              <a:buNone/>
+              <a:defRPr lang="es-ES" sz="1800" kern="1200">
+                <a:solidFill>
+                  <a:schemeClr val="tx1"/>
+                </a:solidFill>
+                <a:latin typeface="+mn-lt"/>
+                <a:ea typeface="+mn-ea"/>
+                <a:cs typeface="+mn-cs"/>
+              </a:defRPr>
+            </a:lvl5pPr>
+            <a:lvl6pPr marL="2514600" indent="-228600" algn="l" defTabSz="914400" rtl="0" eaLnBrk="1" latinLnBrk="0" hangingPunct="1">
+              <a:lnSpc>
+                <a:spcPct val="90000"/>
+              </a:lnSpc>
+              <a:spcBef>
+                <a:spcPts val="500"/>
+              </a:spcBef>
+              <a:buFont typeface="Arial" panose="020B0604020202020204" pitchFamily="34" charset="0"/>
+              <a:buChar char="•"/>
+              <a:defRPr sz="1800" kern="1200">
+                <a:solidFill>
+                  <a:schemeClr val="tx1"/>
+                </a:solidFill>
+                <a:latin typeface="+mn-lt"/>
+                <a:ea typeface="+mn-ea"/>
+                <a:cs typeface="+mn-cs"/>
+              </a:defRPr>
+            </a:lvl6pPr>
+            <a:lvl7pPr marL="2971800" indent="-228600" algn="l" defTabSz="914400" rtl="0" eaLnBrk="1" latinLnBrk="0" hangingPunct="1">
+              <a:lnSpc>
+                <a:spcPct val="90000"/>
+              </a:lnSpc>
+              <a:spcBef>
+                <a:spcPts val="500"/>
+              </a:spcBef>
+              <a:buFont typeface="Arial" panose="020B0604020202020204" pitchFamily="34" charset="0"/>
+              <a:buChar char="•"/>
+              <a:defRPr sz="1800" kern="1200">
+                <a:solidFill>
+                  <a:schemeClr val="tx1"/>
+                </a:solidFill>
+                <a:latin typeface="+mn-lt"/>
+                <a:ea typeface="+mn-ea"/>
+                <a:cs typeface="+mn-cs"/>
+              </a:defRPr>
+            </a:lvl7pPr>
+            <a:lvl8pPr marL="3429000" indent="-228600" algn="l" defTabSz="914400" rtl="0" eaLnBrk="1" latinLnBrk="0" hangingPunct="1">
+              <a:lnSpc>
+                <a:spcPct val="90000"/>
+              </a:lnSpc>
+              <a:spcBef>
+                <a:spcPts val="500"/>
+              </a:spcBef>
+              <a:buFont typeface="Arial" panose="020B0604020202020204" pitchFamily="34" charset="0"/>
+              <a:buChar char="•"/>
+              <a:defRPr sz="1800" kern="1200">
+                <a:solidFill>
+                  <a:schemeClr val="tx1"/>
+                </a:solidFill>
+                <a:latin typeface="+mn-lt"/>
+                <a:ea typeface="+mn-ea"/>
+                <a:cs typeface="+mn-cs"/>
+              </a:defRPr>
+            </a:lvl8pPr>
+            <a:lvl9pPr marL="3886200" indent="-228600" algn="l" defTabSz="914400" rtl="0" eaLnBrk="1" latinLnBrk="0" hangingPunct="1">
+              <a:lnSpc>
+                <a:spcPct val="90000"/>
+              </a:lnSpc>
+              <a:spcBef>
+                <a:spcPts val="500"/>
+              </a:spcBef>
+              <a:buFont typeface="Arial" panose="020B0604020202020204" pitchFamily="34" charset="0"/>
+              <a:buChar char="•"/>
+              <a:defRPr sz="1800" kern="1200">
+                <a:solidFill>
+                  <a:schemeClr val="tx1"/>
+                </a:solidFill>
+                <a:latin typeface="+mn-lt"/>
+                <a:ea typeface="+mn-ea"/>
+                <a:cs typeface="+mn-cs"/>
+              </a:defRPr>
+            </a:lvl9pPr>
+          </a:lstStyle>
+          <a:p>
+            <a:r>
+              <a:rPr lang="es-419" sz="1200" b="0" dirty="0" err="1">
+                <a:solidFill>
+                  <a:srgbClr val="0000FF"/>
+                </a:solidFill>
+                <a:effectLst/>
+                <a:latin typeface="Consolas" panose="020B0609020204030204" pitchFamily="49" charset="0"/>
+              </a:rPr>
+              <a:t>const</a:t>
+            </a:r>
+            <a:r>
+              <a:rPr lang="es-419" sz="1200" b="0" dirty="0">
+                <a:solidFill>
+                  <a:srgbClr val="000000"/>
+                </a:solidFill>
+                <a:effectLst/>
+                <a:latin typeface="Consolas" panose="020B0609020204030204" pitchFamily="49" charset="0"/>
+              </a:rPr>
+              <a:t> { </a:t>
+            </a:r>
+            <a:r>
+              <a:rPr lang="es-419" sz="1200" b="0" dirty="0" err="1">
+                <a:solidFill>
+                  <a:srgbClr val="000000"/>
+                </a:solidFill>
+                <a:effectLst/>
+                <a:latin typeface="Consolas" panose="020B0609020204030204" pitchFamily="49" charset="0"/>
+              </a:rPr>
+              <a:t>Router</a:t>
+            </a:r>
+            <a:r>
+              <a:rPr lang="es-419" sz="1200" b="0" dirty="0">
+                <a:solidFill>
+                  <a:srgbClr val="000000"/>
+                </a:solidFill>
+                <a:effectLst/>
+                <a:latin typeface="Consolas" panose="020B0609020204030204" pitchFamily="49" charset="0"/>
+              </a:rPr>
+              <a:t> } =  </a:t>
+            </a:r>
+            <a:r>
+              <a:rPr lang="es-419" sz="1200" b="0" dirty="0" err="1">
+                <a:solidFill>
+                  <a:srgbClr val="000000"/>
+                </a:solidFill>
+                <a:effectLst/>
+                <a:latin typeface="Consolas" panose="020B0609020204030204" pitchFamily="49" charset="0"/>
+              </a:rPr>
+              <a:t>require</a:t>
+            </a:r>
+            <a:r>
+              <a:rPr lang="es-419" sz="1200" b="0" dirty="0">
+                <a:solidFill>
+                  <a:srgbClr val="000000"/>
+                </a:solidFill>
+                <a:effectLst/>
+                <a:latin typeface="Consolas" panose="020B0609020204030204" pitchFamily="49" charset="0"/>
+              </a:rPr>
+              <a:t>(</a:t>
+            </a:r>
+            <a:r>
+              <a:rPr lang="es-419" sz="1200" b="0" dirty="0">
+                <a:solidFill>
+                  <a:srgbClr val="A31515"/>
+                </a:solidFill>
+                <a:effectLst/>
+                <a:latin typeface="Consolas" panose="020B0609020204030204" pitchFamily="49" charset="0"/>
+              </a:rPr>
+              <a:t>'</a:t>
+            </a:r>
+            <a:r>
+              <a:rPr lang="es-419" sz="1200" b="0" dirty="0" err="1">
+                <a:solidFill>
+                  <a:srgbClr val="A31515"/>
+                </a:solidFill>
+                <a:effectLst/>
+                <a:latin typeface="Consolas" panose="020B0609020204030204" pitchFamily="49" charset="0"/>
+              </a:rPr>
+              <a:t>express</a:t>
+            </a:r>
+            <a:r>
+              <a:rPr lang="es-419" sz="1200" b="0" dirty="0">
+                <a:solidFill>
+                  <a:srgbClr val="A31515"/>
+                </a:solidFill>
+                <a:effectLst/>
+                <a:latin typeface="Consolas" panose="020B0609020204030204" pitchFamily="49" charset="0"/>
+              </a:rPr>
+              <a:t>'</a:t>
+            </a:r>
+            <a:r>
+              <a:rPr lang="es-419" sz="1200" b="0" dirty="0">
+                <a:solidFill>
+                  <a:srgbClr val="000000"/>
+                </a:solidFill>
+                <a:effectLst/>
+                <a:latin typeface="Consolas" panose="020B0609020204030204" pitchFamily="49" charset="0"/>
+              </a:rPr>
+              <a:t>);</a:t>
+            </a:r>
+          </a:p>
+          <a:p>
+            <a:r>
+              <a:rPr lang="es-419" sz="1200" b="0" dirty="0" err="1">
+                <a:solidFill>
+                  <a:srgbClr val="0000FF"/>
+                </a:solidFill>
+                <a:effectLst/>
+                <a:latin typeface="Consolas" panose="020B0609020204030204" pitchFamily="49" charset="0"/>
+              </a:rPr>
+              <a:t>const</a:t>
+            </a:r>
+            <a:r>
+              <a:rPr lang="es-419" sz="1200" b="0" dirty="0">
+                <a:solidFill>
+                  <a:srgbClr val="000000"/>
+                </a:solidFill>
+                <a:effectLst/>
+                <a:latin typeface="Consolas" panose="020B0609020204030204" pitchFamily="49" charset="0"/>
+              </a:rPr>
+              <a:t> </a:t>
+            </a:r>
+            <a:r>
+              <a:rPr lang="es-419" sz="1200" b="0" dirty="0" err="1">
+                <a:solidFill>
+                  <a:srgbClr val="000000"/>
+                </a:solidFill>
+                <a:effectLst/>
+                <a:latin typeface="Consolas" panose="020B0609020204030204" pitchFamily="49" charset="0"/>
+              </a:rPr>
+              <a:t>router</a:t>
+            </a:r>
+            <a:r>
+              <a:rPr lang="es-419" sz="1200" b="0" dirty="0">
+                <a:solidFill>
+                  <a:srgbClr val="000000"/>
+                </a:solidFill>
+                <a:effectLst/>
+                <a:latin typeface="Consolas" panose="020B0609020204030204" pitchFamily="49" charset="0"/>
+              </a:rPr>
+              <a:t> = </a:t>
+            </a:r>
+            <a:r>
+              <a:rPr lang="es-419" sz="1200" b="0" dirty="0" err="1">
+                <a:solidFill>
+                  <a:srgbClr val="000000"/>
+                </a:solidFill>
+                <a:effectLst/>
+                <a:latin typeface="Consolas" panose="020B0609020204030204" pitchFamily="49" charset="0"/>
+              </a:rPr>
+              <a:t>Router</a:t>
+            </a:r>
+            <a:r>
+              <a:rPr lang="es-419" sz="1200" b="0" dirty="0">
+                <a:solidFill>
+                  <a:srgbClr val="000000"/>
+                </a:solidFill>
+                <a:effectLst/>
+                <a:latin typeface="Consolas" panose="020B0609020204030204" pitchFamily="49" charset="0"/>
+              </a:rPr>
+              <a:t>();</a:t>
+            </a:r>
+          </a:p>
+          <a:p>
+            <a:br>
+              <a:rPr lang="es-419" sz="1200" b="0" dirty="0">
+                <a:solidFill>
+                  <a:srgbClr val="000000"/>
+                </a:solidFill>
+                <a:effectLst/>
+                <a:latin typeface="Consolas" panose="020B0609020204030204" pitchFamily="49" charset="0"/>
+              </a:rPr>
+            </a:br>
+            <a:r>
+              <a:rPr lang="es-419" sz="1200" b="0" dirty="0" err="1">
+                <a:solidFill>
+                  <a:srgbClr val="0000FF"/>
+                </a:solidFill>
+                <a:effectLst/>
+                <a:latin typeface="Consolas" panose="020B0609020204030204" pitchFamily="49" charset="0"/>
+              </a:rPr>
+              <a:t>const</a:t>
+            </a:r>
+            <a:r>
+              <a:rPr lang="es-419" sz="1200" b="0" dirty="0">
+                <a:solidFill>
+                  <a:srgbClr val="000000"/>
+                </a:solidFill>
+                <a:effectLst/>
+                <a:latin typeface="Consolas" panose="020B0609020204030204" pitchFamily="49" charset="0"/>
+              </a:rPr>
+              <a:t> </a:t>
+            </a:r>
+            <a:r>
+              <a:rPr lang="es-419" sz="1200" b="0" dirty="0" err="1">
+                <a:solidFill>
+                  <a:srgbClr val="000000"/>
+                </a:solidFill>
+                <a:effectLst/>
+                <a:latin typeface="Consolas" panose="020B0609020204030204" pitchFamily="49" charset="0"/>
+              </a:rPr>
+              <a:t>userController</a:t>
+            </a:r>
+            <a:r>
+              <a:rPr lang="es-419" sz="1200" b="0" dirty="0">
+                <a:solidFill>
+                  <a:srgbClr val="000000"/>
+                </a:solidFill>
+                <a:effectLst/>
+                <a:latin typeface="Consolas" panose="020B0609020204030204" pitchFamily="49" charset="0"/>
+              </a:rPr>
+              <a:t> = </a:t>
+            </a:r>
+            <a:r>
+              <a:rPr lang="es-419" sz="1200" b="0" dirty="0" err="1">
+                <a:solidFill>
+                  <a:srgbClr val="000000"/>
+                </a:solidFill>
+                <a:effectLst/>
+                <a:latin typeface="Consolas" panose="020B0609020204030204" pitchFamily="49" charset="0"/>
+              </a:rPr>
+              <a:t>require</a:t>
+            </a:r>
+            <a:r>
+              <a:rPr lang="es-419" sz="1200" b="0" dirty="0">
+                <a:solidFill>
+                  <a:srgbClr val="000000"/>
+                </a:solidFill>
+                <a:effectLst/>
+                <a:latin typeface="Consolas" panose="020B0609020204030204" pitchFamily="49" charset="0"/>
+              </a:rPr>
+              <a:t>(</a:t>
+            </a:r>
+            <a:r>
+              <a:rPr lang="es-419" sz="1200" b="0" dirty="0">
+                <a:solidFill>
+                  <a:srgbClr val="A31515"/>
+                </a:solidFill>
+                <a:effectLst/>
+                <a:latin typeface="Consolas" panose="020B0609020204030204" pitchFamily="49" charset="0"/>
+              </a:rPr>
+              <a:t>'../</a:t>
+            </a:r>
+            <a:r>
+              <a:rPr lang="es-419" sz="1200" b="0" dirty="0" err="1">
+                <a:solidFill>
+                  <a:srgbClr val="A31515"/>
+                </a:solidFill>
+                <a:effectLst/>
+                <a:latin typeface="Consolas" panose="020B0609020204030204" pitchFamily="49" charset="0"/>
+              </a:rPr>
+              <a:t>controllers</a:t>
+            </a:r>
+            <a:r>
+              <a:rPr lang="es-419" sz="1200" b="0" dirty="0">
+                <a:solidFill>
+                  <a:srgbClr val="A31515"/>
+                </a:solidFill>
+                <a:effectLst/>
+                <a:latin typeface="Consolas" panose="020B0609020204030204" pitchFamily="49" charset="0"/>
+              </a:rPr>
+              <a:t>/</a:t>
+            </a:r>
+            <a:r>
+              <a:rPr lang="es-419" sz="1200" b="0" dirty="0" err="1">
+                <a:solidFill>
+                  <a:srgbClr val="A31515"/>
+                </a:solidFill>
+                <a:effectLst/>
+                <a:latin typeface="Consolas" panose="020B0609020204030204" pitchFamily="49" charset="0"/>
+              </a:rPr>
+              <a:t>usuario.controller</a:t>
+            </a:r>
+            <a:r>
+              <a:rPr lang="es-419" sz="1200" b="0" dirty="0">
+                <a:solidFill>
+                  <a:srgbClr val="A31515"/>
+                </a:solidFill>
+                <a:effectLst/>
+                <a:latin typeface="Consolas" panose="020B0609020204030204" pitchFamily="49" charset="0"/>
+              </a:rPr>
+              <a:t>'</a:t>
+            </a:r>
+            <a:r>
+              <a:rPr lang="es-419" sz="1200" b="0" dirty="0">
+                <a:solidFill>
+                  <a:srgbClr val="000000"/>
+                </a:solidFill>
+                <a:effectLst/>
+                <a:latin typeface="Consolas" panose="020B0609020204030204" pitchFamily="49" charset="0"/>
+              </a:rPr>
+              <a:t>)</a:t>
+            </a:r>
+          </a:p>
+          <a:p>
+            <a:br>
+              <a:rPr lang="es-419" sz="1200" b="0" dirty="0">
+                <a:solidFill>
+                  <a:srgbClr val="000000"/>
+                </a:solidFill>
+                <a:effectLst/>
+                <a:latin typeface="Consolas" panose="020B0609020204030204" pitchFamily="49" charset="0"/>
+              </a:rPr>
+            </a:br>
+            <a:r>
+              <a:rPr lang="es-419" sz="1200" b="0" dirty="0" err="1">
+                <a:solidFill>
+                  <a:srgbClr val="000000"/>
+                </a:solidFill>
+                <a:effectLst/>
+                <a:latin typeface="Consolas" panose="020B0609020204030204" pitchFamily="49" charset="0"/>
+              </a:rPr>
+              <a:t>router.get</a:t>
+            </a:r>
+            <a:r>
+              <a:rPr lang="es-419" sz="1200" b="0" dirty="0">
+                <a:solidFill>
+                  <a:srgbClr val="000000"/>
+                </a:solidFill>
+                <a:effectLst/>
+                <a:latin typeface="Consolas" panose="020B0609020204030204" pitchFamily="49" charset="0"/>
+              </a:rPr>
+              <a:t>   (</a:t>
+            </a:r>
+            <a:r>
+              <a:rPr lang="es-419" sz="1200" b="0" dirty="0">
+                <a:solidFill>
+                  <a:srgbClr val="A31515"/>
+                </a:solidFill>
+                <a:effectLst/>
+                <a:latin typeface="Consolas" panose="020B0609020204030204" pitchFamily="49" charset="0"/>
+              </a:rPr>
+              <a:t>'/usuarios'</a:t>
+            </a:r>
+            <a:r>
+              <a:rPr lang="es-419" sz="1200" b="0" dirty="0">
+                <a:solidFill>
+                  <a:srgbClr val="000000"/>
+                </a:solidFill>
+                <a:effectLst/>
+                <a:latin typeface="Consolas" panose="020B0609020204030204" pitchFamily="49" charset="0"/>
+              </a:rPr>
+              <a:t>     , </a:t>
+            </a:r>
+            <a:r>
+              <a:rPr lang="es-419" sz="1200" b="0" dirty="0" err="1">
+                <a:solidFill>
+                  <a:srgbClr val="000000"/>
+                </a:solidFill>
+                <a:effectLst/>
+                <a:latin typeface="Consolas" panose="020B0609020204030204" pitchFamily="49" charset="0"/>
+              </a:rPr>
+              <a:t>userController.readAllUsuarios</a:t>
+            </a:r>
+            <a:r>
+              <a:rPr lang="es-419" sz="1200" b="0" dirty="0">
+                <a:solidFill>
+                  <a:srgbClr val="000000"/>
+                </a:solidFill>
+                <a:effectLst/>
+                <a:latin typeface="Consolas" panose="020B0609020204030204" pitchFamily="49" charset="0"/>
+              </a:rPr>
+              <a:t> )</a:t>
+            </a:r>
+          </a:p>
+          <a:p>
+            <a:r>
+              <a:rPr lang="es-419" sz="1200" b="0" dirty="0" err="1">
+                <a:solidFill>
+                  <a:srgbClr val="000000"/>
+                </a:solidFill>
+                <a:effectLst/>
+                <a:highlight>
+                  <a:srgbClr val="FFFF00"/>
+                </a:highlight>
+                <a:latin typeface="Consolas" panose="020B0609020204030204" pitchFamily="49" charset="0"/>
+              </a:rPr>
+              <a:t>router.post</a:t>
+            </a:r>
+            <a:r>
+              <a:rPr lang="es-419" sz="1200" b="0" dirty="0">
+                <a:solidFill>
+                  <a:srgbClr val="000000"/>
+                </a:solidFill>
+                <a:effectLst/>
+                <a:highlight>
+                  <a:srgbClr val="FFFF00"/>
+                </a:highlight>
+                <a:latin typeface="Consolas" panose="020B0609020204030204" pitchFamily="49" charset="0"/>
+              </a:rPr>
+              <a:t>   (</a:t>
+            </a:r>
+            <a:r>
+              <a:rPr lang="es-419" sz="1200" b="0" dirty="0">
+                <a:solidFill>
+                  <a:srgbClr val="A31515"/>
+                </a:solidFill>
+                <a:effectLst/>
+                <a:highlight>
+                  <a:srgbClr val="FFFF00"/>
+                </a:highlight>
+                <a:latin typeface="Consolas" panose="020B0609020204030204" pitchFamily="49" charset="0"/>
+              </a:rPr>
+              <a:t>'/usuario'</a:t>
+            </a:r>
+            <a:r>
+              <a:rPr lang="es-419" sz="1200" b="0" dirty="0">
+                <a:solidFill>
+                  <a:srgbClr val="000000"/>
+                </a:solidFill>
+                <a:effectLst/>
+                <a:highlight>
+                  <a:srgbClr val="FFFF00"/>
+                </a:highlight>
+                <a:latin typeface="Consolas" panose="020B0609020204030204" pitchFamily="49" charset="0"/>
+              </a:rPr>
+              <a:t>  , </a:t>
+            </a:r>
+            <a:r>
+              <a:rPr lang="es-419" sz="1200" b="0" dirty="0" err="1">
+                <a:solidFill>
+                  <a:srgbClr val="000000"/>
+                </a:solidFill>
+                <a:effectLst/>
+                <a:highlight>
+                  <a:srgbClr val="FFFF00"/>
+                </a:highlight>
+                <a:latin typeface="Consolas" panose="020B0609020204030204" pitchFamily="49" charset="0"/>
+              </a:rPr>
+              <a:t>userController.readOneUsuario</a:t>
+            </a:r>
+            <a:r>
+              <a:rPr lang="es-419" sz="1200" b="0" dirty="0">
+                <a:solidFill>
+                  <a:srgbClr val="000000"/>
+                </a:solidFill>
+                <a:effectLst/>
+                <a:highlight>
+                  <a:srgbClr val="FFFF00"/>
+                </a:highlight>
+                <a:latin typeface="Consolas" panose="020B0609020204030204" pitchFamily="49" charset="0"/>
+              </a:rPr>
+              <a:t> )</a:t>
+            </a:r>
+          </a:p>
+          <a:p>
+            <a:r>
+              <a:rPr lang="es-419" sz="1200" b="0" dirty="0" err="1">
+                <a:solidFill>
+                  <a:srgbClr val="000000"/>
+                </a:solidFill>
+                <a:effectLst/>
+                <a:latin typeface="Consolas" panose="020B0609020204030204" pitchFamily="49" charset="0"/>
+              </a:rPr>
+              <a:t>router.post</a:t>
+            </a:r>
+            <a:r>
+              <a:rPr lang="es-419" sz="1200" b="0" dirty="0">
+                <a:solidFill>
+                  <a:srgbClr val="000000"/>
+                </a:solidFill>
+                <a:effectLst/>
+                <a:latin typeface="Consolas" panose="020B0609020204030204" pitchFamily="49" charset="0"/>
+              </a:rPr>
+              <a:t>  (</a:t>
+            </a:r>
+            <a:r>
+              <a:rPr lang="es-419" sz="1200" b="0" dirty="0">
+                <a:solidFill>
+                  <a:srgbClr val="A31515"/>
+                </a:solidFill>
+                <a:effectLst/>
+                <a:latin typeface="Consolas" panose="020B0609020204030204" pitchFamily="49" charset="0"/>
+              </a:rPr>
+              <a:t>'/usuario/</a:t>
+            </a:r>
+            <a:r>
+              <a:rPr lang="es-419" sz="1200" b="0" dirty="0" err="1">
+                <a:solidFill>
+                  <a:srgbClr val="A31515"/>
+                </a:solidFill>
+                <a:effectLst/>
+                <a:latin typeface="Consolas" panose="020B0609020204030204" pitchFamily="49" charset="0"/>
+              </a:rPr>
+              <a:t>create</a:t>
+            </a:r>
+            <a:r>
+              <a:rPr lang="es-419" sz="1200" b="0" dirty="0">
+                <a:solidFill>
+                  <a:srgbClr val="A31515"/>
+                </a:solidFill>
+                <a:effectLst/>
+                <a:latin typeface="Consolas" panose="020B0609020204030204" pitchFamily="49" charset="0"/>
+              </a:rPr>
+              <a:t>'</a:t>
+            </a:r>
+            <a:r>
+              <a:rPr lang="es-419" sz="1200" b="0" dirty="0">
+                <a:solidFill>
+                  <a:srgbClr val="000000"/>
+                </a:solidFill>
+                <a:effectLst/>
+                <a:latin typeface="Consolas" panose="020B0609020204030204" pitchFamily="49" charset="0"/>
+              </a:rPr>
+              <a:t>      , </a:t>
+            </a:r>
+            <a:r>
+              <a:rPr lang="es-419" sz="1200" b="0" dirty="0" err="1">
+                <a:solidFill>
+                  <a:srgbClr val="000000"/>
+                </a:solidFill>
+                <a:effectLst/>
+                <a:latin typeface="Consolas" panose="020B0609020204030204" pitchFamily="49" charset="0"/>
+              </a:rPr>
+              <a:t>userController.createUsuario</a:t>
+            </a:r>
+            <a:r>
+              <a:rPr lang="es-419" sz="1200" b="0" dirty="0">
+                <a:solidFill>
+                  <a:srgbClr val="000000"/>
+                </a:solidFill>
+                <a:effectLst/>
+                <a:latin typeface="Consolas" panose="020B0609020204030204" pitchFamily="49" charset="0"/>
+              </a:rPr>
+              <a:t> )</a:t>
+            </a:r>
+          </a:p>
+          <a:p>
+            <a:r>
+              <a:rPr lang="es-419" sz="1200" b="0" dirty="0" err="1">
+                <a:solidFill>
+                  <a:srgbClr val="000000"/>
+                </a:solidFill>
+                <a:effectLst/>
+                <a:latin typeface="Consolas" panose="020B0609020204030204" pitchFamily="49" charset="0"/>
+              </a:rPr>
+              <a:t>router.put</a:t>
+            </a:r>
+            <a:r>
+              <a:rPr lang="es-419" sz="1200" b="0" dirty="0">
+                <a:solidFill>
+                  <a:srgbClr val="000000"/>
+                </a:solidFill>
+                <a:effectLst/>
+                <a:latin typeface="Consolas" panose="020B0609020204030204" pitchFamily="49" charset="0"/>
+              </a:rPr>
+              <a:t>   (</a:t>
+            </a:r>
+            <a:r>
+              <a:rPr lang="es-419" sz="1200" b="0" dirty="0">
+                <a:solidFill>
+                  <a:srgbClr val="A31515"/>
+                </a:solidFill>
+                <a:effectLst/>
+                <a:latin typeface="Consolas" panose="020B0609020204030204" pitchFamily="49" charset="0"/>
+              </a:rPr>
+              <a:t>'/usuario/:id'</a:t>
+            </a:r>
+            <a:r>
+              <a:rPr lang="es-419" sz="1200" b="0" dirty="0">
+                <a:solidFill>
+                  <a:srgbClr val="000000"/>
+                </a:solidFill>
+                <a:effectLst/>
+                <a:latin typeface="Consolas" panose="020B0609020204030204" pitchFamily="49" charset="0"/>
+              </a:rPr>
+              <a:t>  , </a:t>
+            </a:r>
+            <a:r>
+              <a:rPr lang="es-419" sz="1200" b="0" dirty="0" err="1">
+                <a:solidFill>
+                  <a:srgbClr val="000000"/>
+                </a:solidFill>
+                <a:effectLst/>
+                <a:latin typeface="Consolas" panose="020B0609020204030204" pitchFamily="49" charset="0"/>
+              </a:rPr>
+              <a:t>userController.updateUsuario</a:t>
+            </a:r>
+            <a:r>
+              <a:rPr lang="es-419" sz="1200" b="0" dirty="0">
+                <a:solidFill>
+                  <a:srgbClr val="000000"/>
+                </a:solidFill>
+                <a:effectLst/>
+                <a:latin typeface="Consolas" panose="020B0609020204030204" pitchFamily="49" charset="0"/>
+              </a:rPr>
+              <a:t> )</a:t>
+            </a:r>
+          </a:p>
+          <a:p>
+            <a:br>
+              <a:rPr lang="es-419" sz="1200" b="0" dirty="0">
+                <a:solidFill>
+                  <a:srgbClr val="000000"/>
+                </a:solidFill>
+                <a:effectLst/>
+                <a:latin typeface="Consolas" panose="020B0609020204030204" pitchFamily="49" charset="0"/>
+              </a:rPr>
+            </a:br>
+            <a:r>
+              <a:rPr lang="es-419" sz="1200" b="0" dirty="0">
+                <a:solidFill>
+                  <a:srgbClr val="000000"/>
+                </a:solidFill>
+                <a:effectLst/>
+                <a:latin typeface="Consolas" panose="020B0609020204030204" pitchFamily="49" charset="0"/>
+              </a:rPr>
+              <a:t>console.log  (</a:t>
+            </a:r>
+            <a:r>
+              <a:rPr lang="es-419" sz="1200" b="0" dirty="0">
+                <a:solidFill>
+                  <a:srgbClr val="A31515"/>
+                </a:solidFill>
+                <a:effectLst/>
+                <a:latin typeface="Consolas" panose="020B0609020204030204" pitchFamily="49" charset="0"/>
+              </a:rPr>
+              <a:t>'</a:t>
+            </a:r>
+            <a:r>
+              <a:rPr lang="es-419" sz="1200" b="0" dirty="0" err="1">
+                <a:solidFill>
+                  <a:srgbClr val="A31515"/>
+                </a:solidFill>
+                <a:effectLst/>
+                <a:latin typeface="Consolas" panose="020B0609020204030204" pitchFamily="49" charset="0"/>
+              </a:rPr>
+              <a:t>auth.router</a:t>
+            </a:r>
+            <a:r>
+              <a:rPr lang="es-419" sz="1200" b="0" dirty="0">
+                <a:solidFill>
+                  <a:srgbClr val="A31515"/>
+                </a:solidFill>
+                <a:effectLst/>
+                <a:latin typeface="Consolas" panose="020B0609020204030204" pitchFamily="49" charset="0"/>
+              </a:rPr>
+              <a:t>'</a:t>
+            </a:r>
+            <a:r>
+              <a:rPr lang="es-419" sz="1200" b="0" dirty="0">
+                <a:solidFill>
+                  <a:srgbClr val="000000"/>
+                </a:solidFill>
+                <a:effectLst/>
+                <a:latin typeface="Consolas" panose="020B0609020204030204" pitchFamily="49" charset="0"/>
+              </a:rPr>
+              <a:t>)</a:t>
+            </a:r>
+          </a:p>
+          <a:p>
+            <a:r>
+              <a:rPr lang="es-419" sz="1200" b="0" dirty="0" err="1">
+                <a:solidFill>
+                  <a:srgbClr val="000000"/>
+                </a:solidFill>
+                <a:effectLst/>
+                <a:latin typeface="Consolas" panose="020B0609020204030204" pitchFamily="49" charset="0"/>
+              </a:rPr>
+              <a:t>module.exports</a:t>
+            </a:r>
+            <a:r>
+              <a:rPr lang="es-419" sz="1200" b="0" dirty="0">
+                <a:solidFill>
+                  <a:srgbClr val="000000"/>
+                </a:solidFill>
+                <a:effectLst/>
+                <a:latin typeface="Consolas" panose="020B0609020204030204" pitchFamily="49" charset="0"/>
+              </a:rPr>
+              <a:t> = </a:t>
+            </a:r>
+            <a:r>
+              <a:rPr lang="es-419" sz="1200" b="0" dirty="0" err="1">
+                <a:solidFill>
+                  <a:srgbClr val="000000"/>
+                </a:solidFill>
+                <a:effectLst/>
+                <a:latin typeface="Consolas" panose="020B0609020204030204" pitchFamily="49" charset="0"/>
+              </a:rPr>
+              <a:t>router</a:t>
+            </a:r>
+            <a:endParaRPr lang="es-419" sz="1200" b="0" dirty="0">
+              <a:solidFill>
+                <a:srgbClr val="000000"/>
+              </a:solidFill>
+              <a:effectLst/>
+              <a:latin typeface="Consolas" panose="020B0609020204030204" pitchFamily="49" charset="0"/>
+            </a:endParaRPr>
+          </a:p>
+          <a:p>
+            <a:endParaRPr lang="es-419" sz="1200" dirty="0"/>
+          </a:p>
+        </p:txBody>
+      </p:sp>
+      <p:sp>
+        <p:nvSpPr>
+          <p:cNvPr id="11" name="CuadroTexto 10">
+            <a:extLst>
+              <a:ext uri="{FF2B5EF4-FFF2-40B4-BE49-F238E27FC236}">
+                <a16:creationId xmlns:a16="http://schemas.microsoft.com/office/drawing/2014/main" id="{106D454C-3B23-8B87-D8EA-6FCBF2EB593B}"/>
+              </a:ext>
+            </a:extLst>
+          </p:cNvPr>
+          <p:cNvSpPr txBox="1"/>
+          <p:nvPr/>
+        </p:nvSpPr>
+        <p:spPr>
+          <a:xfrm>
+            <a:off x="27899" y="2459902"/>
+            <a:ext cx="5868076" cy="230832"/>
+          </a:xfrm>
+          <a:prstGeom prst="rect">
             <a:avLst/>
           </a:prstGeom>
           <a:solidFill>
-            <a:srgbClr val="D80F79"/>
+            <a:schemeClr val="bg2"/>
           </a:solidFill>
         </p:spPr>
-        <p:style>
-          <a:lnRef idx="2">
-            <a:schemeClr val="accent1">
-              <a:shade val="15000"/>
-            </a:schemeClr>
-          </a:lnRef>
-          <a:fillRef idx="1">
-            <a:schemeClr val="accent1"/>
-          </a:fillRef>
-          <a:effectRef idx="0">
-            <a:schemeClr val="accent1"/>
-          </a:effectRef>
-          <a:fontRef idx="minor">
-            <a:schemeClr val="lt1"/>
-          </a:fontRef>
-        </p:style>
         <p:txBody>
-          <a:bodyPr rtlCol="0" anchor="ctr"/>
+          <a:bodyPr wrap="square">
+            <a:spAutoFit/>
+          </a:bodyPr>
           <a:lstStyle/>
           <a:p>
-            <a:pPr algn="ctr"/>
-            <a:endParaRPr lang="es-419"/>
+            <a:r>
+              <a:rPr lang="es-419" sz="900" dirty="0">
+                <a:latin typeface="Courier New" panose="02070309020205020404" pitchFamily="49" charset="0"/>
+                <a:cs typeface="Courier New" panose="02070309020205020404" pitchFamily="49" charset="0"/>
+              </a:rPr>
+              <a:t>C:\MEAN\DEV.SC\app.directorio\frontend\src\</a:t>
+            </a:r>
+            <a:r>
+              <a:rPr lang="es-419" sz="900" dirty="0">
+                <a:solidFill>
+                  <a:srgbClr val="D81279"/>
+                </a:solidFill>
+                <a:latin typeface="Courier New" panose="02070309020205020404" pitchFamily="49" charset="0"/>
+                <a:cs typeface="Courier New" panose="02070309020205020404" pitchFamily="49" charset="0"/>
+              </a:rPr>
+              <a:t>environments\environment.development.ts</a:t>
+            </a:r>
+          </a:p>
+        </p:txBody>
+      </p:sp>
+      <p:sp>
+        <p:nvSpPr>
+          <p:cNvPr id="12" name="CuadroTexto 11">
+            <a:extLst>
+              <a:ext uri="{FF2B5EF4-FFF2-40B4-BE49-F238E27FC236}">
+                <a16:creationId xmlns:a16="http://schemas.microsoft.com/office/drawing/2014/main" id="{61A3D561-3C1A-2353-CF97-9E951CA1DC25}"/>
+              </a:ext>
+            </a:extLst>
+          </p:cNvPr>
+          <p:cNvSpPr txBox="1"/>
+          <p:nvPr/>
+        </p:nvSpPr>
+        <p:spPr>
+          <a:xfrm>
+            <a:off x="-3916" y="3619179"/>
+            <a:ext cx="5899892" cy="230832"/>
+          </a:xfrm>
+          <a:prstGeom prst="rect">
+            <a:avLst/>
+          </a:prstGeom>
+          <a:solidFill>
+            <a:schemeClr val="bg2"/>
+          </a:solidFill>
+        </p:spPr>
+        <p:txBody>
+          <a:bodyPr wrap="square">
+            <a:spAutoFit/>
+          </a:bodyPr>
+          <a:lstStyle>
+            <a:defPPr>
+              <a:defRPr lang="en-US"/>
+            </a:defPPr>
+            <a:lvl1pPr>
+              <a:defRPr sz="900">
+                <a:latin typeface="Courier New" panose="02070309020205020404" pitchFamily="49" charset="0"/>
+                <a:cs typeface="Courier New" panose="02070309020205020404" pitchFamily="49" charset="0"/>
+              </a:defRPr>
+            </a:lvl1pPr>
+          </a:lstStyle>
+          <a:p>
+            <a:r>
+              <a:rPr lang="es-419" dirty="0"/>
+              <a:t>C:\MEAN\DEV.SC\app.directorio\frontend\src\environments\environment.development.ts</a:t>
+            </a:r>
+          </a:p>
+        </p:txBody>
+      </p:sp>
+      <p:sp>
+        <p:nvSpPr>
+          <p:cNvPr id="14" name="CuadroTexto 13">
+            <a:extLst>
+              <a:ext uri="{FF2B5EF4-FFF2-40B4-BE49-F238E27FC236}">
+                <a16:creationId xmlns:a16="http://schemas.microsoft.com/office/drawing/2014/main" id="{E797EDDC-C216-5216-D24F-17128D8B81ED}"/>
+              </a:ext>
+            </a:extLst>
+          </p:cNvPr>
+          <p:cNvSpPr txBox="1"/>
+          <p:nvPr/>
+        </p:nvSpPr>
+        <p:spPr>
+          <a:xfrm>
+            <a:off x="982766" y="3890266"/>
+            <a:ext cx="5668925" cy="1015663"/>
+          </a:xfrm>
+          <a:prstGeom prst="rect">
+            <a:avLst/>
+          </a:prstGeom>
+          <a:noFill/>
+        </p:spPr>
+        <p:txBody>
+          <a:bodyPr wrap="square">
+            <a:spAutoFit/>
+          </a:bodyPr>
+          <a:lstStyle/>
+          <a:p>
+            <a:r>
+              <a:rPr lang="fr-FR" sz="1200" b="0" dirty="0">
+                <a:solidFill>
+                  <a:srgbClr val="0000FF"/>
+                </a:solidFill>
+                <a:effectLst/>
+                <a:latin typeface="Consolas" panose="020B0609020204030204" pitchFamily="49" charset="0"/>
+              </a:rPr>
+              <a:t>export</a:t>
+            </a:r>
+            <a:r>
+              <a:rPr lang="fr-FR" sz="1200" b="0" dirty="0">
+                <a:solidFill>
+                  <a:srgbClr val="000000"/>
+                </a:solidFill>
+                <a:effectLst/>
+                <a:latin typeface="Consolas" panose="020B0609020204030204" pitchFamily="49" charset="0"/>
+              </a:rPr>
+              <a:t> </a:t>
+            </a:r>
+            <a:r>
+              <a:rPr lang="fr-FR" sz="1200" b="0" dirty="0" err="1">
+                <a:solidFill>
+                  <a:srgbClr val="0000FF"/>
+                </a:solidFill>
+                <a:effectLst/>
+                <a:latin typeface="Consolas" panose="020B0609020204030204" pitchFamily="49" charset="0"/>
+              </a:rPr>
+              <a:t>const</a:t>
+            </a:r>
+            <a:r>
+              <a:rPr lang="fr-FR" sz="1200" b="0" dirty="0">
+                <a:solidFill>
+                  <a:srgbClr val="000000"/>
+                </a:solidFill>
+                <a:effectLst/>
+                <a:latin typeface="Consolas" panose="020B0609020204030204" pitchFamily="49" charset="0"/>
+              </a:rPr>
+              <a:t> </a:t>
+            </a:r>
+            <a:r>
+              <a:rPr lang="fr-FR" sz="1200" b="0" dirty="0" err="1">
+                <a:solidFill>
+                  <a:srgbClr val="000000"/>
+                </a:solidFill>
+                <a:effectLst/>
+                <a:latin typeface="Consolas" panose="020B0609020204030204" pitchFamily="49" charset="0"/>
+              </a:rPr>
+              <a:t>environment</a:t>
+            </a:r>
+            <a:r>
+              <a:rPr lang="fr-FR" sz="1200" b="0" dirty="0">
+                <a:solidFill>
+                  <a:srgbClr val="000000"/>
+                </a:solidFill>
+                <a:effectLst/>
+                <a:latin typeface="Consolas" panose="020B0609020204030204" pitchFamily="49" charset="0"/>
+              </a:rPr>
+              <a:t> = {</a:t>
+            </a:r>
+          </a:p>
+          <a:p>
+            <a:r>
+              <a:rPr lang="fr-FR" sz="1200" b="0" dirty="0">
+                <a:solidFill>
+                  <a:srgbClr val="000000"/>
+                </a:solidFill>
+                <a:effectLst/>
+                <a:latin typeface="Consolas" panose="020B0609020204030204" pitchFamily="49" charset="0"/>
+              </a:rPr>
+              <a:t>    production: </a:t>
+            </a:r>
+            <a:r>
+              <a:rPr lang="fr-FR" sz="1200" b="0" dirty="0">
+                <a:solidFill>
+                  <a:srgbClr val="0000FF"/>
+                </a:solidFill>
+                <a:effectLst/>
+                <a:latin typeface="Consolas" panose="020B0609020204030204" pitchFamily="49" charset="0"/>
+              </a:rPr>
+              <a:t>false</a:t>
+            </a:r>
+            <a:r>
+              <a:rPr lang="fr-FR" sz="1200" b="0" dirty="0">
+                <a:solidFill>
+                  <a:srgbClr val="000000"/>
+                </a:solidFill>
+                <a:effectLst/>
+                <a:latin typeface="Consolas" panose="020B0609020204030204" pitchFamily="49" charset="0"/>
+              </a:rPr>
+              <a:t>,</a:t>
+            </a:r>
+          </a:p>
+          <a:p>
+            <a:r>
+              <a:rPr lang="fr-FR" sz="1200" b="0" dirty="0">
+                <a:solidFill>
+                  <a:srgbClr val="000000"/>
+                </a:solidFill>
+                <a:effectLst/>
+                <a:latin typeface="Consolas" panose="020B0609020204030204" pitchFamily="49" charset="0"/>
+              </a:rPr>
+              <a:t>    </a:t>
+            </a:r>
+            <a:r>
+              <a:rPr lang="fr-FR" sz="1200" b="0" dirty="0" err="1">
+                <a:solidFill>
+                  <a:srgbClr val="000000"/>
+                </a:solidFill>
+                <a:effectLst/>
+                <a:latin typeface="Consolas" panose="020B0609020204030204" pitchFamily="49" charset="0"/>
+              </a:rPr>
+              <a:t>apiUrl</a:t>
+            </a:r>
+            <a:r>
+              <a:rPr lang="fr-FR" sz="1200" b="0" dirty="0">
+                <a:solidFill>
+                  <a:srgbClr val="000000"/>
+                </a:solidFill>
+                <a:effectLst/>
+                <a:latin typeface="Consolas" panose="020B0609020204030204" pitchFamily="49" charset="0"/>
+              </a:rPr>
+              <a:t>: </a:t>
+            </a:r>
+            <a:r>
+              <a:rPr lang="fr-FR" sz="1200" b="0" dirty="0">
+                <a:solidFill>
+                  <a:srgbClr val="A31515"/>
+                </a:solidFill>
+                <a:effectLst/>
+                <a:latin typeface="Consolas" panose="020B0609020204030204" pitchFamily="49" charset="0"/>
+              </a:rPr>
+              <a:t>'http://localhost:3000/api'</a:t>
+            </a:r>
+            <a:r>
+              <a:rPr lang="fr-FR" sz="1200" b="0" dirty="0">
+                <a:solidFill>
+                  <a:srgbClr val="000000"/>
+                </a:solidFill>
+                <a:effectLst/>
+                <a:latin typeface="Consolas" panose="020B0609020204030204" pitchFamily="49" charset="0"/>
+              </a:rPr>
+              <a:t>,</a:t>
+            </a:r>
+          </a:p>
+          <a:p>
+            <a:r>
+              <a:rPr lang="fr-FR" sz="1200" b="0" dirty="0">
+                <a:solidFill>
+                  <a:srgbClr val="000000"/>
+                </a:solidFill>
+                <a:effectLst/>
+                <a:latin typeface="Consolas" panose="020B0609020204030204" pitchFamily="49" charset="0"/>
+              </a:rPr>
+              <a:t>    </a:t>
+            </a:r>
+            <a:r>
+              <a:rPr lang="fr-FR" sz="1200" b="0" dirty="0" err="1">
+                <a:solidFill>
+                  <a:srgbClr val="000000"/>
+                </a:solidFill>
+                <a:effectLst/>
+                <a:latin typeface="Consolas" panose="020B0609020204030204" pitchFamily="49" charset="0"/>
+              </a:rPr>
+              <a:t>apiAuth</a:t>
+            </a:r>
+            <a:r>
+              <a:rPr lang="fr-FR" sz="1200" b="0" dirty="0">
+                <a:solidFill>
+                  <a:srgbClr val="000000"/>
+                </a:solidFill>
+                <a:effectLst/>
+                <a:latin typeface="Consolas" panose="020B0609020204030204" pitchFamily="49" charset="0"/>
+              </a:rPr>
+              <a:t>: </a:t>
+            </a:r>
+            <a:r>
+              <a:rPr lang="fr-FR" sz="1200" b="0" dirty="0">
+                <a:solidFill>
+                  <a:srgbClr val="A31515"/>
+                </a:solidFill>
+                <a:effectLst/>
+                <a:latin typeface="Consolas" panose="020B0609020204030204" pitchFamily="49" charset="0"/>
+              </a:rPr>
+              <a:t>'http://localhost:3000/</a:t>
+            </a:r>
+            <a:r>
+              <a:rPr lang="fr-FR" sz="1200" b="0" dirty="0" err="1">
+                <a:solidFill>
+                  <a:srgbClr val="A31515"/>
+                </a:solidFill>
+                <a:effectLst/>
+                <a:highlight>
+                  <a:srgbClr val="FFFF00"/>
+                </a:highlight>
+                <a:latin typeface="Consolas" panose="020B0609020204030204" pitchFamily="49" charset="0"/>
+              </a:rPr>
+              <a:t>auth</a:t>
+            </a:r>
+            <a:r>
+              <a:rPr lang="fr-FR" sz="1200" b="0" dirty="0">
+                <a:solidFill>
+                  <a:srgbClr val="A31515"/>
+                </a:solidFill>
+                <a:effectLst/>
+                <a:latin typeface="Consolas" panose="020B0609020204030204" pitchFamily="49" charset="0"/>
+              </a:rPr>
+              <a:t>'</a:t>
+            </a:r>
+            <a:endParaRPr lang="fr-FR" sz="1200" b="0" dirty="0">
+              <a:solidFill>
+                <a:srgbClr val="000000"/>
+              </a:solidFill>
+              <a:effectLst/>
+              <a:latin typeface="Consolas" panose="020B0609020204030204" pitchFamily="49" charset="0"/>
+            </a:endParaRPr>
+          </a:p>
+          <a:p>
+            <a:r>
+              <a:rPr lang="fr-FR" sz="1200" b="0" dirty="0">
+                <a:solidFill>
+                  <a:srgbClr val="000000"/>
+                </a:solidFill>
+                <a:effectLst/>
+                <a:latin typeface="Consolas" panose="020B0609020204030204" pitchFamily="49" charset="0"/>
+              </a:rPr>
+              <a:t>};</a:t>
+            </a:r>
+          </a:p>
+        </p:txBody>
+      </p:sp>
+      <p:sp>
+        <p:nvSpPr>
+          <p:cNvPr id="15" name="CuadroTexto 14">
+            <a:extLst>
+              <a:ext uri="{FF2B5EF4-FFF2-40B4-BE49-F238E27FC236}">
+                <a16:creationId xmlns:a16="http://schemas.microsoft.com/office/drawing/2014/main" id="{0A4A5B52-ACAA-9E0C-FFBA-50E7F0631524}"/>
+              </a:ext>
+            </a:extLst>
+          </p:cNvPr>
+          <p:cNvSpPr txBox="1"/>
+          <p:nvPr/>
+        </p:nvSpPr>
+        <p:spPr>
+          <a:xfrm>
+            <a:off x="6314738" y="2452641"/>
+            <a:ext cx="5868076" cy="230832"/>
+          </a:xfrm>
+          <a:prstGeom prst="rect">
+            <a:avLst/>
+          </a:prstGeom>
+          <a:solidFill>
+            <a:schemeClr val="bg2"/>
+          </a:solidFill>
+        </p:spPr>
+        <p:txBody>
+          <a:bodyPr wrap="square">
+            <a:spAutoFit/>
+          </a:bodyPr>
+          <a:lstStyle/>
+          <a:p>
+            <a:r>
+              <a:rPr lang="es-419" sz="900" dirty="0">
+                <a:latin typeface="Courier New" panose="02070309020205020404" pitchFamily="49" charset="0"/>
+                <a:cs typeface="Courier New" panose="02070309020205020404" pitchFamily="49" charset="0"/>
+              </a:rPr>
+              <a:t>C:\MEAN\DEV.SC\app.directorio\backend\</a:t>
+            </a:r>
+            <a:r>
+              <a:rPr lang="es-419" sz="900" dirty="0">
+                <a:solidFill>
+                  <a:srgbClr val="D81279"/>
+                </a:solidFill>
+                <a:latin typeface="Courier New" panose="02070309020205020404" pitchFamily="49" charset="0"/>
+                <a:cs typeface="Courier New" panose="02070309020205020404" pitchFamily="49" charset="0"/>
+              </a:rPr>
+              <a:t>api\routes\auth.routes.js</a:t>
+            </a:r>
+          </a:p>
+        </p:txBody>
+      </p:sp>
+      <p:sp>
+        <p:nvSpPr>
+          <p:cNvPr id="3" name="CuadroTexto 2">
+            <a:extLst>
+              <a:ext uri="{FF2B5EF4-FFF2-40B4-BE49-F238E27FC236}">
+                <a16:creationId xmlns:a16="http://schemas.microsoft.com/office/drawing/2014/main" id="{28BCE20B-D715-B691-B05D-526D726B4CDC}"/>
+              </a:ext>
+            </a:extLst>
+          </p:cNvPr>
+          <p:cNvSpPr txBox="1"/>
+          <p:nvPr/>
+        </p:nvSpPr>
+        <p:spPr>
+          <a:xfrm>
+            <a:off x="-22629" y="4932562"/>
+            <a:ext cx="5899892" cy="230832"/>
+          </a:xfrm>
+          <a:prstGeom prst="rect">
+            <a:avLst/>
+          </a:prstGeom>
+          <a:solidFill>
+            <a:schemeClr val="bg2"/>
+          </a:solidFill>
+        </p:spPr>
+        <p:txBody>
+          <a:bodyPr wrap="square">
+            <a:spAutoFit/>
+          </a:bodyPr>
+          <a:lstStyle>
+            <a:defPPr>
+              <a:defRPr lang="en-US"/>
+            </a:defPPr>
+            <a:lvl1pPr>
+              <a:defRPr sz="900">
+                <a:latin typeface="Courier New" panose="02070309020205020404" pitchFamily="49" charset="0"/>
+                <a:cs typeface="Courier New" panose="02070309020205020404" pitchFamily="49" charset="0"/>
+              </a:defRPr>
+            </a:lvl1pPr>
+          </a:lstStyle>
+          <a:p>
+            <a:r>
+              <a:rPr lang="es-419" dirty="0"/>
+              <a:t>C:\MEAN\DEV.SC\app.directorio\frontend\src\</a:t>
+            </a:r>
+            <a:r>
+              <a:rPr lang="es-419" dirty="0">
+                <a:solidFill>
+                  <a:srgbClr val="D81279"/>
+                </a:solidFill>
+              </a:rPr>
+              <a:t>app\auth\services\usuario.service.ts</a:t>
+            </a:r>
+          </a:p>
+        </p:txBody>
+      </p:sp>
+      <p:sp>
+        <p:nvSpPr>
+          <p:cNvPr id="10" name="CuadroTexto 9">
+            <a:extLst>
+              <a:ext uri="{FF2B5EF4-FFF2-40B4-BE49-F238E27FC236}">
+                <a16:creationId xmlns:a16="http://schemas.microsoft.com/office/drawing/2014/main" id="{69DE25F5-C3F2-68CC-4AB9-C321A63BF006}"/>
+              </a:ext>
+            </a:extLst>
+          </p:cNvPr>
+          <p:cNvSpPr txBox="1"/>
+          <p:nvPr/>
+        </p:nvSpPr>
+        <p:spPr>
+          <a:xfrm>
+            <a:off x="950952" y="5206078"/>
+            <a:ext cx="4926312" cy="1477328"/>
+          </a:xfrm>
+          <a:prstGeom prst="rect">
+            <a:avLst/>
+          </a:prstGeom>
+          <a:noFill/>
+        </p:spPr>
+        <p:txBody>
+          <a:bodyPr wrap="square">
+            <a:spAutoFit/>
+          </a:bodyPr>
+          <a:lstStyle/>
+          <a:p>
+            <a:r>
+              <a:rPr lang="es-419" sz="1000" b="0" dirty="0" err="1">
+                <a:solidFill>
+                  <a:srgbClr val="0000FF"/>
+                </a:solidFill>
+                <a:effectLst/>
+                <a:latin typeface="Consolas" panose="020B0609020204030204" pitchFamily="49" charset="0"/>
+              </a:rPr>
+              <a:t>import</a:t>
+            </a:r>
+            <a:r>
+              <a:rPr lang="es-419" sz="1000" b="0" dirty="0">
+                <a:solidFill>
+                  <a:srgbClr val="000000"/>
+                </a:solidFill>
+                <a:effectLst/>
+                <a:latin typeface="Consolas" panose="020B0609020204030204" pitchFamily="49" charset="0"/>
+              </a:rPr>
+              <a:t> { Registro } </a:t>
+            </a:r>
+            <a:r>
+              <a:rPr lang="es-419" sz="1000" b="0" dirty="0" err="1">
+                <a:solidFill>
+                  <a:srgbClr val="0000FF"/>
+                </a:solidFill>
+                <a:effectLst/>
+                <a:latin typeface="Consolas" panose="020B0609020204030204" pitchFamily="49" charset="0"/>
+              </a:rPr>
+              <a:t>from</a:t>
+            </a:r>
+            <a:r>
+              <a:rPr lang="es-419" sz="1000" b="0" dirty="0">
+                <a:solidFill>
+                  <a:srgbClr val="000000"/>
+                </a:solidFill>
+                <a:effectLst/>
+                <a:latin typeface="Consolas" panose="020B0609020204030204" pitchFamily="49" charset="0"/>
+              </a:rPr>
+              <a:t> </a:t>
+            </a:r>
+            <a:r>
+              <a:rPr lang="es-419" sz="1000" b="0" dirty="0">
+                <a:solidFill>
+                  <a:srgbClr val="A31515"/>
+                </a:solidFill>
+                <a:effectLst/>
+                <a:latin typeface="Consolas" panose="020B0609020204030204" pitchFamily="49" charset="0"/>
+              </a:rPr>
+              <a:t>'../interfaces/</a:t>
+            </a:r>
+            <a:r>
+              <a:rPr lang="es-419" sz="1000" b="0" dirty="0" err="1">
+                <a:solidFill>
+                  <a:srgbClr val="A31515"/>
+                </a:solidFill>
+                <a:effectLst/>
+                <a:latin typeface="Consolas" panose="020B0609020204030204" pitchFamily="49" charset="0"/>
+              </a:rPr>
+              <a:t>registro.interface</a:t>
+            </a:r>
+            <a:r>
+              <a:rPr lang="es-419" sz="1000" b="0" dirty="0">
+                <a:solidFill>
+                  <a:srgbClr val="A31515"/>
+                </a:solidFill>
+                <a:effectLst/>
+                <a:latin typeface="Consolas" panose="020B0609020204030204" pitchFamily="49" charset="0"/>
+              </a:rPr>
+              <a:t>'</a:t>
+            </a:r>
+            <a:r>
+              <a:rPr lang="es-419" sz="1000" b="0" dirty="0">
+                <a:solidFill>
+                  <a:srgbClr val="000000"/>
+                </a:solidFill>
+                <a:effectLst/>
+                <a:latin typeface="Consolas" panose="020B0609020204030204" pitchFamily="49" charset="0"/>
+              </a:rPr>
+              <a:t>;</a:t>
+            </a:r>
+          </a:p>
+          <a:p>
+            <a:r>
+              <a:rPr lang="es-419" sz="1000" b="0" dirty="0" err="1">
+                <a:solidFill>
+                  <a:srgbClr val="0000FF"/>
+                </a:solidFill>
+                <a:effectLst/>
+                <a:latin typeface="Consolas" panose="020B0609020204030204" pitchFamily="49" charset="0"/>
+              </a:rPr>
+              <a:t>import</a:t>
+            </a:r>
+            <a:r>
+              <a:rPr lang="es-419" sz="1000" b="0" dirty="0">
+                <a:solidFill>
+                  <a:srgbClr val="000000"/>
+                </a:solidFill>
+                <a:effectLst/>
+                <a:latin typeface="Consolas" panose="020B0609020204030204" pitchFamily="49" charset="0"/>
+              </a:rPr>
+              <a:t> { Usuarios } </a:t>
+            </a:r>
+            <a:r>
+              <a:rPr lang="es-419" sz="1000" b="0" dirty="0" err="1">
+                <a:solidFill>
+                  <a:srgbClr val="0000FF"/>
+                </a:solidFill>
+                <a:effectLst/>
+                <a:latin typeface="Consolas" panose="020B0609020204030204" pitchFamily="49" charset="0"/>
+              </a:rPr>
+              <a:t>from</a:t>
+            </a:r>
+            <a:r>
+              <a:rPr lang="es-419" sz="1000" b="0" dirty="0">
+                <a:solidFill>
+                  <a:srgbClr val="000000"/>
+                </a:solidFill>
+                <a:effectLst/>
+                <a:latin typeface="Consolas" panose="020B0609020204030204" pitchFamily="49" charset="0"/>
+              </a:rPr>
+              <a:t> </a:t>
+            </a:r>
+            <a:r>
+              <a:rPr lang="es-419" sz="1000" b="0" dirty="0">
+                <a:solidFill>
+                  <a:srgbClr val="A31515"/>
+                </a:solidFill>
+                <a:effectLst/>
+                <a:latin typeface="Consolas" panose="020B0609020204030204" pitchFamily="49" charset="0"/>
+              </a:rPr>
+              <a:t>'../</a:t>
+            </a:r>
+            <a:r>
+              <a:rPr lang="es-419" sz="1000" b="0" dirty="0" err="1">
+                <a:solidFill>
+                  <a:srgbClr val="A31515"/>
+                </a:solidFill>
+                <a:effectLst/>
+                <a:latin typeface="Consolas" panose="020B0609020204030204" pitchFamily="49" charset="0"/>
+              </a:rPr>
+              <a:t>models</a:t>
+            </a:r>
+            <a:r>
+              <a:rPr lang="es-419" sz="1000" b="0" dirty="0">
+                <a:solidFill>
+                  <a:srgbClr val="A31515"/>
+                </a:solidFill>
+                <a:effectLst/>
+                <a:latin typeface="Consolas" panose="020B0609020204030204" pitchFamily="49" charset="0"/>
+              </a:rPr>
+              <a:t>/</a:t>
+            </a:r>
+            <a:r>
+              <a:rPr lang="es-419" sz="1000" b="0" dirty="0" err="1">
+                <a:solidFill>
+                  <a:srgbClr val="A31515"/>
+                </a:solidFill>
+                <a:effectLst/>
+                <a:latin typeface="Consolas" panose="020B0609020204030204" pitchFamily="49" charset="0"/>
+              </a:rPr>
+              <a:t>usuarios.model</a:t>
+            </a:r>
+            <a:r>
+              <a:rPr lang="es-419" sz="1000" b="0" dirty="0">
+                <a:solidFill>
+                  <a:srgbClr val="A31515"/>
+                </a:solidFill>
+                <a:effectLst/>
+                <a:latin typeface="Consolas" panose="020B0609020204030204" pitchFamily="49" charset="0"/>
+              </a:rPr>
+              <a:t>'</a:t>
+            </a:r>
+            <a:r>
+              <a:rPr lang="es-419" sz="1000" b="0" dirty="0">
+                <a:solidFill>
+                  <a:srgbClr val="000000"/>
+                </a:solidFill>
+                <a:effectLst/>
+                <a:latin typeface="Consolas" panose="020B0609020204030204" pitchFamily="49" charset="0"/>
+              </a:rPr>
+              <a:t>;</a:t>
+            </a:r>
+          </a:p>
+          <a:p>
+            <a:br>
+              <a:rPr lang="es-419" sz="1000" b="0" dirty="0">
+                <a:solidFill>
+                  <a:srgbClr val="000000"/>
+                </a:solidFill>
+                <a:effectLst/>
+                <a:latin typeface="Consolas" panose="020B0609020204030204" pitchFamily="49" charset="0"/>
+              </a:rPr>
+            </a:br>
+            <a:r>
+              <a:rPr lang="es-419" sz="1000" b="0" dirty="0" err="1">
+                <a:solidFill>
+                  <a:srgbClr val="0000FF"/>
+                </a:solidFill>
+                <a:effectLst/>
+                <a:latin typeface="Consolas" panose="020B0609020204030204" pitchFamily="49" charset="0"/>
+              </a:rPr>
+              <a:t>const</a:t>
+            </a:r>
+            <a:r>
+              <a:rPr lang="es-419" sz="1000" b="0" dirty="0">
+                <a:solidFill>
+                  <a:srgbClr val="000000"/>
+                </a:solidFill>
+                <a:effectLst/>
+                <a:latin typeface="Consolas" panose="020B0609020204030204" pitchFamily="49" charset="0"/>
+              </a:rPr>
+              <a:t> </a:t>
+            </a:r>
+            <a:r>
+              <a:rPr lang="es-419" sz="1000" b="0" dirty="0" err="1">
+                <a:solidFill>
+                  <a:srgbClr val="000000"/>
+                </a:solidFill>
+                <a:effectLst/>
+                <a:latin typeface="Consolas" panose="020B0609020204030204" pitchFamily="49" charset="0"/>
+              </a:rPr>
+              <a:t>url</a:t>
+            </a:r>
+            <a:r>
+              <a:rPr lang="es-419" sz="1000" b="0" dirty="0">
+                <a:solidFill>
+                  <a:srgbClr val="000000"/>
+                </a:solidFill>
+                <a:effectLst/>
+                <a:latin typeface="Consolas" panose="020B0609020204030204" pitchFamily="49" charset="0"/>
+              </a:rPr>
+              <a:t> = </a:t>
+            </a:r>
+            <a:r>
+              <a:rPr lang="es-419" sz="1000" b="0" dirty="0" err="1">
+                <a:solidFill>
+                  <a:srgbClr val="000000"/>
+                </a:solidFill>
+                <a:effectLst/>
+                <a:highlight>
+                  <a:srgbClr val="FFFF00"/>
+                </a:highlight>
+                <a:latin typeface="Consolas" panose="020B0609020204030204" pitchFamily="49" charset="0"/>
+              </a:rPr>
+              <a:t>environment.apiAuth</a:t>
+            </a:r>
+            <a:r>
+              <a:rPr lang="es-419" sz="1000" b="0" dirty="0">
+                <a:solidFill>
+                  <a:srgbClr val="000000"/>
+                </a:solidFill>
+                <a:effectLst/>
+                <a:highlight>
+                  <a:srgbClr val="FFFF00"/>
+                </a:highlight>
+                <a:latin typeface="Consolas" panose="020B0609020204030204" pitchFamily="49" charset="0"/>
+              </a:rPr>
+              <a:t>;</a:t>
+            </a:r>
+          </a:p>
+          <a:p>
+            <a:br>
+              <a:rPr lang="es-419" sz="1000" b="0" dirty="0">
+                <a:solidFill>
+                  <a:srgbClr val="000000"/>
+                </a:solidFill>
+                <a:effectLst/>
+                <a:latin typeface="Consolas" panose="020B0609020204030204" pitchFamily="49" charset="0"/>
+              </a:rPr>
+            </a:br>
+            <a:r>
+              <a:rPr lang="es-419" sz="1000" b="0" dirty="0">
+                <a:solidFill>
+                  <a:srgbClr val="000000"/>
+                </a:solidFill>
+                <a:effectLst/>
+                <a:latin typeface="Consolas" panose="020B0609020204030204" pitchFamily="49" charset="0"/>
+              </a:rPr>
+              <a:t>@Injectable({</a:t>
+            </a:r>
+          </a:p>
+          <a:p>
+            <a:r>
+              <a:rPr lang="es-419" sz="1000" b="0" dirty="0">
+                <a:solidFill>
+                  <a:srgbClr val="000000"/>
+                </a:solidFill>
+                <a:effectLst/>
+                <a:latin typeface="Consolas" panose="020B0609020204030204" pitchFamily="49" charset="0"/>
+              </a:rPr>
+              <a:t>  </a:t>
+            </a:r>
+            <a:r>
+              <a:rPr lang="es-419" sz="1000" b="0" dirty="0" err="1">
+                <a:solidFill>
+                  <a:srgbClr val="000000"/>
+                </a:solidFill>
+                <a:effectLst/>
+                <a:latin typeface="Consolas" panose="020B0609020204030204" pitchFamily="49" charset="0"/>
+              </a:rPr>
+              <a:t>providedIn</a:t>
+            </a:r>
+            <a:r>
+              <a:rPr lang="es-419" sz="1000" b="0" dirty="0">
+                <a:solidFill>
+                  <a:srgbClr val="000000"/>
+                </a:solidFill>
+                <a:effectLst/>
+                <a:latin typeface="Consolas" panose="020B0609020204030204" pitchFamily="49" charset="0"/>
+              </a:rPr>
+              <a:t>: </a:t>
+            </a:r>
+            <a:r>
+              <a:rPr lang="es-419" sz="1000" b="0" dirty="0">
+                <a:solidFill>
+                  <a:srgbClr val="A31515"/>
+                </a:solidFill>
+                <a:effectLst/>
+                <a:latin typeface="Consolas" panose="020B0609020204030204" pitchFamily="49" charset="0"/>
+              </a:rPr>
+              <a:t>'</a:t>
+            </a:r>
+            <a:r>
+              <a:rPr lang="es-419" sz="1000" b="0" dirty="0" err="1">
+                <a:solidFill>
+                  <a:srgbClr val="A31515"/>
+                </a:solidFill>
+                <a:effectLst/>
+                <a:latin typeface="Consolas" panose="020B0609020204030204" pitchFamily="49" charset="0"/>
+              </a:rPr>
+              <a:t>root</a:t>
+            </a:r>
+            <a:r>
+              <a:rPr lang="es-419" sz="1000" b="0" dirty="0">
+                <a:solidFill>
+                  <a:srgbClr val="A31515"/>
+                </a:solidFill>
+                <a:effectLst/>
+                <a:latin typeface="Consolas" panose="020B0609020204030204" pitchFamily="49" charset="0"/>
+              </a:rPr>
+              <a:t>'</a:t>
+            </a:r>
+            <a:endParaRPr lang="es-419" sz="1000" b="0" dirty="0">
+              <a:solidFill>
+                <a:srgbClr val="000000"/>
+              </a:solidFill>
+              <a:effectLst/>
+              <a:latin typeface="Consolas" panose="020B0609020204030204" pitchFamily="49" charset="0"/>
+            </a:endParaRPr>
+          </a:p>
+          <a:p>
+            <a:r>
+              <a:rPr lang="es-419" sz="1000" b="0" dirty="0">
+                <a:solidFill>
+                  <a:srgbClr val="000000"/>
+                </a:solidFill>
+                <a:effectLst/>
+                <a:latin typeface="Consolas" panose="020B0609020204030204" pitchFamily="49" charset="0"/>
+              </a:rPr>
+              <a:t>})</a:t>
+            </a:r>
+          </a:p>
+          <a:p>
+            <a:r>
+              <a:rPr lang="es-419" sz="1000" b="0" dirty="0" err="1">
+                <a:solidFill>
+                  <a:srgbClr val="0000FF"/>
+                </a:solidFill>
+                <a:effectLst/>
+                <a:latin typeface="Consolas" panose="020B0609020204030204" pitchFamily="49" charset="0"/>
+              </a:rPr>
+              <a:t>export</a:t>
+            </a:r>
+            <a:r>
+              <a:rPr lang="es-419" sz="1000" b="0" dirty="0">
+                <a:solidFill>
+                  <a:srgbClr val="000000"/>
+                </a:solidFill>
+                <a:effectLst/>
+                <a:latin typeface="Consolas" panose="020B0609020204030204" pitchFamily="49" charset="0"/>
+              </a:rPr>
+              <a:t> </a:t>
+            </a:r>
+            <a:r>
+              <a:rPr lang="es-419" sz="1000" b="0" dirty="0" err="1">
+                <a:solidFill>
+                  <a:srgbClr val="0000FF"/>
+                </a:solidFill>
+                <a:effectLst/>
+                <a:latin typeface="Consolas" panose="020B0609020204030204" pitchFamily="49" charset="0"/>
+              </a:rPr>
+              <a:t>class</a:t>
+            </a:r>
+            <a:r>
+              <a:rPr lang="es-419" sz="1000" b="0" dirty="0">
+                <a:solidFill>
+                  <a:srgbClr val="000000"/>
+                </a:solidFill>
+                <a:effectLst/>
+                <a:latin typeface="Consolas" panose="020B0609020204030204" pitchFamily="49" charset="0"/>
+              </a:rPr>
+              <a:t> </a:t>
+            </a:r>
+            <a:r>
+              <a:rPr lang="es-419" sz="1000" b="0" dirty="0" err="1">
+                <a:solidFill>
+                  <a:srgbClr val="000000"/>
+                </a:solidFill>
+                <a:effectLst/>
+                <a:latin typeface="Consolas" panose="020B0609020204030204" pitchFamily="49" charset="0"/>
+              </a:rPr>
+              <a:t>UsuarioService</a:t>
+            </a:r>
+            <a:r>
+              <a:rPr lang="es-419" sz="1000" b="0" dirty="0">
+                <a:solidFill>
+                  <a:srgbClr val="000000"/>
+                </a:solidFill>
+                <a:effectLst/>
+                <a:latin typeface="Consolas" panose="020B0609020204030204" pitchFamily="49" charset="0"/>
+              </a:rPr>
+              <a:t> {</a:t>
+            </a:r>
           </a:p>
         </p:txBody>
       </p:sp>
     </p:spTree>
     <p:extLst>
       <p:ext uri="{BB962C8B-B14F-4D97-AF65-F5344CB8AC3E}">
-        <p14:creationId xmlns:p14="http://schemas.microsoft.com/office/powerpoint/2010/main" val="3803052783"/>
+        <p14:creationId xmlns:p14="http://schemas.microsoft.com/office/powerpoint/2010/main" val="2780718428"/>
       </p:ext>
     </p:extLst>
   </p:cSld>
@@ -19764,2616 +22239,6 @@
         </p:nvSpPr>
         <p:spPr>
           <a:xfrm>
-            <a:off x="982766" y="2666772"/>
-            <a:ext cx="5113234" cy="999924"/>
-          </a:xfrm>
-        </p:spPr>
-        <p:txBody>
-          <a:bodyPr/>
-          <a:lstStyle/>
-          <a:p>
-            <a:r>
-              <a:rPr lang="fr-FR" sz="1200" b="0" dirty="0">
-                <a:solidFill>
-                  <a:srgbClr val="0000FF"/>
-                </a:solidFill>
-                <a:effectLst/>
-                <a:latin typeface="Consolas" panose="020B0609020204030204" pitchFamily="49" charset="0"/>
-              </a:rPr>
-              <a:t>export</a:t>
-            </a:r>
-            <a:r>
-              <a:rPr lang="fr-FR" sz="1200" b="0" dirty="0">
-                <a:solidFill>
-                  <a:srgbClr val="000000"/>
-                </a:solidFill>
-                <a:effectLst/>
-                <a:latin typeface="Consolas" panose="020B0609020204030204" pitchFamily="49" charset="0"/>
-              </a:rPr>
-              <a:t> </a:t>
-            </a:r>
-            <a:r>
-              <a:rPr lang="fr-FR" sz="1200" b="0" dirty="0" err="1">
-                <a:solidFill>
-                  <a:srgbClr val="0000FF"/>
-                </a:solidFill>
-                <a:effectLst/>
-                <a:latin typeface="Consolas" panose="020B0609020204030204" pitchFamily="49" charset="0"/>
-              </a:rPr>
-              <a:t>const</a:t>
-            </a:r>
-            <a:r>
-              <a:rPr lang="fr-FR" sz="1200" b="0" dirty="0">
-                <a:solidFill>
-                  <a:srgbClr val="000000"/>
-                </a:solidFill>
-                <a:effectLst/>
-                <a:latin typeface="Consolas" panose="020B0609020204030204" pitchFamily="49" charset="0"/>
-              </a:rPr>
-              <a:t> </a:t>
-            </a:r>
-            <a:r>
-              <a:rPr lang="fr-FR" sz="1200" b="0" dirty="0" err="1">
-                <a:solidFill>
-                  <a:srgbClr val="000000"/>
-                </a:solidFill>
-                <a:effectLst/>
-                <a:latin typeface="Consolas" panose="020B0609020204030204" pitchFamily="49" charset="0"/>
-              </a:rPr>
-              <a:t>environment</a:t>
-            </a:r>
-            <a:r>
-              <a:rPr lang="fr-FR" sz="1200" b="0" dirty="0">
-                <a:solidFill>
-                  <a:srgbClr val="000000"/>
-                </a:solidFill>
-                <a:effectLst/>
-                <a:latin typeface="Consolas" panose="020B0609020204030204" pitchFamily="49" charset="0"/>
-              </a:rPr>
-              <a:t> = {</a:t>
-            </a:r>
-          </a:p>
-          <a:p>
-            <a:r>
-              <a:rPr lang="fr-FR" sz="1200" b="0" dirty="0">
-                <a:solidFill>
-                  <a:srgbClr val="000000"/>
-                </a:solidFill>
-                <a:effectLst/>
-                <a:latin typeface="Consolas" panose="020B0609020204030204" pitchFamily="49" charset="0"/>
-              </a:rPr>
-              <a:t>    production: </a:t>
-            </a:r>
-            <a:r>
-              <a:rPr lang="fr-FR" sz="1200" b="0" dirty="0">
-                <a:solidFill>
-                  <a:srgbClr val="0000FF"/>
-                </a:solidFill>
-                <a:effectLst/>
-                <a:latin typeface="Consolas" panose="020B0609020204030204" pitchFamily="49" charset="0"/>
-              </a:rPr>
-              <a:t>false</a:t>
-            </a:r>
-            <a:r>
-              <a:rPr lang="fr-FR" sz="1200" b="0" dirty="0">
-                <a:solidFill>
-                  <a:srgbClr val="000000"/>
-                </a:solidFill>
-                <a:effectLst/>
-                <a:latin typeface="Consolas" panose="020B0609020204030204" pitchFamily="49" charset="0"/>
-              </a:rPr>
-              <a:t>,</a:t>
-            </a:r>
-          </a:p>
-          <a:p>
-            <a:r>
-              <a:rPr lang="fr-FR" sz="1200" b="0" dirty="0">
-                <a:solidFill>
-                  <a:srgbClr val="000000"/>
-                </a:solidFill>
-                <a:effectLst/>
-                <a:latin typeface="Consolas" panose="020B0609020204030204" pitchFamily="49" charset="0"/>
-              </a:rPr>
-              <a:t>    </a:t>
-            </a:r>
-            <a:r>
-              <a:rPr lang="fr-FR" sz="1200" b="0" dirty="0" err="1">
-                <a:solidFill>
-                  <a:srgbClr val="000000"/>
-                </a:solidFill>
-                <a:effectLst/>
-                <a:latin typeface="Consolas" panose="020B0609020204030204" pitchFamily="49" charset="0"/>
-              </a:rPr>
-              <a:t>apiUrl</a:t>
-            </a:r>
-            <a:r>
-              <a:rPr lang="fr-FR" sz="1200" b="0" dirty="0">
-                <a:solidFill>
-                  <a:srgbClr val="000000"/>
-                </a:solidFill>
-                <a:effectLst/>
-                <a:latin typeface="Consolas" panose="020B0609020204030204" pitchFamily="49" charset="0"/>
-              </a:rPr>
-              <a:t>: </a:t>
-            </a:r>
-            <a:r>
-              <a:rPr lang="fr-FR" sz="1200" b="0" dirty="0">
-                <a:solidFill>
-                  <a:srgbClr val="A31515"/>
-                </a:solidFill>
-                <a:effectLst/>
-                <a:latin typeface="Consolas" panose="020B0609020204030204" pitchFamily="49" charset="0"/>
-              </a:rPr>
-              <a:t>'http://localhost:3000/api'</a:t>
-            </a:r>
-            <a:r>
-              <a:rPr lang="fr-FR" sz="1200" b="0" dirty="0">
-                <a:solidFill>
-                  <a:srgbClr val="000000"/>
-                </a:solidFill>
-                <a:effectLst/>
-                <a:latin typeface="Consolas" panose="020B0609020204030204" pitchFamily="49" charset="0"/>
-              </a:rPr>
-              <a:t>,</a:t>
-            </a:r>
-          </a:p>
-          <a:p>
-            <a:r>
-              <a:rPr lang="fr-FR" sz="1200" b="0" dirty="0">
-                <a:solidFill>
-                  <a:srgbClr val="000000"/>
-                </a:solidFill>
-                <a:effectLst/>
-                <a:latin typeface="Consolas" panose="020B0609020204030204" pitchFamily="49" charset="0"/>
-              </a:rPr>
-              <a:t>    </a:t>
-            </a:r>
-            <a:r>
-              <a:rPr lang="fr-FR" sz="1200" b="0" dirty="0" err="1">
-                <a:solidFill>
-                  <a:srgbClr val="000000"/>
-                </a:solidFill>
-                <a:effectLst/>
-                <a:latin typeface="Consolas" panose="020B0609020204030204" pitchFamily="49" charset="0"/>
-              </a:rPr>
-              <a:t>apiAuth</a:t>
-            </a:r>
-            <a:r>
-              <a:rPr lang="fr-FR" sz="1200" b="0" dirty="0">
-                <a:solidFill>
-                  <a:srgbClr val="000000"/>
-                </a:solidFill>
-                <a:effectLst/>
-                <a:latin typeface="Consolas" panose="020B0609020204030204" pitchFamily="49" charset="0"/>
-              </a:rPr>
-              <a:t>: </a:t>
-            </a:r>
-            <a:r>
-              <a:rPr lang="fr-FR" sz="1200" b="0" dirty="0">
-                <a:solidFill>
-                  <a:srgbClr val="A31515"/>
-                </a:solidFill>
-                <a:effectLst/>
-                <a:latin typeface="Consolas" panose="020B0609020204030204" pitchFamily="49" charset="0"/>
-              </a:rPr>
-              <a:t>'http://localhost:3000/</a:t>
-            </a:r>
-            <a:r>
-              <a:rPr lang="fr-FR" sz="1200" b="0" dirty="0" err="1">
-                <a:solidFill>
-                  <a:srgbClr val="A31515"/>
-                </a:solidFill>
-                <a:effectLst/>
-                <a:highlight>
-                  <a:srgbClr val="FFFF00"/>
-                </a:highlight>
-                <a:latin typeface="Consolas" panose="020B0609020204030204" pitchFamily="49" charset="0"/>
-              </a:rPr>
-              <a:t>auth</a:t>
-            </a:r>
-            <a:r>
-              <a:rPr lang="fr-FR" sz="1200" b="0" dirty="0">
-                <a:solidFill>
-                  <a:srgbClr val="A31515"/>
-                </a:solidFill>
-                <a:effectLst/>
-                <a:latin typeface="Consolas" panose="020B0609020204030204" pitchFamily="49" charset="0"/>
-              </a:rPr>
-              <a:t>'</a:t>
-            </a:r>
-            <a:endParaRPr lang="fr-FR" sz="1200" b="0" dirty="0">
-              <a:solidFill>
-                <a:srgbClr val="000000"/>
-              </a:solidFill>
-              <a:effectLst/>
-              <a:latin typeface="Consolas" panose="020B0609020204030204" pitchFamily="49" charset="0"/>
-            </a:endParaRPr>
-          </a:p>
-          <a:p>
-            <a:r>
-              <a:rPr lang="fr-FR" sz="1200" b="0" dirty="0">
-                <a:solidFill>
-                  <a:srgbClr val="000000"/>
-                </a:solidFill>
-                <a:effectLst/>
-                <a:latin typeface="Consolas" panose="020B0609020204030204" pitchFamily="49" charset="0"/>
-              </a:rPr>
-              <a:t>};</a:t>
-            </a:r>
-            <a:endParaRPr lang="es-419" sz="1200" dirty="0"/>
-          </a:p>
-        </p:txBody>
-      </p:sp>
-      <p:sp>
-        <p:nvSpPr>
-          <p:cNvPr id="6" name="Marcador de texto 5">
-            <a:extLst>
-              <a:ext uri="{FF2B5EF4-FFF2-40B4-BE49-F238E27FC236}">
-                <a16:creationId xmlns:a16="http://schemas.microsoft.com/office/drawing/2014/main" id="{94C7201D-AA00-5FED-181F-19C1BCA260E8}"/>
-              </a:ext>
-            </a:extLst>
-          </p:cNvPr>
-          <p:cNvSpPr>
-            <a:spLocks noGrp="1"/>
-          </p:cNvSpPr>
-          <p:nvPr>
-            <p:ph type="body" sz="quarter" idx="23"/>
-          </p:nvPr>
-        </p:nvSpPr>
-        <p:spPr/>
-        <p:txBody>
-          <a:bodyPr/>
-          <a:lstStyle/>
-          <a:p>
-            <a:r>
-              <a:rPr lang="es-ES" dirty="0"/>
-              <a:t>1.- Conectar la verificación del usuario, entre el cliente y el servidor</a:t>
-            </a:r>
-            <a:endParaRPr lang="es-419" dirty="0"/>
-          </a:p>
-        </p:txBody>
-      </p:sp>
-      <p:sp>
-        <p:nvSpPr>
-          <p:cNvPr id="5" name="Marcador de texto 4">
-            <a:extLst>
-              <a:ext uri="{FF2B5EF4-FFF2-40B4-BE49-F238E27FC236}">
-                <a16:creationId xmlns:a16="http://schemas.microsoft.com/office/drawing/2014/main" id="{2E3B5040-05AB-F7A3-10EF-5FF075F7A6E0}"/>
-              </a:ext>
-            </a:extLst>
-          </p:cNvPr>
-          <p:cNvSpPr>
-            <a:spLocks noGrp="1"/>
-          </p:cNvSpPr>
-          <p:nvPr>
-            <p:ph type="body" sz="quarter" idx="20"/>
-          </p:nvPr>
-        </p:nvSpPr>
-        <p:spPr>
-          <a:xfrm>
-            <a:off x="838201" y="1546420"/>
-            <a:ext cx="9921549" cy="291519"/>
-          </a:xfrm>
-        </p:spPr>
-        <p:txBody>
-          <a:bodyPr/>
-          <a:lstStyle/>
-          <a:p>
-            <a:pPr>
-              <a:lnSpc>
-                <a:spcPct val="100000"/>
-              </a:lnSpc>
-              <a:spcBef>
-                <a:spcPts val="0"/>
-              </a:spcBef>
-            </a:pPr>
-            <a:r>
-              <a:rPr lang="es-ES" dirty="0"/>
-              <a:t>Levantar los servicios de Cliente y Servidor respectivamente, para ir haciendo las pruebas</a:t>
-            </a:r>
-          </a:p>
-          <a:p>
-            <a:pPr>
-              <a:lnSpc>
-                <a:spcPct val="100000"/>
-              </a:lnSpc>
-              <a:spcBef>
-                <a:spcPts val="0"/>
-              </a:spcBef>
-            </a:pPr>
-            <a:r>
-              <a:rPr lang="es-ES" dirty="0"/>
-              <a:t>Realizar los cambios en los archivos de los proyectos Cliente y Servidor respectivamente</a:t>
-            </a:r>
-            <a:endParaRPr lang="es-419" dirty="0"/>
-          </a:p>
-        </p:txBody>
-      </p:sp>
-      <p:sp>
-        <p:nvSpPr>
-          <p:cNvPr id="7" name="Marcador de texto 4">
-            <a:extLst>
-              <a:ext uri="{FF2B5EF4-FFF2-40B4-BE49-F238E27FC236}">
-                <a16:creationId xmlns:a16="http://schemas.microsoft.com/office/drawing/2014/main" id="{B84CA518-6156-0A67-BEB0-9361632E37E1}"/>
-              </a:ext>
-            </a:extLst>
-          </p:cNvPr>
-          <p:cNvSpPr txBox="1">
-            <a:spLocks/>
-          </p:cNvSpPr>
-          <p:nvPr/>
-        </p:nvSpPr>
-        <p:spPr>
-          <a:xfrm>
-            <a:off x="845429" y="2106595"/>
-            <a:ext cx="5257800" cy="291519"/>
-          </a:xfrm>
-          <a:prstGeom prst="rect">
-            <a:avLst/>
-          </a:prstGeom>
-        </p:spPr>
-        <p:txBody>
-          <a:bodyPr vert="horz" lIns="0" tIns="0" rIns="0" bIns="0" rtlCol="0" anchor="ctr">
-            <a:noAutofit/>
-          </a:bodyPr>
-          <a:lstStyle>
-            <a:lvl1pPr marL="228600" indent="-228600" algn="l" defTabSz="914400" rtl="0" eaLnBrk="1" latinLnBrk="0" hangingPunct="1">
-              <a:lnSpc>
-                <a:spcPct val="90000"/>
-              </a:lnSpc>
-              <a:spcBef>
-                <a:spcPts val="1000"/>
-              </a:spcBef>
-              <a:buFont typeface="Arial" panose="020B0604020202020204" pitchFamily="34" charset="0"/>
-              <a:buChar char="•"/>
-              <a:defRPr lang="es-ES" sz="1400" b="1" kern="1200" cap="none" baseline="0" dirty="0" smtClean="0">
-                <a:solidFill>
-                  <a:srgbClr val="AA286F"/>
-                </a:solidFill>
-                <a:latin typeface="+mn-lt"/>
-                <a:ea typeface="+mn-ea"/>
-                <a:cs typeface="+mn-cs"/>
-              </a:defRPr>
-            </a:lvl1pPr>
-            <a:lvl2pPr marL="685800" indent="-228600" algn="l" defTabSz="914400" rtl="0" eaLnBrk="1" latinLnBrk="0" hangingPunct="1">
-              <a:lnSpc>
-                <a:spcPct val="90000"/>
-              </a:lnSpc>
-              <a:spcBef>
-                <a:spcPts val="500"/>
-              </a:spcBef>
-              <a:buFont typeface="Arial" panose="020B0604020202020204" pitchFamily="34" charset="0"/>
-              <a:buChar char="•"/>
-              <a:defRPr sz="2400" kern="1200">
-                <a:solidFill>
-                  <a:schemeClr val="tx1"/>
-                </a:solidFill>
-                <a:latin typeface="+mn-lt"/>
-                <a:ea typeface="+mn-ea"/>
-                <a:cs typeface="+mn-cs"/>
-              </a:defRPr>
-            </a:lvl2pPr>
-            <a:lvl3pPr marL="1143000" indent="-228600" algn="l" defTabSz="914400" rtl="0" eaLnBrk="1" latinLnBrk="0" hangingPunct="1">
-              <a:lnSpc>
-                <a:spcPct val="90000"/>
-              </a:lnSpc>
-              <a:spcBef>
-                <a:spcPts val="500"/>
-              </a:spcBef>
-              <a:buFont typeface="Arial" panose="020B0604020202020204" pitchFamily="34" charset="0"/>
-              <a:buChar char="•"/>
-              <a:defRPr sz="2000" kern="1200">
-                <a:solidFill>
-                  <a:schemeClr val="tx1"/>
-                </a:solidFill>
-                <a:latin typeface="+mn-lt"/>
-                <a:ea typeface="+mn-ea"/>
-                <a:cs typeface="+mn-cs"/>
-              </a:defRPr>
-            </a:lvl3pPr>
-            <a:lvl4pPr marL="1600200" indent="-228600" algn="l" defTabSz="914400" rtl="0" eaLnBrk="1" latinLnBrk="0" hangingPunct="1">
-              <a:lnSpc>
-                <a:spcPct val="90000"/>
-              </a:lnSpc>
-              <a:spcBef>
-                <a:spcPts val="500"/>
-              </a:spcBef>
-              <a:buFont typeface="Arial" panose="020B0604020202020204" pitchFamily="34" charset="0"/>
-              <a:buChar char="•"/>
-              <a:defRPr sz="1800" kern="1200">
-                <a:solidFill>
-                  <a:schemeClr val="tx1"/>
-                </a:solidFill>
-                <a:latin typeface="+mn-lt"/>
-                <a:ea typeface="+mn-ea"/>
-                <a:cs typeface="+mn-cs"/>
-              </a:defRPr>
-            </a:lvl4pPr>
-            <a:lvl5pPr marL="2057400" indent="-228600" algn="l" defTabSz="914400" rtl="0" eaLnBrk="1" latinLnBrk="0" hangingPunct="1">
-              <a:lnSpc>
-                <a:spcPct val="90000"/>
-              </a:lnSpc>
-              <a:spcBef>
-                <a:spcPts val="500"/>
-              </a:spcBef>
-              <a:buFont typeface="Arial" panose="020B0604020202020204" pitchFamily="34" charset="0"/>
-              <a:buChar char="•"/>
-              <a:defRPr sz="1800" kern="1200">
-                <a:solidFill>
-                  <a:schemeClr val="tx1"/>
-                </a:solidFill>
-                <a:latin typeface="+mn-lt"/>
-                <a:ea typeface="+mn-ea"/>
-                <a:cs typeface="+mn-cs"/>
-              </a:defRPr>
-            </a:lvl5pPr>
-            <a:lvl6pPr marL="2514600" indent="-228600" algn="l" defTabSz="914400" rtl="0" eaLnBrk="1" latinLnBrk="0" hangingPunct="1">
-              <a:lnSpc>
-                <a:spcPct val="90000"/>
-              </a:lnSpc>
-              <a:spcBef>
-                <a:spcPts val="500"/>
-              </a:spcBef>
-              <a:buFont typeface="Arial" panose="020B0604020202020204" pitchFamily="34" charset="0"/>
-              <a:buChar char="•"/>
-              <a:defRPr sz="1800" kern="1200">
-                <a:solidFill>
-                  <a:schemeClr val="tx1"/>
-                </a:solidFill>
-                <a:latin typeface="+mn-lt"/>
-                <a:ea typeface="+mn-ea"/>
-                <a:cs typeface="+mn-cs"/>
-              </a:defRPr>
-            </a:lvl6pPr>
-            <a:lvl7pPr marL="2971800" indent="-228600" algn="l" defTabSz="914400" rtl="0" eaLnBrk="1" latinLnBrk="0" hangingPunct="1">
-              <a:lnSpc>
-                <a:spcPct val="90000"/>
-              </a:lnSpc>
-              <a:spcBef>
-                <a:spcPts val="500"/>
-              </a:spcBef>
-              <a:buFont typeface="Arial" panose="020B0604020202020204" pitchFamily="34" charset="0"/>
-              <a:buChar char="•"/>
-              <a:defRPr sz="1800" kern="1200">
-                <a:solidFill>
-                  <a:schemeClr val="tx1"/>
-                </a:solidFill>
-                <a:latin typeface="+mn-lt"/>
-                <a:ea typeface="+mn-ea"/>
-                <a:cs typeface="+mn-cs"/>
-              </a:defRPr>
-            </a:lvl7pPr>
-            <a:lvl8pPr marL="3429000" indent="-228600" algn="l" defTabSz="914400" rtl="0" eaLnBrk="1" latinLnBrk="0" hangingPunct="1">
-              <a:lnSpc>
-                <a:spcPct val="90000"/>
-              </a:lnSpc>
-              <a:spcBef>
-                <a:spcPts val="500"/>
-              </a:spcBef>
-              <a:buFont typeface="Arial" panose="020B0604020202020204" pitchFamily="34" charset="0"/>
-              <a:buChar char="•"/>
-              <a:defRPr sz="1800" kern="1200">
-                <a:solidFill>
-                  <a:schemeClr val="tx1"/>
-                </a:solidFill>
-                <a:latin typeface="+mn-lt"/>
-                <a:ea typeface="+mn-ea"/>
-                <a:cs typeface="+mn-cs"/>
-              </a:defRPr>
-            </a:lvl8pPr>
-            <a:lvl9pPr marL="3886200" indent="-228600" algn="l" defTabSz="914400" rtl="0" eaLnBrk="1" latinLnBrk="0" hangingPunct="1">
-              <a:lnSpc>
-                <a:spcPct val="90000"/>
-              </a:lnSpc>
-              <a:spcBef>
-                <a:spcPts val="500"/>
-              </a:spcBef>
-              <a:buFont typeface="Arial" panose="020B0604020202020204" pitchFamily="34" charset="0"/>
-              <a:buChar char="•"/>
-              <a:defRPr sz="1800" kern="1200">
-                <a:solidFill>
-                  <a:schemeClr val="tx1"/>
-                </a:solidFill>
-                <a:latin typeface="+mn-lt"/>
-                <a:ea typeface="+mn-ea"/>
-                <a:cs typeface="+mn-cs"/>
-              </a:defRPr>
-            </a:lvl9pPr>
-          </a:lstStyle>
-          <a:p>
-            <a:r>
-              <a:rPr lang="es-ES" dirty="0" err="1"/>
-              <a:t>Frontend</a:t>
-            </a:r>
-            <a:endParaRPr lang="es-419" b="0" dirty="0">
-              <a:solidFill>
-                <a:schemeClr val="tx1"/>
-              </a:solidFill>
-            </a:endParaRPr>
-          </a:p>
-        </p:txBody>
-      </p:sp>
-      <p:sp>
-        <p:nvSpPr>
-          <p:cNvPr id="8" name="Marcador de texto 4">
-            <a:extLst>
-              <a:ext uri="{FF2B5EF4-FFF2-40B4-BE49-F238E27FC236}">
-                <a16:creationId xmlns:a16="http://schemas.microsoft.com/office/drawing/2014/main" id="{52259B58-0254-24A6-B8B5-E0585E0D0B54}"/>
-              </a:ext>
-            </a:extLst>
-          </p:cNvPr>
-          <p:cNvSpPr txBox="1">
-            <a:spLocks/>
-          </p:cNvSpPr>
-          <p:nvPr/>
-        </p:nvSpPr>
-        <p:spPr>
-          <a:xfrm>
-            <a:off x="6619876" y="2097194"/>
-            <a:ext cx="5257800" cy="291519"/>
-          </a:xfrm>
-          <a:prstGeom prst="rect">
-            <a:avLst/>
-          </a:prstGeom>
-        </p:spPr>
-        <p:txBody>
-          <a:bodyPr vert="horz" lIns="0" tIns="0" rIns="0" bIns="0" rtlCol="0" anchor="ctr">
-            <a:noAutofit/>
-          </a:bodyPr>
-          <a:lstStyle>
-            <a:lvl1pPr marL="228600" indent="-228600" algn="l" defTabSz="914400" rtl="0" eaLnBrk="1" latinLnBrk="0" hangingPunct="1">
-              <a:lnSpc>
-                <a:spcPct val="90000"/>
-              </a:lnSpc>
-              <a:spcBef>
-                <a:spcPts val="1000"/>
-              </a:spcBef>
-              <a:buFont typeface="Arial" panose="020B0604020202020204" pitchFamily="34" charset="0"/>
-              <a:buChar char="•"/>
-              <a:defRPr lang="es-ES" sz="1400" b="1" kern="1200" cap="none" baseline="0" dirty="0" smtClean="0">
-                <a:solidFill>
-                  <a:srgbClr val="AA286F"/>
-                </a:solidFill>
-                <a:latin typeface="+mn-lt"/>
-                <a:ea typeface="+mn-ea"/>
-                <a:cs typeface="+mn-cs"/>
-              </a:defRPr>
-            </a:lvl1pPr>
-            <a:lvl2pPr marL="685800" indent="-228600" algn="l" defTabSz="914400" rtl="0" eaLnBrk="1" latinLnBrk="0" hangingPunct="1">
-              <a:lnSpc>
-                <a:spcPct val="90000"/>
-              </a:lnSpc>
-              <a:spcBef>
-                <a:spcPts val="500"/>
-              </a:spcBef>
-              <a:buFont typeface="Arial" panose="020B0604020202020204" pitchFamily="34" charset="0"/>
-              <a:buChar char="•"/>
-              <a:defRPr sz="2400" kern="1200">
-                <a:solidFill>
-                  <a:schemeClr val="tx1"/>
-                </a:solidFill>
-                <a:latin typeface="+mn-lt"/>
-                <a:ea typeface="+mn-ea"/>
-                <a:cs typeface="+mn-cs"/>
-              </a:defRPr>
-            </a:lvl2pPr>
-            <a:lvl3pPr marL="1143000" indent="-228600" algn="l" defTabSz="914400" rtl="0" eaLnBrk="1" latinLnBrk="0" hangingPunct="1">
-              <a:lnSpc>
-                <a:spcPct val="90000"/>
-              </a:lnSpc>
-              <a:spcBef>
-                <a:spcPts val="500"/>
-              </a:spcBef>
-              <a:buFont typeface="Arial" panose="020B0604020202020204" pitchFamily="34" charset="0"/>
-              <a:buChar char="•"/>
-              <a:defRPr sz="2000" kern="1200">
-                <a:solidFill>
-                  <a:schemeClr val="tx1"/>
-                </a:solidFill>
-                <a:latin typeface="+mn-lt"/>
-                <a:ea typeface="+mn-ea"/>
-                <a:cs typeface="+mn-cs"/>
-              </a:defRPr>
-            </a:lvl3pPr>
-            <a:lvl4pPr marL="1600200" indent="-228600" algn="l" defTabSz="914400" rtl="0" eaLnBrk="1" latinLnBrk="0" hangingPunct="1">
-              <a:lnSpc>
-                <a:spcPct val="90000"/>
-              </a:lnSpc>
-              <a:spcBef>
-                <a:spcPts val="500"/>
-              </a:spcBef>
-              <a:buFont typeface="Arial" panose="020B0604020202020204" pitchFamily="34" charset="0"/>
-              <a:buChar char="•"/>
-              <a:defRPr sz="1800" kern="1200">
-                <a:solidFill>
-                  <a:schemeClr val="tx1"/>
-                </a:solidFill>
-                <a:latin typeface="+mn-lt"/>
-                <a:ea typeface="+mn-ea"/>
-                <a:cs typeface="+mn-cs"/>
-              </a:defRPr>
-            </a:lvl4pPr>
-            <a:lvl5pPr marL="2057400" indent="-228600" algn="l" defTabSz="914400" rtl="0" eaLnBrk="1" latinLnBrk="0" hangingPunct="1">
-              <a:lnSpc>
-                <a:spcPct val="90000"/>
-              </a:lnSpc>
-              <a:spcBef>
-                <a:spcPts val="500"/>
-              </a:spcBef>
-              <a:buFont typeface="Arial" panose="020B0604020202020204" pitchFamily="34" charset="0"/>
-              <a:buChar char="•"/>
-              <a:defRPr sz="1800" kern="1200">
-                <a:solidFill>
-                  <a:schemeClr val="tx1"/>
-                </a:solidFill>
-                <a:latin typeface="+mn-lt"/>
-                <a:ea typeface="+mn-ea"/>
-                <a:cs typeface="+mn-cs"/>
-              </a:defRPr>
-            </a:lvl5pPr>
-            <a:lvl6pPr marL="2514600" indent="-228600" algn="l" defTabSz="914400" rtl="0" eaLnBrk="1" latinLnBrk="0" hangingPunct="1">
-              <a:lnSpc>
-                <a:spcPct val="90000"/>
-              </a:lnSpc>
-              <a:spcBef>
-                <a:spcPts val="500"/>
-              </a:spcBef>
-              <a:buFont typeface="Arial" panose="020B0604020202020204" pitchFamily="34" charset="0"/>
-              <a:buChar char="•"/>
-              <a:defRPr sz="1800" kern="1200">
-                <a:solidFill>
-                  <a:schemeClr val="tx1"/>
-                </a:solidFill>
-                <a:latin typeface="+mn-lt"/>
-                <a:ea typeface="+mn-ea"/>
-                <a:cs typeface="+mn-cs"/>
-              </a:defRPr>
-            </a:lvl6pPr>
-            <a:lvl7pPr marL="2971800" indent="-228600" algn="l" defTabSz="914400" rtl="0" eaLnBrk="1" latinLnBrk="0" hangingPunct="1">
-              <a:lnSpc>
-                <a:spcPct val="90000"/>
-              </a:lnSpc>
-              <a:spcBef>
-                <a:spcPts val="500"/>
-              </a:spcBef>
-              <a:buFont typeface="Arial" panose="020B0604020202020204" pitchFamily="34" charset="0"/>
-              <a:buChar char="•"/>
-              <a:defRPr sz="1800" kern="1200">
-                <a:solidFill>
-                  <a:schemeClr val="tx1"/>
-                </a:solidFill>
-                <a:latin typeface="+mn-lt"/>
-                <a:ea typeface="+mn-ea"/>
-                <a:cs typeface="+mn-cs"/>
-              </a:defRPr>
-            </a:lvl7pPr>
-            <a:lvl8pPr marL="3429000" indent="-228600" algn="l" defTabSz="914400" rtl="0" eaLnBrk="1" latinLnBrk="0" hangingPunct="1">
-              <a:lnSpc>
-                <a:spcPct val="90000"/>
-              </a:lnSpc>
-              <a:spcBef>
-                <a:spcPts val="500"/>
-              </a:spcBef>
-              <a:buFont typeface="Arial" panose="020B0604020202020204" pitchFamily="34" charset="0"/>
-              <a:buChar char="•"/>
-              <a:defRPr sz="1800" kern="1200">
-                <a:solidFill>
-                  <a:schemeClr val="tx1"/>
-                </a:solidFill>
-                <a:latin typeface="+mn-lt"/>
-                <a:ea typeface="+mn-ea"/>
-                <a:cs typeface="+mn-cs"/>
-              </a:defRPr>
-            </a:lvl8pPr>
-            <a:lvl9pPr marL="3886200" indent="-228600" algn="l" defTabSz="914400" rtl="0" eaLnBrk="1" latinLnBrk="0" hangingPunct="1">
-              <a:lnSpc>
-                <a:spcPct val="90000"/>
-              </a:lnSpc>
-              <a:spcBef>
-                <a:spcPts val="500"/>
-              </a:spcBef>
-              <a:buFont typeface="Arial" panose="020B0604020202020204" pitchFamily="34" charset="0"/>
-              <a:buChar char="•"/>
-              <a:defRPr sz="1800" kern="1200">
-                <a:solidFill>
-                  <a:schemeClr val="tx1"/>
-                </a:solidFill>
-                <a:latin typeface="+mn-lt"/>
-                <a:ea typeface="+mn-ea"/>
-                <a:cs typeface="+mn-cs"/>
-              </a:defRPr>
-            </a:lvl9pPr>
-          </a:lstStyle>
-          <a:p>
-            <a:r>
-              <a:rPr lang="es-ES" dirty="0"/>
-              <a:t>Server</a:t>
-            </a:r>
-            <a:endParaRPr lang="es-419" dirty="0"/>
-          </a:p>
-        </p:txBody>
-      </p:sp>
-      <p:sp>
-        <p:nvSpPr>
-          <p:cNvPr id="9" name="Marcador de texto 3">
-            <a:extLst>
-              <a:ext uri="{FF2B5EF4-FFF2-40B4-BE49-F238E27FC236}">
-                <a16:creationId xmlns:a16="http://schemas.microsoft.com/office/drawing/2014/main" id="{0329639B-1F83-A446-9451-BC6E3E3D05F3}"/>
-              </a:ext>
-            </a:extLst>
-          </p:cNvPr>
-          <p:cNvSpPr txBox="1">
-            <a:spLocks/>
-          </p:cNvSpPr>
-          <p:nvPr/>
-        </p:nvSpPr>
-        <p:spPr>
-          <a:xfrm>
-            <a:off x="6314738" y="2666771"/>
-            <a:ext cx="5668925" cy="3172054"/>
-          </a:xfrm>
-          <a:prstGeom prst="rect">
-            <a:avLst/>
-          </a:prstGeom>
-        </p:spPr>
-        <p:txBody>
-          <a:bodyPr vert="horz" wrap="square" lIns="91440" tIns="45720" rIns="91440" bIns="45720" rtlCol="0">
-            <a:noAutofit/>
-          </a:bodyPr>
-          <a:lstStyle>
-            <a:lvl1pPr marL="0" indent="0" algn="l" defTabSz="914400" rtl="0" eaLnBrk="1" latinLnBrk="0" hangingPunct="1">
-              <a:lnSpc>
-                <a:spcPct val="100000"/>
-              </a:lnSpc>
-              <a:spcBef>
-                <a:spcPts val="0"/>
-              </a:spcBef>
-              <a:buFont typeface="Arial" panose="020B0604020202020204" pitchFamily="34" charset="0"/>
-              <a:buNone/>
-              <a:defRPr lang="es-ES" sz="1400" kern="1200" baseline="0">
-                <a:solidFill>
-                  <a:schemeClr val="tx1"/>
-                </a:solidFill>
-                <a:latin typeface="Courier New" panose="02070309020205020404" pitchFamily="49" charset="0"/>
-                <a:ea typeface="+mn-ea"/>
-                <a:cs typeface="Courier New" panose="02070309020205020404" pitchFamily="49" charset="0"/>
-              </a:defRPr>
-            </a:lvl1pPr>
-            <a:lvl2pPr marL="457200" indent="0" algn="l" defTabSz="914400" rtl="0" eaLnBrk="1" latinLnBrk="0" hangingPunct="1">
-              <a:lnSpc>
-                <a:spcPct val="90000"/>
-              </a:lnSpc>
-              <a:spcBef>
-                <a:spcPts val="500"/>
-              </a:spcBef>
-              <a:buFont typeface="Arial" panose="020B0604020202020204" pitchFamily="34" charset="0"/>
-              <a:buNone/>
-              <a:defRPr lang="es-ES" sz="1800" kern="1200">
-                <a:solidFill>
-                  <a:schemeClr val="tx1"/>
-                </a:solidFill>
-                <a:latin typeface="+mn-lt"/>
-                <a:ea typeface="+mn-ea"/>
-                <a:cs typeface="+mn-cs"/>
-              </a:defRPr>
-            </a:lvl2pPr>
-            <a:lvl3pPr marL="914400" indent="0" algn="l" defTabSz="914400" rtl="0" eaLnBrk="1" latinLnBrk="0" hangingPunct="1">
-              <a:lnSpc>
-                <a:spcPct val="90000"/>
-              </a:lnSpc>
-              <a:spcBef>
-                <a:spcPts val="500"/>
-              </a:spcBef>
-              <a:buFont typeface="Arial" panose="020B0604020202020204" pitchFamily="34" charset="0"/>
-              <a:buNone/>
-              <a:defRPr lang="es-ES" sz="1800" kern="1200">
-                <a:solidFill>
-                  <a:schemeClr val="tx1"/>
-                </a:solidFill>
-                <a:latin typeface="+mn-lt"/>
-                <a:ea typeface="+mn-ea"/>
-                <a:cs typeface="+mn-cs"/>
-              </a:defRPr>
-            </a:lvl3pPr>
-            <a:lvl4pPr marL="1371600" indent="0" algn="l" defTabSz="914400" rtl="0" eaLnBrk="1" latinLnBrk="0" hangingPunct="1">
-              <a:lnSpc>
-                <a:spcPct val="90000"/>
-              </a:lnSpc>
-              <a:spcBef>
-                <a:spcPts val="500"/>
-              </a:spcBef>
-              <a:buFont typeface="Arial" panose="020B0604020202020204" pitchFamily="34" charset="0"/>
-              <a:buNone/>
-              <a:defRPr lang="es-ES" sz="1800" kern="1200">
-                <a:solidFill>
-                  <a:schemeClr val="tx1"/>
-                </a:solidFill>
-                <a:latin typeface="+mn-lt"/>
-                <a:ea typeface="+mn-ea"/>
-                <a:cs typeface="+mn-cs"/>
-              </a:defRPr>
-            </a:lvl4pPr>
-            <a:lvl5pPr marL="1828800" indent="0" algn="l" defTabSz="914400" rtl="0" eaLnBrk="1" latinLnBrk="0" hangingPunct="1">
-              <a:lnSpc>
-                <a:spcPct val="90000"/>
-              </a:lnSpc>
-              <a:spcBef>
-                <a:spcPts val="500"/>
-              </a:spcBef>
-              <a:buFont typeface="Arial" panose="020B0604020202020204" pitchFamily="34" charset="0"/>
-              <a:buNone/>
-              <a:defRPr lang="es-ES" sz="1800" kern="1200">
-                <a:solidFill>
-                  <a:schemeClr val="tx1"/>
-                </a:solidFill>
-                <a:latin typeface="+mn-lt"/>
-                <a:ea typeface="+mn-ea"/>
-                <a:cs typeface="+mn-cs"/>
-              </a:defRPr>
-            </a:lvl5pPr>
-            <a:lvl6pPr marL="2514600" indent="-228600" algn="l" defTabSz="914400" rtl="0" eaLnBrk="1" latinLnBrk="0" hangingPunct="1">
-              <a:lnSpc>
-                <a:spcPct val="90000"/>
-              </a:lnSpc>
-              <a:spcBef>
-                <a:spcPts val="500"/>
-              </a:spcBef>
-              <a:buFont typeface="Arial" panose="020B0604020202020204" pitchFamily="34" charset="0"/>
-              <a:buChar char="•"/>
-              <a:defRPr sz="1800" kern="1200">
-                <a:solidFill>
-                  <a:schemeClr val="tx1"/>
-                </a:solidFill>
-                <a:latin typeface="+mn-lt"/>
-                <a:ea typeface="+mn-ea"/>
-                <a:cs typeface="+mn-cs"/>
-              </a:defRPr>
-            </a:lvl6pPr>
-            <a:lvl7pPr marL="2971800" indent="-228600" algn="l" defTabSz="914400" rtl="0" eaLnBrk="1" latinLnBrk="0" hangingPunct="1">
-              <a:lnSpc>
-                <a:spcPct val="90000"/>
-              </a:lnSpc>
-              <a:spcBef>
-                <a:spcPts val="500"/>
-              </a:spcBef>
-              <a:buFont typeface="Arial" panose="020B0604020202020204" pitchFamily="34" charset="0"/>
-              <a:buChar char="•"/>
-              <a:defRPr sz="1800" kern="1200">
-                <a:solidFill>
-                  <a:schemeClr val="tx1"/>
-                </a:solidFill>
-                <a:latin typeface="+mn-lt"/>
-                <a:ea typeface="+mn-ea"/>
-                <a:cs typeface="+mn-cs"/>
-              </a:defRPr>
-            </a:lvl7pPr>
-            <a:lvl8pPr marL="3429000" indent="-228600" algn="l" defTabSz="914400" rtl="0" eaLnBrk="1" latinLnBrk="0" hangingPunct="1">
-              <a:lnSpc>
-                <a:spcPct val="90000"/>
-              </a:lnSpc>
-              <a:spcBef>
-                <a:spcPts val="500"/>
-              </a:spcBef>
-              <a:buFont typeface="Arial" panose="020B0604020202020204" pitchFamily="34" charset="0"/>
-              <a:buChar char="•"/>
-              <a:defRPr sz="1800" kern="1200">
-                <a:solidFill>
-                  <a:schemeClr val="tx1"/>
-                </a:solidFill>
-                <a:latin typeface="+mn-lt"/>
-                <a:ea typeface="+mn-ea"/>
-                <a:cs typeface="+mn-cs"/>
-              </a:defRPr>
-            </a:lvl8pPr>
-            <a:lvl9pPr marL="3886200" indent="-228600" algn="l" defTabSz="914400" rtl="0" eaLnBrk="1" latinLnBrk="0" hangingPunct="1">
-              <a:lnSpc>
-                <a:spcPct val="90000"/>
-              </a:lnSpc>
-              <a:spcBef>
-                <a:spcPts val="500"/>
-              </a:spcBef>
-              <a:buFont typeface="Arial" panose="020B0604020202020204" pitchFamily="34" charset="0"/>
-              <a:buChar char="•"/>
-              <a:defRPr sz="1800" kern="1200">
-                <a:solidFill>
-                  <a:schemeClr val="tx1"/>
-                </a:solidFill>
-                <a:latin typeface="+mn-lt"/>
-                <a:ea typeface="+mn-ea"/>
-                <a:cs typeface="+mn-cs"/>
-              </a:defRPr>
-            </a:lvl9pPr>
-          </a:lstStyle>
-          <a:p>
-            <a:r>
-              <a:rPr lang="es-419" sz="1200" b="0" dirty="0" err="1">
-                <a:solidFill>
-                  <a:srgbClr val="0000FF"/>
-                </a:solidFill>
-                <a:effectLst/>
-                <a:latin typeface="Consolas" panose="020B0609020204030204" pitchFamily="49" charset="0"/>
-              </a:rPr>
-              <a:t>const</a:t>
-            </a:r>
-            <a:r>
-              <a:rPr lang="es-419" sz="1200" b="0" dirty="0">
-                <a:solidFill>
-                  <a:srgbClr val="000000"/>
-                </a:solidFill>
-                <a:effectLst/>
-                <a:latin typeface="Consolas" panose="020B0609020204030204" pitchFamily="49" charset="0"/>
-              </a:rPr>
-              <a:t> { </a:t>
-            </a:r>
-            <a:r>
-              <a:rPr lang="es-419" sz="1200" b="0" dirty="0" err="1">
-                <a:solidFill>
-                  <a:srgbClr val="000000"/>
-                </a:solidFill>
-                <a:effectLst/>
-                <a:latin typeface="Consolas" panose="020B0609020204030204" pitchFamily="49" charset="0"/>
-              </a:rPr>
-              <a:t>Router</a:t>
-            </a:r>
-            <a:r>
-              <a:rPr lang="es-419" sz="1200" b="0" dirty="0">
-                <a:solidFill>
-                  <a:srgbClr val="000000"/>
-                </a:solidFill>
-                <a:effectLst/>
-                <a:latin typeface="Consolas" panose="020B0609020204030204" pitchFamily="49" charset="0"/>
-              </a:rPr>
-              <a:t> } =  </a:t>
-            </a:r>
-            <a:r>
-              <a:rPr lang="es-419" sz="1200" b="0" dirty="0" err="1">
-                <a:solidFill>
-                  <a:srgbClr val="000000"/>
-                </a:solidFill>
-                <a:effectLst/>
-                <a:latin typeface="Consolas" panose="020B0609020204030204" pitchFamily="49" charset="0"/>
-              </a:rPr>
-              <a:t>require</a:t>
-            </a:r>
-            <a:r>
-              <a:rPr lang="es-419" sz="1200" b="0" dirty="0">
-                <a:solidFill>
-                  <a:srgbClr val="000000"/>
-                </a:solidFill>
-                <a:effectLst/>
-                <a:latin typeface="Consolas" panose="020B0609020204030204" pitchFamily="49" charset="0"/>
-              </a:rPr>
-              <a:t>(</a:t>
-            </a:r>
-            <a:r>
-              <a:rPr lang="es-419" sz="1200" b="0" dirty="0">
-                <a:solidFill>
-                  <a:srgbClr val="A31515"/>
-                </a:solidFill>
-                <a:effectLst/>
-                <a:latin typeface="Consolas" panose="020B0609020204030204" pitchFamily="49" charset="0"/>
-              </a:rPr>
-              <a:t>'</a:t>
-            </a:r>
-            <a:r>
-              <a:rPr lang="es-419" sz="1200" b="0" dirty="0" err="1">
-                <a:solidFill>
-                  <a:srgbClr val="A31515"/>
-                </a:solidFill>
-                <a:effectLst/>
-                <a:latin typeface="Consolas" panose="020B0609020204030204" pitchFamily="49" charset="0"/>
-              </a:rPr>
-              <a:t>express</a:t>
-            </a:r>
-            <a:r>
-              <a:rPr lang="es-419" sz="1200" b="0" dirty="0">
-                <a:solidFill>
-                  <a:srgbClr val="A31515"/>
-                </a:solidFill>
-                <a:effectLst/>
-                <a:latin typeface="Consolas" panose="020B0609020204030204" pitchFamily="49" charset="0"/>
-              </a:rPr>
-              <a:t>'</a:t>
-            </a:r>
-            <a:r>
-              <a:rPr lang="es-419" sz="1200" b="0" dirty="0">
-                <a:solidFill>
-                  <a:srgbClr val="000000"/>
-                </a:solidFill>
-                <a:effectLst/>
-                <a:latin typeface="Consolas" panose="020B0609020204030204" pitchFamily="49" charset="0"/>
-              </a:rPr>
-              <a:t>);</a:t>
-            </a:r>
-          </a:p>
-          <a:p>
-            <a:r>
-              <a:rPr lang="es-419" sz="1200" b="0" dirty="0" err="1">
-                <a:solidFill>
-                  <a:srgbClr val="0000FF"/>
-                </a:solidFill>
-                <a:effectLst/>
-                <a:latin typeface="Consolas" panose="020B0609020204030204" pitchFamily="49" charset="0"/>
-              </a:rPr>
-              <a:t>const</a:t>
-            </a:r>
-            <a:r>
-              <a:rPr lang="es-419" sz="1200" b="0" dirty="0">
-                <a:solidFill>
-                  <a:srgbClr val="000000"/>
-                </a:solidFill>
-                <a:effectLst/>
-                <a:latin typeface="Consolas" panose="020B0609020204030204" pitchFamily="49" charset="0"/>
-              </a:rPr>
-              <a:t> </a:t>
-            </a:r>
-            <a:r>
-              <a:rPr lang="es-419" sz="1200" b="0" dirty="0" err="1">
-                <a:solidFill>
-                  <a:srgbClr val="000000"/>
-                </a:solidFill>
-                <a:effectLst/>
-                <a:latin typeface="Consolas" panose="020B0609020204030204" pitchFamily="49" charset="0"/>
-              </a:rPr>
-              <a:t>router</a:t>
-            </a:r>
-            <a:r>
-              <a:rPr lang="es-419" sz="1200" b="0" dirty="0">
-                <a:solidFill>
-                  <a:srgbClr val="000000"/>
-                </a:solidFill>
-                <a:effectLst/>
-                <a:latin typeface="Consolas" panose="020B0609020204030204" pitchFamily="49" charset="0"/>
-              </a:rPr>
-              <a:t> = </a:t>
-            </a:r>
-            <a:r>
-              <a:rPr lang="es-419" sz="1200" b="0" dirty="0" err="1">
-                <a:solidFill>
-                  <a:srgbClr val="000000"/>
-                </a:solidFill>
-                <a:effectLst/>
-                <a:latin typeface="Consolas" panose="020B0609020204030204" pitchFamily="49" charset="0"/>
-              </a:rPr>
-              <a:t>Router</a:t>
-            </a:r>
-            <a:r>
-              <a:rPr lang="es-419" sz="1200" b="0" dirty="0">
-                <a:solidFill>
-                  <a:srgbClr val="000000"/>
-                </a:solidFill>
-                <a:effectLst/>
-                <a:latin typeface="Consolas" panose="020B0609020204030204" pitchFamily="49" charset="0"/>
-              </a:rPr>
-              <a:t>();</a:t>
-            </a:r>
-          </a:p>
-          <a:p>
-            <a:br>
-              <a:rPr lang="es-419" sz="1200" b="0" dirty="0">
-                <a:solidFill>
-                  <a:srgbClr val="000000"/>
-                </a:solidFill>
-                <a:effectLst/>
-                <a:latin typeface="Consolas" panose="020B0609020204030204" pitchFamily="49" charset="0"/>
-              </a:rPr>
-            </a:br>
-            <a:r>
-              <a:rPr lang="es-419" sz="1200" b="0" dirty="0" err="1">
-                <a:solidFill>
-                  <a:srgbClr val="0000FF"/>
-                </a:solidFill>
-                <a:effectLst/>
-                <a:latin typeface="Consolas" panose="020B0609020204030204" pitchFamily="49" charset="0"/>
-              </a:rPr>
-              <a:t>const</a:t>
-            </a:r>
-            <a:r>
-              <a:rPr lang="es-419" sz="1200" b="0" dirty="0">
-                <a:solidFill>
-                  <a:srgbClr val="000000"/>
-                </a:solidFill>
-                <a:effectLst/>
-                <a:latin typeface="Consolas" panose="020B0609020204030204" pitchFamily="49" charset="0"/>
-              </a:rPr>
-              <a:t> </a:t>
-            </a:r>
-            <a:r>
-              <a:rPr lang="es-419" sz="1200" b="0" dirty="0" err="1">
-                <a:solidFill>
-                  <a:srgbClr val="000000"/>
-                </a:solidFill>
-                <a:effectLst/>
-                <a:latin typeface="Consolas" panose="020B0609020204030204" pitchFamily="49" charset="0"/>
-              </a:rPr>
-              <a:t>userController</a:t>
-            </a:r>
-            <a:r>
-              <a:rPr lang="es-419" sz="1200" b="0" dirty="0">
-                <a:solidFill>
-                  <a:srgbClr val="000000"/>
-                </a:solidFill>
-                <a:effectLst/>
-                <a:latin typeface="Consolas" panose="020B0609020204030204" pitchFamily="49" charset="0"/>
-              </a:rPr>
-              <a:t> = </a:t>
-            </a:r>
-            <a:r>
-              <a:rPr lang="es-419" sz="1200" b="0" dirty="0" err="1">
-                <a:solidFill>
-                  <a:srgbClr val="000000"/>
-                </a:solidFill>
-                <a:effectLst/>
-                <a:latin typeface="Consolas" panose="020B0609020204030204" pitchFamily="49" charset="0"/>
-              </a:rPr>
-              <a:t>require</a:t>
-            </a:r>
-            <a:r>
-              <a:rPr lang="es-419" sz="1200" b="0" dirty="0">
-                <a:solidFill>
-                  <a:srgbClr val="000000"/>
-                </a:solidFill>
-                <a:effectLst/>
-                <a:latin typeface="Consolas" panose="020B0609020204030204" pitchFamily="49" charset="0"/>
-              </a:rPr>
-              <a:t>(</a:t>
-            </a:r>
-            <a:r>
-              <a:rPr lang="es-419" sz="1200" b="0" dirty="0">
-                <a:solidFill>
-                  <a:srgbClr val="A31515"/>
-                </a:solidFill>
-                <a:effectLst/>
-                <a:latin typeface="Consolas" panose="020B0609020204030204" pitchFamily="49" charset="0"/>
-              </a:rPr>
-              <a:t>'../</a:t>
-            </a:r>
-            <a:r>
-              <a:rPr lang="es-419" sz="1200" b="0" dirty="0" err="1">
-                <a:solidFill>
-                  <a:srgbClr val="A31515"/>
-                </a:solidFill>
-                <a:effectLst/>
-                <a:latin typeface="Consolas" panose="020B0609020204030204" pitchFamily="49" charset="0"/>
-              </a:rPr>
-              <a:t>controllers</a:t>
-            </a:r>
-            <a:r>
-              <a:rPr lang="es-419" sz="1200" b="0" dirty="0">
-                <a:solidFill>
-                  <a:srgbClr val="A31515"/>
-                </a:solidFill>
-                <a:effectLst/>
-                <a:latin typeface="Consolas" panose="020B0609020204030204" pitchFamily="49" charset="0"/>
-              </a:rPr>
-              <a:t>/</a:t>
-            </a:r>
-            <a:r>
-              <a:rPr lang="es-419" sz="1200" b="0" dirty="0" err="1">
-                <a:solidFill>
-                  <a:srgbClr val="A31515"/>
-                </a:solidFill>
-                <a:effectLst/>
-                <a:latin typeface="Consolas" panose="020B0609020204030204" pitchFamily="49" charset="0"/>
-              </a:rPr>
-              <a:t>usuario.controller</a:t>
-            </a:r>
-            <a:r>
-              <a:rPr lang="es-419" sz="1200" b="0" dirty="0">
-                <a:solidFill>
-                  <a:srgbClr val="A31515"/>
-                </a:solidFill>
-                <a:effectLst/>
-                <a:latin typeface="Consolas" panose="020B0609020204030204" pitchFamily="49" charset="0"/>
-              </a:rPr>
-              <a:t>'</a:t>
-            </a:r>
-            <a:r>
-              <a:rPr lang="es-419" sz="1200" b="0" dirty="0">
-                <a:solidFill>
-                  <a:srgbClr val="000000"/>
-                </a:solidFill>
-                <a:effectLst/>
-                <a:latin typeface="Consolas" panose="020B0609020204030204" pitchFamily="49" charset="0"/>
-              </a:rPr>
-              <a:t>)</a:t>
-            </a:r>
-          </a:p>
-          <a:p>
-            <a:br>
-              <a:rPr lang="es-419" sz="1200" b="0" dirty="0">
-                <a:solidFill>
-                  <a:srgbClr val="000000"/>
-                </a:solidFill>
-                <a:effectLst/>
-                <a:latin typeface="Consolas" panose="020B0609020204030204" pitchFamily="49" charset="0"/>
-              </a:rPr>
-            </a:br>
-            <a:r>
-              <a:rPr lang="es-419" sz="1200" b="0" dirty="0" err="1">
-                <a:solidFill>
-                  <a:srgbClr val="000000"/>
-                </a:solidFill>
-                <a:effectLst/>
-                <a:latin typeface="Consolas" panose="020B0609020204030204" pitchFamily="49" charset="0"/>
-              </a:rPr>
-              <a:t>router.get</a:t>
-            </a:r>
-            <a:r>
-              <a:rPr lang="es-419" sz="1200" b="0" dirty="0">
-                <a:solidFill>
-                  <a:srgbClr val="000000"/>
-                </a:solidFill>
-                <a:effectLst/>
-                <a:latin typeface="Consolas" panose="020B0609020204030204" pitchFamily="49" charset="0"/>
-              </a:rPr>
-              <a:t>   (</a:t>
-            </a:r>
-            <a:r>
-              <a:rPr lang="es-419" sz="1200" b="0" dirty="0">
-                <a:solidFill>
-                  <a:srgbClr val="A31515"/>
-                </a:solidFill>
-                <a:effectLst/>
-                <a:latin typeface="Consolas" panose="020B0609020204030204" pitchFamily="49" charset="0"/>
-              </a:rPr>
-              <a:t>'/usuarios'</a:t>
-            </a:r>
-            <a:r>
-              <a:rPr lang="es-419" sz="1200" b="0" dirty="0">
-                <a:solidFill>
-                  <a:srgbClr val="000000"/>
-                </a:solidFill>
-                <a:effectLst/>
-                <a:latin typeface="Consolas" panose="020B0609020204030204" pitchFamily="49" charset="0"/>
-              </a:rPr>
-              <a:t>     , </a:t>
-            </a:r>
-            <a:r>
-              <a:rPr lang="es-419" sz="1200" b="0" dirty="0" err="1">
-                <a:solidFill>
-                  <a:srgbClr val="000000"/>
-                </a:solidFill>
-                <a:effectLst/>
-                <a:latin typeface="Consolas" panose="020B0609020204030204" pitchFamily="49" charset="0"/>
-              </a:rPr>
-              <a:t>userController.readAllUsuarios</a:t>
-            </a:r>
-            <a:r>
-              <a:rPr lang="es-419" sz="1200" b="0" dirty="0">
-                <a:solidFill>
-                  <a:srgbClr val="000000"/>
-                </a:solidFill>
-                <a:effectLst/>
-                <a:latin typeface="Consolas" panose="020B0609020204030204" pitchFamily="49" charset="0"/>
-              </a:rPr>
-              <a:t> )</a:t>
-            </a:r>
-          </a:p>
-          <a:p>
-            <a:r>
-              <a:rPr lang="es-419" sz="1200" b="0" dirty="0" err="1">
-                <a:solidFill>
-                  <a:srgbClr val="000000"/>
-                </a:solidFill>
-                <a:effectLst/>
-                <a:highlight>
-                  <a:srgbClr val="FFFF00"/>
-                </a:highlight>
-                <a:latin typeface="Consolas" panose="020B0609020204030204" pitchFamily="49" charset="0"/>
-              </a:rPr>
-              <a:t>router.post</a:t>
-            </a:r>
-            <a:r>
-              <a:rPr lang="es-419" sz="1200" b="0" dirty="0">
-                <a:solidFill>
-                  <a:srgbClr val="000000"/>
-                </a:solidFill>
-                <a:effectLst/>
-                <a:highlight>
-                  <a:srgbClr val="FFFF00"/>
-                </a:highlight>
-                <a:latin typeface="Consolas" panose="020B0609020204030204" pitchFamily="49" charset="0"/>
-              </a:rPr>
-              <a:t>   (</a:t>
-            </a:r>
-            <a:r>
-              <a:rPr lang="es-419" sz="1200" b="0" dirty="0">
-                <a:solidFill>
-                  <a:srgbClr val="A31515"/>
-                </a:solidFill>
-                <a:effectLst/>
-                <a:highlight>
-                  <a:srgbClr val="FFFF00"/>
-                </a:highlight>
-                <a:latin typeface="Consolas" panose="020B0609020204030204" pitchFamily="49" charset="0"/>
-              </a:rPr>
-              <a:t>'/usuario'</a:t>
-            </a:r>
-            <a:r>
-              <a:rPr lang="es-419" sz="1200" b="0" dirty="0">
-                <a:solidFill>
-                  <a:srgbClr val="000000"/>
-                </a:solidFill>
-                <a:effectLst/>
-                <a:highlight>
-                  <a:srgbClr val="FFFF00"/>
-                </a:highlight>
-                <a:latin typeface="Consolas" panose="020B0609020204030204" pitchFamily="49" charset="0"/>
-              </a:rPr>
-              <a:t>  , </a:t>
-            </a:r>
-            <a:r>
-              <a:rPr lang="es-419" sz="1200" b="0" dirty="0" err="1">
-                <a:solidFill>
-                  <a:srgbClr val="000000"/>
-                </a:solidFill>
-                <a:effectLst/>
-                <a:highlight>
-                  <a:srgbClr val="FFFF00"/>
-                </a:highlight>
-                <a:latin typeface="Consolas" panose="020B0609020204030204" pitchFamily="49" charset="0"/>
-              </a:rPr>
-              <a:t>userController.readOneUsuario</a:t>
-            </a:r>
-            <a:r>
-              <a:rPr lang="es-419" sz="1200" b="0" dirty="0">
-                <a:solidFill>
-                  <a:srgbClr val="000000"/>
-                </a:solidFill>
-                <a:effectLst/>
-                <a:highlight>
-                  <a:srgbClr val="FFFF00"/>
-                </a:highlight>
-                <a:latin typeface="Consolas" panose="020B0609020204030204" pitchFamily="49" charset="0"/>
-              </a:rPr>
-              <a:t> )</a:t>
-            </a:r>
-          </a:p>
-          <a:p>
-            <a:r>
-              <a:rPr lang="es-419" sz="1200" b="0" dirty="0" err="1">
-                <a:solidFill>
-                  <a:srgbClr val="000000"/>
-                </a:solidFill>
-                <a:effectLst/>
-                <a:latin typeface="Consolas" panose="020B0609020204030204" pitchFamily="49" charset="0"/>
-              </a:rPr>
-              <a:t>router.post</a:t>
-            </a:r>
-            <a:r>
-              <a:rPr lang="es-419" sz="1200" b="0" dirty="0">
-                <a:solidFill>
-                  <a:srgbClr val="000000"/>
-                </a:solidFill>
-                <a:effectLst/>
-                <a:latin typeface="Consolas" panose="020B0609020204030204" pitchFamily="49" charset="0"/>
-              </a:rPr>
-              <a:t>  (</a:t>
-            </a:r>
-            <a:r>
-              <a:rPr lang="es-419" sz="1200" b="0" dirty="0">
-                <a:solidFill>
-                  <a:srgbClr val="A31515"/>
-                </a:solidFill>
-                <a:effectLst/>
-                <a:latin typeface="Consolas" panose="020B0609020204030204" pitchFamily="49" charset="0"/>
-              </a:rPr>
-              <a:t>'/usuario/</a:t>
-            </a:r>
-            <a:r>
-              <a:rPr lang="es-419" sz="1200" b="0" dirty="0" err="1">
-                <a:solidFill>
-                  <a:srgbClr val="A31515"/>
-                </a:solidFill>
-                <a:effectLst/>
-                <a:latin typeface="Consolas" panose="020B0609020204030204" pitchFamily="49" charset="0"/>
-              </a:rPr>
-              <a:t>create</a:t>
-            </a:r>
-            <a:r>
-              <a:rPr lang="es-419" sz="1200" b="0" dirty="0">
-                <a:solidFill>
-                  <a:srgbClr val="A31515"/>
-                </a:solidFill>
-                <a:effectLst/>
-                <a:latin typeface="Consolas" panose="020B0609020204030204" pitchFamily="49" charset="0"/>
-              </a:rPr>
-              <a:t>'</a:t>
-            </a:r>
-            <a:r>
-              <a:rPr lang="es-419" sz="1200" b="0" dirty="0">
-                <a:solidFill>
-                  <a:srgbClr val="000000"/>
-                </a:solidFill>
-                <a:effectLst/>
-                <a:latin typeface="Consolas" panose="020B0609020204030204" pitchFamily="49" charset="0"/>
-              </a:rPr>
-              <a:t>      , </a:t>
-            </a:r>
-            <a:r>
-              <a:rPr lang="es-419" sz="1200" b="0" dirty="0" err="1">
-                <a:solidFill>
-                  <a:srgbClr val="000000"/>
-                </a:solidFill>
-                <a:effectLst/>
-                <a:latin typeface="Consolas" panose="020B0609020204030204" pitchFamily="49" charset="0"/>
-              </a:rPr>
-              <a:t>userController.createUsuario</a:t>
-            </a:r>
-            <a:r>
-              <a:rPr lang="es-419" sz="1200" b="0" dirty="0">
-                <a:solidFill>
-                  <a:srgbClr val="000000"/>
-                </a:solidFill>
-                <a:effectLst/>
-                <a:latin typeface="Consolas" panose="020B0609020204030204" pitchFamily="49" charset="0"/>
-              </a:rPr>
-              <a:t> )</a:t>
-            </a:r>
-          </a:p>
-          <a:p>
-            <a:r>
-              <a:rPr lang="es-419" sz="1200" b="0" dirty="0" err="1">
-                <a:solidFill>
-                  <a:srgbClr val="000000"/>
-                </a:solidFill>
-                <a:effectLst/>
-                <a:latin typeface="Consolas" panose="020B0609020204030204" pitchFamily="49" charset="0"/>
-              </a:rPr>
-              <a:t>router.put</a:t>
-            </a:r>
-            <a:r>
-              <a:rPr lang="es-419" sz="1200" b="0" dirty="0">
-                <a:solidFill>
-                  <a:srgbClr val="000000"/>
-                </a:solidFill>
-                <a:effectLst/>
-                <a:latin typeface="Consolas" panose="020B0609020204030204" pitchFamily="49" charset="0"/>
-              </a:rPr>
-              <a:t>   (</a:t>
-            </a:r>
-            <a:r>
-              <a:rPr lang="es-419" sz="1200" b="0" dirty="0">
-                <a:solidFill>
-                  <a:srgbClr val="A31515"/>
-                </a:solidFill>
-                <a:effectLst/>
-                <a:latin typeface="Consolas" panose="020B0609020204030204" pitchFamily="49" charset="0"/>
-              </a:rPr>
-              <a:t>'/usuario/:id'</a:t>
-            </a:r>
-            <a:r>
-              <a:rPr lang="es-419" sz="1200" b="0" dirty="0">
-                <a:solidFill>
-                  <a:srgbClr val="000000"/>
-                </a:solidFill>
-                <a:effectLst/>
-                <a:latin typeface="Consolas" panose="020B0609020204030204" pitchFamily="49" charset="0"/>
-              </a:rPr>
-              <a:t>  , </a:t>
-            </a:r>
-            <a:r>
-              <a:rPr lang="es-419" sz="1200" b="0" dirty="0" err="1">
-                <a:solidFill>
-                  <a:srgbClr val="000000"/>
-                </a:solidFill>
-                <a:effectLst/>
-                <a:latin typeface="Consolas" panose="020B0609020204030204" pitchFamily="49" charset="0"/>
-              </a:rPr>
-              <a:t>userController.updateUsuario</a:t>
-            </a:r>
-            <a:r>
-              <a:rPr lang="es-419" sz="1200" b="0" dirty="0">
-                <a:solidFill>
-                  <a:srgbClr val="000000"/>
-                </a:solidFill>
-                <a:effectLst/>
-                <a:latin typeface="Consolas" panose="020B0609020204030204" pitchFamily="49" charset="0"/>
-              </a:rPr>
-              <a:t> )</a:t>
-            </a:r>
-          </a:p>
-          <a:p>
-            <a:br>
-              <a:rPr lang="es-419" sz="1200" b="0" dirty="0">
-                <a:solidFill>
-                  <a:srgbClr val="000000"/>
-                </a:solidFill>
-                <a:effectLst/>
-                <a:latin typeface="Consolas" panose="020B0609020204030204" pitchFamily="49" charset="0"/>
-              </a:rPr>
-            </a:br>
-            <a:r>
-              <a:rPr lang="es-419" sz="1200" b="0" dirty="0">
-                <a:solidFill>
-                  <a:srgbClr val="000000"/>
-                </a:solidFill>
-                <a:effectLst/>
-                <a:latin typeface="Consolas" panose="020B0609020204030204" pitchFamily="49" charset="0"/>
-              </a:rPr>
-              <a:t>console.log  (</a:t>
-            </a:r>
-            <a:r>
-              <a:rPr lang="es-419" sz="1200" b="0" dirty="0">
-                <a:solidFill>
-                  <a:srgbClr val="A31515"/>
-                </a:solidFill>
-                <a:effectLst/>
-                <a:latin typeface="Consolas" panose="020B0609020204030204" pitchFamily="49" charset="0"/>
-              </a:rPr>
-              <a:t>'</a:t>
-            </a:r>
-            <a:r>
-              <a:rPr lang="es-419" sz="1200" b="0" dirty="0" err="1">
-                <a:solidFill>
-                  <a:srgbClr val="A31515"/>
-                </a:solidFill>
-                <a:effectLst/>
-                <a:latin typeface="Consolas" panose="020B0609020204030204" pitchFamily="49" charset="0"/>
-              </a:rPr>
-              <a:t>auth.router</a:t>
-            </a:r>
-            <a:r>
-              <a:rPr lang="es-419" sz="1200" b="0" dirty="0">
-                <a:solidFill>
-                  <a:srgbClr val="A31515"/>
-                </a:solidFill>
-                <a:effectLst/>
-                <a:latin typeface="Consolas" panose="020B0609020204030204" pitchFamily="49" charset="0"/>
-              </a:rPr>
-              <a:t>'</a:t>
-            </a:r>
-            <a:r>
-              <a:rPr lang="es-419" sz="1200" b="0" dirty="0">
-                <a:solidFill>
-                  <a:srgbClr val="000000"/>
-                </a:solidFill>
-                <a:effectLst/>
-                <a:latin typeface="Consolas" panose="020B0609020204030204" pitchFamily="49" charset="0"/>
-              </a:rPr>
-              <a:t>)</a:t>
-            </a:r>
-          </a:p>
-          <a:p>
-            <a:r>
-              <a:rPr lang="es-419" sz="1200" b="0" dirty="0" err="1">
-                <a:solidFill>
-                  <a:srgbClr val="000000"/>
-                </a:solidFill>
-                <a:effectLst/>
-                <a:latin typeface="Consolas" panose="020B0609020204030204" pitchFamily="49" charset="0"/>
-              </a:rPr>
-              <a:t>module.exports</a:t>
-            </a:r>
-            <a:r>
-              <a:rPr lang="es-419" sz="1200" b="0" dirty="0">
-                <a:solidFill>
-                  <a:srgbClr val="000000"/>
-                </a:solidFill>
-                <a:effectLst/>
-                <a:latin typeface="Consolas" panose="020B0609020204030204" pitchFamily="49" charset="0"/>
-              </a:rPr>
-              <a:t> = </a:t>
-            </a:r>
-            <a:r>
-              <a:rPr lang="es-419" sz="1200" b="0" dirty="0" err="1">
-                <a:solidFill>
-                  <a:srgbClr val="000000"/>
-                </a:solidFill>
-                <a:effectLst/>
-                <a:latin typeface="Consolas" panose="020B0609020204030204" pitchFamily="49" charset="0"/>
-              </a:rPr>
-              <a:t>router</a:t>
-            </a:r>
-            <a:endParaRPr lang="es-419" sz="1200" b="0" dirty="0">
-              <a:solidFill>
-                <a:srgbClr val="000000"/>
-              </a:solidFill>
-              <a:effectLst/>
-              <a:latin typeface="Consolas" panose="020B0609020204030204" pitchFamily="49" charset="0"/>
-            </a:endParaRPr>
-          </a:p>
-          <a:p>
-            <a:endParaRPr lang="es-419" sz="1200" dirty="0"/>
-          </a:p>
-        </p:txBody>
-      </p:sp>
-      <p:sp>
-        <p:nvSpPr>
-          <p:cNvPr id="11" name="CuadroTexto 10">
-            <a:extLst>
-              <a:ext uri="{FF2B5EF4-FFF2-40B4-BE49-F238E27FC236}">
-                <a16:creationId xmlns:a16="http://schemas.microsoft.com/office/drawing/2014/main" id="{106D454C-3B23-8B87-D8EA-6FCBF2EB593B}"/>
-              </a:ext>
-            </a:extLst>
-          </p:cNvPr>
-          <p:cNvSpPr txBox="1"/>
-          <p:nvPr/>
-        </p:nvSpPr>
-        <p:spPr>
-          <a:xfrm>
-            <a:off x="27899" y="2459902"/>
-            <a:ext cx="5868076" cy="230832"/>
-          </a:xfrm>
-          <a:prstGeom prst="rect">
-            <a:avLst/>
-          </a:prstGeom>
-          <a:solidFill>
-            <a:schemeClr val="bg2"/>
-          </a:solidFill>
-        </p:spPr>
-        <p:txBody>
-          <a:bodyPr wrap="square">
-            <a:spAutoFit/>
-          </a:bodyPr>
-          <a:lstStyle/>
-          <a:p>
-            <a:r>
-              <a:rPr lang="es-419" sz="900" dirty="0">
-                <a:latin typeface="Courier New" panose="02070309020205020404" pitchFamily="49" charset="0"/>
-                <a:cs typeface="Courier New" panose="02070309020205020404" pitchFamily="49" charset="0"/>
-              </a:rPr>
-              <a:t>C:\MEAN\DEV.SC\app.directorio\frontend\src\</a:t>
-            </a:r>
-            <a:r>
-              <a:rPr lang="es-419" sz="900" dirty="0">
-                <a:solidFill>
-                  <a:srgbClr val="D81279"/>
-                </a:solidFill>
-                <a:latin typeface="Courier New" panose="02070309020205020404" pitchFamily="49" charset="0"/>
-                <a:cs typeface="Courier New" panose="02070309020205020404" pitchFamily="49" charset="0"/>
-              </a:rPr>
-              <a:t>environments\environment.development.ts</a:t>
-            </a:r>
-          </a:p>
-        </p:txBody>
-      </p:sp>
-      <p:sp>
-        <p:nvSpPr>
-          <p:cNvPr id="12" name="CuadroTexto 11">
-            <a:extLst>
-              <a:ext uri="{FF2B5EF4-FFF2-40B4-BE49-F238E27FC236}">
-                <a16:creationId xmlns:a16="http://schemas.microsoft.com/office/drawing/2014/main" id="{61A3D561-3C1A-2353-CF97-9E951CA1DC25}"/>
-              </a:ext>
-            </a:extLst>
-          </p:cNvPr>
-          <p:cNvSpPr txBox="1"/>
-          <p:nvPr/>
-        </p:nvSpPr>
-        <p:spPr>
-          <a:xfrm>
-            <a:off x="-3916" y="3619179"/>
-            <a:ext cx="5899892" cy="230832"/>
-          </a:xfrm>
-          <a:prstGeom prst="rect">
-            <a:avLst/>
-          </a:prstGeom>
-          <a:solidFill>
-            <a:schemeClr val="bg2"/>
-          </a:solidFill>
-        </p:spPr>
-        <p:txBody>
-          <a:bodyPr wrap="square">
-            <a:spAutoFit/>
-          </a:bodyPr>
-          <a:lstStyle>
-            <a:defPPr>
-              <a:defRPr lang="en-US"/>
-            </a:defPPr>
-            <a:lvl1pPr>
-              <a:defRPr sz="900">
-                <a:latin typeface="Courier New" panose="02070309020205020404" pitchFamily="49" charset="0"/>
-                <a:cs typeface="Courier New" panose="02070309020205020404" pitchFamily="49" charset="0"/>
-              </a:defRPr>
-            </a:lvl1pPr>
-          </a:lstStyle>
-          <a:p>
-            <a:r>
-              <a:rPr lang="es-419" dirty="0"/>
-              <a:t>C:\MEAN\DEV.SC\app.directorio\frontend\src\environments\environment.development.ts</a:t>
-            </a:r>
-          </a:p>
-        </p:txBody>
-      </p:sp>
-      <p:sp>
-        <p:nvSpPr>
-          <p:cNvPr id="14" name="CuadroTexto 13">
-            <a:extLst>
-              <a:ext uri="{FF2B5EF4-FFF2-40B4-BE49-F238E27FC236}">
-                <a16:creationId xmlns:a16="http://schemas.microsoft.com/office/drawing/2014/main" id="{E797EDDC-C216-5216-D24F-17128D8B81ED}"/>
-              </a:ext>
-            </a:extLst>
-          </p:cNvPr>
-          <p:cNvSpPr txBox="1"/>
-          <p:nvPr/>
-        </p:nvSpPr>
-        <p:spPr>
-          <a:xfrm>
-            <a:off x="982766" y="3890266"/>
-            <a:ext cx="5668925" cy="1015663"/>
-          </a:xfrm>
-          <a:prstGeom prst="rect">
-            <a:avLst/>
-          </a:prstGeom>
-          <a:noFill/>
-        </p:spPr>
-        <p:txBody>
-          <a:bodyPr wrap="square">
-            <a:spAutoFit/>
-          </a:bodyPr>
-          <a:lstStyle/>
-          <a:p>
-            <a:r>
-              <a:rPr lang="fr-FR" sz="1200" b="0" dirty="0">
-                <a:solidFill>
-                  <a:srgbClr val="0000FF"/>
-                </a:solidFill>
-                <a:effectLst/>
-                <a:latin typeface="Consolas" panose="020B0609020204030204" pitchFamily="49" charset="0"/>
-              </a:rPr>
-              <a:t>export</a:t>
-            </a:r>
-            <a:r>
-              <a:rPr lang="fr-FR" sz="1200" b="0" dirty="0">
-                <a:solidFill>
-                  <a:srgbClr val="000000"/>
-                </a:solidFill>
-                <a:effectLst/>
-                <a:latin typeface="Consolas" panose="020B0609020204030204" pitchFamily="49" charset="0"/>
-              </a:rPr>
-              <a:t> </a:t>
-            </a:r>
-            <a:r>
-              <a:rPr lang="fr-FR" sz="1200" b="0" dirty="0" err="1">
-                <a:solidFill>
-                  <a:srgbClr val="0000FF"/>
-                </a:solidFill>
-                <a:effectLst/>
-                <a:latin typeface="Consolas" panose="020B0609020204030204" pitchFamily="49" charset="0"/>
-              </a:rPr>
-              <a:t>const</a:t>
-            </a:r>
-            <a:r>
-              <a:rPr lang="fr-FR" sz="1200" b="0" dirty="0">
-                <a:solidFill>
-                  <a:srgbClr val="000000"/>
-                </a:solidFill>
-                <a:effectLst/>
-                <a:latin typeface="Consolas" panose="020B0609020204030204" pitchFamily="49" charset="0"/>
-              </a:rPr>
-              <a:t> </a:t>
-            </a:r>
-            <a:r>
-              <a:rPr lang="fr-FR" sz="1200" b="0" dirty="0" err="1">
-                <a:solidFill>
-                  <a:srgbClr val="000000"/>
-                </a:solidFill>
-                <a:effectLst/>
-                <a:latin typeface="Consolas" panose="020B0609020204030204" pitchFamily="49" charset="0"/>
-              </a:rPr>
-              <a:t>environment</a:t>
-            </a:r>
-            <a:r>
-              <a:rPr lang="fr-FR" sz="1200" b="0" dirty="0">
-                <a:solidFill>
-                  <a:srgbClr val="000000"/>
-                </a:solidFill>
-                <a:effectLst/>
-                <a:latin typeface="Consolas" panose="020B0609020204030204" pitchFamily="49" charset="0"/>
-              </a:rPr>
-              <a:t> = {</a:t>
-            </a:r>
-          </a:p>
-          <a:p>
-            <a:r>
-              <a:rPr lang="fr-FR" sz="1200" b="0" dirty="0">
-                <a:solidFill>
-                  <a:srgbClr val="000000"/>
-                </a:solidFill>
-                <a:effectLst/>
-                <a:latin typeface="Consolas" panose="020B0609020204030204" pitchFamily="49" charset="0"/>
-              </a:rPr>
-              <a:t>    production: </a:t>
-            </a:r>
-            <a:r>
-              <a:rPr lang="fr-FR" sz="1200" b="0" dirty="0">
-                <a:solidFill>
-                  <a:srgbClr val="0000FF"/>
-                </a:solidFill>
-                <a:effectLst/>
-                <a:latin typeface="Consolas" panose="020B0609020204030204" pitchFamily="49" charset="0"/>
-              </a:rPr>
-              <a:t>false</a:t>
-            </a:r>
-            <a:r>
-              <a:rPr lang="fr-FR" sz="1200" b="0" dirty="0">
-                <a:solidFill>
-                  <a:srgbClr val="000000"/>
-                </a:solidFill>
-                <a:effectLst/>
-                <a:latin typeface="Consolas" panose="020B0609020204030204" pitchFamily="49" charset="0"/>
-              </a:rPr>
-              <a:t>,</a:t>
-            </a:r>
-          </a:p>
-          <a:p>
-            <a:r>
-              <a:rPr lang="fr-FR" sz="1200" b="0" dirty="0">
-                <a:solidFill>
-                  <a:srgbClr val="000000"/>
-                </a:solidFill>
-                <a:effectLst/>
-                <a:latin typeface="Consolas" panose="020B0609020204030204" pitchFamily="49" charset="0"/>
-              </a:rPr>
-              <a:t>    </a:t>
-            </a:r>
-            <a:r>
-              <a:rPr lang="fr-FR" sz="1200" b="0" dirty="0" err="1">
-                <a:solidFill>
-                  <a:srgbClr val="000000"/>
-                </a:solidFill>
-                <a:effectLst/>
-                <a:latin typeface="Consolas" panose="020B0609020204030204" pitchFamily="49" charset="0"/>
-              </a:rPr>
-              <a:t>apiUrl</a:t>
-            </a:r>
-            <a:r>
-              <a:rPr lang="fr-FR" sz="1200" b="0" dirty="0">
-                <a:solidFill>
-                  <a:srgbClr val="000000"/>
-                </a:solidFill>
-                <a:effectLst/>
-                <a:latin typeface="Consolas" panose="020B0609020204030204" pitchFamily="49" charset="0"/>
-              </a:rPr>
-              <a:t>: </a:t>
-            </a:r>
-            <a:r>
-              <a:rPr lang="fr-FR" sz="1200" b="0" dirty="0">
-                <a:solidFill>
-                  <a:srgbClr val="A31515"/>
-                </a:solidFill>
-                <a:effectLst/>
-                <a:latin typeface="Consolas" panose="020B0609020204030204" pitchFamily="49" charset="0"/>
-              </a:rPr>
-              <a:t>'http://localhost:3000/api'</a:t>
-            </a:r>
-            <a:r>
-              <a:rPr lang="fr-FR" sz="1200" b="0" dirty="0">
-                <a:solidFill>
-                  <a:srgbClr val="000000"/>
-                </a:solidFill>
-                <a:effectLst/>
-                <a:latin typeface="Consolas" panose="020B0609020204030204" pitchFamily="49" charset="0"/>
-              </a:rPr>
-              <a:t>,</a:t>
-            </a:r>
-          </a:p>
-          <a:p>
-            <a:r>
-              <a:rPr lang="fr-FR" sz="1200" b="0" dirty="0">
-                <a:solidFill>
-                  <a:srgbClr val="000000"/>
-                </a:solidFill>
-                <a:effectLst/>
-                <a:latin typeface="Consolas" panose="020B0609020204030204" pitchFamily="49" charset="0"/>
-              </a:rPr>
-              <a:t>    </a:t>
-            </a:r>
-            <a:r>
-              <a:rPr lang="fr-FR" sz="1200" b="0" dirty="0" err="1">
-                <a:solidFill>
-                  <a:srgbClr val="000000"/>
-                </a:solidFill>
-                <a:effectLst/>
-                <a:latin typeface="Consolas" panose="020B0609020204030204" pitchFamily="49" charset="0"/>
-              </a:rPr>
-              <a:t>apiAuth</a:t>
-            </a:r>
-            <a:r>
-              <a:rPr lang="fr-FR" sz="1200" b="0" dirty="0">
-                <a:solidFill>
-                  <a:srgbClr val="000000"/>
-                </a:solidFill>
-                <a:effectLst/>
-                <a:latin typeface="Consolas" panose="020B0609020204030204" pitchFamily="49" charset="0"/>
-              </a:rPr>
-              <a:t>: </a:t>
-            </a:r>
-            <a:r>
-              <a:rPr lang="fr-FR" sz="1200" b="0" dirty="0">
-                <a:solidFill>
-                  <a:srgbClr val="A31515"/>
-                </a:solidFill>
-                <a:effectLst/>
-                <a:latin typeface="Consolas" panose="020B0609020204030204" pitchFamily="49" charset="0"/>
-              </a:rPr>
-              <a:t>'http://localhost:3000/</a:t>
-            </a:r>
-            <a:r>
-              <a:rPr lang="fr-FR" sz="1200" b="0" dirty="0" err="1">
-                <a:solidFill>
-                  <a:srgbClr val="A31515"/>
-                </a:solidFill>
-                <a:effectLst/>
-                <a:highlight>
-                  <a:srgbClr val="FFFF00"/>
-                </a:highlight>
-                <a:latin typeface="Consolas" panose="020B0609020204030204" pitchFamily="49" charset="0"/>
-              </a:rPr>
-              <a:t>auth</a:t>
-            </a:r>
-            <a:r>
-              <a:rPr lang="fr-FR" sz="1200" b="0" dirty="0">
-                <a:solidFill>
-                  <a:srgbClr val="A31515"/>
-                </a:solidFill>
-                <a:effectLst/>
-                <a:latin typeface="Consolas" panose="020B0609020204030204" pitchFamily="49" charset="0"/>
-              </a:rPr>
-              <a:t>'</a:t>
-            </a:r>
-            <a:endParaRPr lang="fr-FR" sz="1200" b="0" dirty="0">
-              <a:solidFill>
-                <a:srgbClr val="000000"/>
-              </a:solidFill>
-              <a:effectLst/>
-              <a:latin typeface="Consolas" panose="020B0609020204030204" pitchFamily="49" charset="0"/>
-            </a:endParaRPr>
-          </a:p>
-          <a:p>
-            <a:r>
-              <a:rPr lang="fr-FR" sz="1200" b="0" dirty="0">
-                <a:solidFill>
-                  <a:srgbClr val="000000"/>
-                </a:solidFill>
-                <a:effectLst/>
-                <a:latin typeface="Consolas" panose="020B0609020204030204" pitchFamily="49" charset="0"/>
-              </a:rPr>
-              <a:t>};</a:t>
-            </a:r>
-          </a:p>
-        </p:txBody>
-      </p:sp>
-      <p:sp>
-        <p:nvSpPr>
-          <p:cNvPr id="15" name="CuadroTexto 14">
-            <a:extLst>
-              <a:ext uri="{FF2B5EF4-FFF2-40B4-BE49-F238E27FC236}">
-                <a16:creationId xmlns:a16="http://schemas.microsoft.com/office/drawing/2014/main" id="{0A4A5B52-ACAA-9E0C-FFBA-50E7F0631524}"/>
-              </a:ext>
-            </a:extLst>
-          </p:cNvPr>
-          <p:cNvSpPr txBox="1"/>
-          <p:nvPr/>
-        </p:nvSpPr>
-        <p:spPr>
-          <a:xfrm>
-            <a:off x="6314738" y="2452641"/>
-            <a:ext cx="5868076" cy="230832"/>
-          </a:xfrm>
-          <a:prstGeom prst="rect">
-            <a:avLst/>
-          </a:prstGeom>
-          <a:solidFill>
-            <a:schemeClr val="bg2"/>
-          </a:solidFill>
-        </p:spPr>
-        <p:txBody>
-          <a:bodyPr wrap="square">
-            <a:spAutoFit/>
-          </a:bodyPr>
-          <a:lstStyle/>
-          <a:p>
-            <a:r>
-              <a:rPr lang="es-419" sz="900" dirty="0">
-                <a:latin typeface="Courier New" panose="02070309020205020404" pitchFamily="49" charset="0"/>
-                <a:cs typeface="Courier New" panose="02070309020205020404" pitchFamily="49" charset="0"/>
-              </a:rPr>
-              <a:t>C:\MEAN\DEV.SC\app.directorio\backend\</a:t>
-            </a:r>
-            <a:r>
-              <a:rPr lang="es-419" sz="900" dirty="0">
-                <a:solidFill>
-                  <a:srgbClr val="D81279"/>
-                </a:solidFill>
-                <a:latin typeface="Courier New" panose="02070309020205020404" pitchFamily="49" charset="0"/>
-                <a:cs typeface="Courier New" panose="02070309020205020404" pitchFamily="49" charset="0"/>
-              </a:rPr>
-              <a:t>api\routes\auth.routes.js</a:t>
-            </a:r>
-          </a:p>
-        </p:txBody>
-      </p:sp>
-      <p:sp>
-        <p:nvSpPr>
-          <p:cNvPr id="3" name="CuadroTexto 2">
-            <a:extLst>
-              <a:ext uri="{FF2B5EF4-FFF2-40B4-BE49-F238E27FC236}">
-                <a16:creationId xmlns:a16="http://schemas.microsoft.com/office/drawing/2014/main" id="{28BCE20B-D715-B691-B05D-526D726B4CDC}"/>
-              </a:ext>
-            </a:extLst>
-          </p:cNvPr>
-          <p:cNvSpPr txBox="1"/>
-          <p:nvPr/>
-        </p:nvSpPr>
-        <p:spPr>
-          <a:xfrm>
-            <a:off x="-22629" y="4932562"/>
-            <a:ext cx="5899892" cy="230832"/>
-          </a:xfrm>
-          <a:prstGeom prst="rect">
-            <a:avLst/>
-          </a:prstGeom>
-          <a:solidFill>
-            <a:schemeClr val="bg2"/>
-          </a:solidFill>
-        </p:spPr>
-        <p:txBody>
-          <a:bodyPr wrap="square">
-            <a:spAutoFit/>
-          </a:bodyPr>
-          <a:lstStyle>
-            <a:defPPr>
-              <a:defRPr lang="en-US"/>
-            </a:defPPr>
-            <a:lvl1pPr>
-              <a:defRPr sz="900">
-                <a:latin typeface="Courier New" panose="02070309020205020404" pitchFamily="49" charset="0"/>
-                <a:cs typeface="Courier New" panose="02070309020205020404" pitchFamily="49" charset="0"/>
-              </a:defRPr>
-            </a:lvl1pPr>
-          </a:lstStyle>
-          <a:p>
-            <a:r>
-              <a:rPr lang="es-419" dirty="0"/>
-              <a:t>C:\MEAN\DEV.SC\app.directorio\frontend\src\</a:t>
-            </a:r>
-            <a:r>
-              <a:rPr lang="es-419" dirty="0">
-                <a:solidFill>
-                  <a:srgbClr val="D81279"/>
-                </a:solidFill>
-              </a:rPr>
-              <a:t>app\auth\services\usuario.service.ts</a:t>
-            </a:r>
-          </a:p>
-        </p:txBody>
-      </p:sp>
-      <p:sp>
-        <p:nvSpPr>
-          <p:cNvPr id="10" name="CuadroTexto 9">
-            <a:extLst>
-              <a:ext uri="{FF2B5EF4-FFF2-40B4-BE49-F238E27FC236}">
-                <a16:creationId xmlns:a16="http://schemas.microsoft.com/office/drawing/2014/main" id="{69DE25F5-C3F2-68CC-4AB9-C321A63BF006}"/>
-              </a:ext>
-            </a:extLst>
-          </p:cNvPr>
-          <p:cNvSpPr txBox="1"/>
-          <p:nvPr/>
-        </p:nvSpPr>
-        <p:spPr>
-          <a:xfrm>
-            <a:off x="950952" y="5206078"/>
-            <a:ext cx="4926312" cy="1477328"/>
-          </a:xfrm>
-          <a:prstGeom prst="rect">
-            <a:avLst/>
-          </a:prstGeom>
-          <a:noFill/>
-        </p:spPr>
-        <p:txBody>
-          <a:bodyPr wrap="square">
-            <a:spAutoFit/>
-          </a:bodyPr>
-          <a:lstStyle/>
-          <a:p>
-            <a:r>
-              <a:rPr lang="es-419" sz="1000" b="0" dirty="0" err="1">
-                <a:solidFill>
-                  <a:srgbClr val="0000FF"/>
-                </a:solidFill>
-                <a:effectLst/>
-                <a:latin typeface="Consolas" panose="020B0609020204030204" pitchFamily="49" charset="0"/>
-              </a:rPr>
-              <a:t>import</a:t>
-            </a:r>
-            <a:r>
-              <a:rPr lang="es-419" sz="1000" b="0" dirty="0">
-                <a:solidFill>
-                  <a:srgbClr val="000000"/>
-                </a:solidFill>
-                <a:effectLst/>
-                <a:latin typeface="Consolas" panose="020B0609020204030204" pitchFamily="49" charset="0"/>
-              </a:rPr>
-              <a:t> { Registro } </a:t>
-            </a:r>
-            <a:r>
-              <a:rPr lang="es-419" sz="1000" b="0" dirty="0" err="1">
-                <a:solidFill>
-                  <a:srgbClr val="0000FF"/>
-                </a:solidFill>
-                <a:effectLst/>
-                <a:latin typeface="Consolas" panose="020B0609020204030204" pitchFamily="49" charset="0"/>
-              </a:rPr>
-              <a:t>from</a:t>
-            </a:r>
-            <a:r>
-              <a:rPr lang="es-419" sz="1000" b="0" dirty="0">
-                <a:solidFill>
-                  <a:srgbClr val="000000"/>
-                </a:solidFill>
-                <a:effectLst/>
-                <a:latin typeface="Consolas" panose="020B0609020204030204" pitchFamily="49" charset="0"/>
-              </a:rPr>
-              <a:t> </a:t>
-            </a:r>
-            <a:r>
-              <a:rPr lang="es-419" sz="1000" b="0" dirty="0">
-                <a:solidFill>
-                  <a:srgbClr val="A31515"/>
-                </a:solidFill>
-                <a:effectLst/>
-                <a:latin typeface="Consolas" panose="020B0609020204030204" pitchFamily="49" charset="0"/>
-              </a:rPr>
-              <a:t>'../interfaces/</a:t>
-            </a:r>
-            <a:r>
-              <a:rPr lang="es-419" sz="1000" b="0" dirty="0" err="1">
-                <a:solidFill>
-                  <a:srgbClr val="A31515"/>
-                </a:solidFill>
-                <a:effectLst/>
-                <a:latin typeface="Consolas" panose="020B0609020204030204" pitchFamily="49" charset="0"/>
-              </a:rPr>
-              <a:t>registro.interface</a:t>
-            </a:r>
-            <a:r>
-              <a:rPr lang="es-419" sz="1000" b="0" dirty="0">
-                <a:solidFill>
-                  <a:srgbClr val="A31515"/>
-                </a:solidFill>
-                <a:effectLst/>
-                <a:latin typeface="Consolas" panose="020B0609020204030204" pitchFamily="49" charset="0"/>
-              </a:rPr>
-              <a:t>'</a:t>
-            </a:r>
-            <a:r>
-              <a:rPr lang="es-419" sz="1000" b="0" dirty="0">
-                <a:solidFill>
-                  <a:srgbClr val="000000"/>
-                </a:solidFill>
-                <a:effectLst/>
-                <a:latin typeface="Consolas" panose="020B0609020204030204" pitchFamily="49" charset="0"/>
-              </a:rPr>
-              <a:t>;</a:t>
-            </a:r>
-          </a:p>
-          <a:p>
-            <a:r>
-              <a:rPr lang="es-419" sz="1000" b="0" dirty="0" err="1">
-                <a:solidFill>
-                  <a:srgbClr val="0000FF"/>
-                </a:solidFill>
-                <a:effectLst/>
-                <a:latin typeface="Consolas" panose="020B0609020204030204" pitchFamily="49" charset="0"/>
-              </a:rPr>
-              <a:t>import</a:t>
-            </a:r>
-            <a:r>
-              <a:rPr lang="es-419" sz="1000" b="0" dirty="0">
-                <a:solidFill>
-                  <a:srgbClr val="000000"/>
-                </a:solidFill>
-                <a:effectLst/>
-                <a:latin typeface="Consolas" panose="020B0609020204030204" pitchFamily="49" charset="0"/>
-              </a:rPr>
-              <a:t> { Usuarios } </a:t>
-            </a:r>
-            <a:r>
-              <a:rPr lang="es-419" sz="1000" b="0" dirty="0" err="1">
-                <a:solidFill>
-                  <a:srgbClr val="0000FF"/>
-                </a:solidFill>
-                <a:effectLst/>
-                <a:latin typeface="Consolas" panose="020B0609020204030204" pitchFamily="49" charset="0"/>
-              </a:rPr>
-              <a:t>from</a:t>
-            </a:r>
-            <a:r>
-              <a:rPr lang="es-419" sz="1000" b="0" dirty="0">
-                <a:solidFill>
-                  <a:srgbClr val="000000"/>
-                </a:solidFill>
-                <a:effectLst/>
-                <a:latin typeface="Consolas" panose="020B0609020204030204" pitchFamily="49" charset="0"/>
-              </a:rPr>
-              <a:t> </a:t>
-            </a:r>
-            <a:r>
-              <a:rPr lang="es-419" sz="1000" b="0" dirty="0">
-                <a:solidFill>
-                  <a:srgbClr val="A31515"/>
-                </a:solidFill>
-                <a:effectLst/>
-                <a:latin typeface="Consolas" panose="020B0609020204030204" pitchFamily="49" charset="0"/>
-              </a:rPr>
-              <a:t>'../</a:t>
-            </a:r>
-            <a:r>
-              <a:rPr lang="es-419" sz="1000" b="0" dirty="0" err="1">
-                <a:solidFill>
-                  <a:srgbClr val="A31515"/>
-                </a:solidFill>
-                <a:effectLst/>
-                <a:latin typeface="Consolas" panose="020B0609020204030204" pitchFamily="49" charset="0"/>
-              </a:rPr>
-              <a:t>models</a:t>
-            </a:r>
-            <a:r>
-              <a:rPr lang="es-419" sz="1000" b="0" dirty="0">
-                <a:solidFill>
-                  <a:srgbClr val="A31515"/>
-                </a:solidFill>
-                <a:effectLst/>
-                <a:latin typeface="Consolas" panose="020B0609020204030204" pitchFamily="49" charset="0"/>
-              </a:rPr>
-              <a:t>/</a:t>
-            </a:r>
-            <a:r>
-              <a:rPr lang="es-419" sz="1000" b="0" dirty="0" err="1">
-                <a:solidFill>
-                  <a:srgbClr val="A31515"/>
-                </a:solidFill>
-                <a:effectLst/>
-                <a:latin typeface="Consolas" panose="020B0609020204030204" pitchFamily="49" charset="0"/>
-              </a:rPr>
-              <a:t>usuarios.model</a:t>
-            </a:r>
-            <a:r>
-              <a:rPr lang="es-419" sz="1000" b="0" dirty="0">
-                <a:solidFill>
-                  <a:srgbClr val="A31515"/>
-                </a:solidFill>
-                <a:effectLst/>
-                <a:latin typeface="Consolas" panose="020B0609020204030204" pitchFamily="49" charset="0"/>
-              </a:rPr>
-              <a:t>'</a:t>
-            </a:r>
-            <a:r>
-              <a:rPr lang="es-419" sz="1000" b="0" dirty="0">
-                <a:solidFill>
-                  <a:srgbClr val="000000"/>
-                </a:solidFill>
-                <a:effectLst/>
-                <a:latin typeface="Consolas" panose="020B0609020204030204" pitchFamily="49" charset="0"/>
-              </a:rPr>
-              <a:t>;</a:t>
-            </a:r>
-          </a:p>
-          <a:p>
-            <a:br>
-              <a:rPr lang="es-419" sz="1000" b="0" dirty="0">
-                <a:solidFill>
-                  <a:srgbClr val="000000"/>
-                </a:solidFill>
-                <a:effectLst/>
-                <a:latin typeface="Consolas" panose="020B0609020204030204" pitchFamily="49" charset="0"/>
-              </a:rPr>
-            </a:br>
-            <a:r>
-              <a:rPr lang="es-419" sz="1000" b="0" dirty="0" err="1">
-                <a:solidFill>
-                  <a:srgbClr val="0000FF"/>
-                </a:solidFill>
-                <a:effectLst/>
-                <a:latin typeface="Consolas" panose="020B0609020204030204" pitchFamily="49" charset="0"/>
-              </a:rPr>
-              <a:t>const</a:t>
-            </a:r>
-            <a:r>
-              <a:rPr lang="es-419" sz="1000" b="0" dirty="0">
-                <a:solidFill>
-                  <a:srgbClr val="000000"/>
-                </a:solidFill>
-                <a:effectLst/>
-                <a:latin typeface="Consolas" panose="020B0609020204030204" pitchFamily="49" charset="0"/>
-              </a:rPr>
-              <a:t> </a:t>
-            </a:r>
-            <a:r>
-              <a:rPr lang="es-419" sz="1000" b="0" dirty="0" err="1">
-                <a:solidFill>
-                  <a:srgbClr val="000000"/>
-                </a:solidFill>
-                <a:effectLst/>
-                <a:latin typeface="Consolas" panose="020B0609020204030204" pitchFamily="49" charset="0"/>
-              </a:rPr>
-              <a:t>url</a:t>
-            </a:r>
-            <a:r>
-              <a:rPr lang="es-419" sz="1000" b="0" dirty="0">
-                <a:solidFill>
-                  <a:srgbClr val="000000"/>
-                </a:solidFill>
-                <a:effectLst/>
-                <a:latin typeface="Consolas" panose="020B0609020204030204" pitchFamily="49" charset="0"/>
-              </a:rPr>
-              <a:t> = </a:t>
-            </a:r>
-            <a:r>
-              <a:rPr lang="es-419" sz="1000" b="0" dirty="0" err="1">
-                <a:solidFill>
-                  <a:srgbClr val="000000"/>
-                </a:solidFill>
-                <a:effectLst/>
-                <a:highlight>
-                  <a:srgbClr val="FFFF00"/>
-                </a:highlight>
-                <a:latin typeface="Consolas" panose="020B0609020204030204" pitchFamily="49" charset="0"/>
-              </a:rPr>
-              <a:t>environment.apiAuth</a:t>
-            </a:r>
-            <a:r>
-              <a:rPr lang="es-419" sz="1000" b="0" dirty="0">
-                <a:solidFill>
-                  <a:srgbClr val="000000"/>
-                </a:solidFill>
-                <a:effectLst/>
-                <a:highlight>
-                  <a:srgbClr val="FFFF00"/>
-                </a:highlight>
-                <a:latin typeface="Consolas" panose="020B0609020204030204" pitchFamily="49" charset="0"/>
-              </a:rPr>
-              <a:t>;</a:t>
-            </a:r>
-          </a:p>
-          <a:p>
-            <a:br>
-              <a:rPr lang="es-419" sz="1000" b="0" dirty="0">
-                <a:solidFill>
-                  <a:srgbClr val="000000"/>
-                </a:solidFill>
-                <a:effectLst/>
-                <a:latin typeface="Consolas" panose="020B0609020204030204" pitchFamily="49" charset="0"/>
-              </a:rPr>
-            </a:br>
-            <a:r>
-              <a:rPr lang="es-419" sz="1000" b="0" dirty="0">
-                <a:solidFill>
-                  <a:srgbClr val="000000"/>
-                </a:solidFill>
-                <a:effectLst/>
-                <a:latin typeface="Consolas" panose="020B0609020204030204" pitchFamily="49" charset="0"/>
-              </a:rPr>
-              <a:t>@Injectable({</a:t>
-            </a:r>
-          </a:p>
-          <a:p>
-            <a:r>
-              <a:rPr lang="es-419" sz="1000" b="0" dirty="0">
-                <a:solidFill>
-                  <a:srgbClr val="000000"/>
-                </a:solidFill>
-                <a:effectLst/>
-                <a:latin typeface="Consolas" panose="020B0609020204030204" pitchFamily="49" charset="0"/>
-              </a:rPr>
-              <a:t>  </a:t>
-            </a:r>
-            <a:r>
-              <a:rPr lang="es-419" sz="1000" b="0" dirty="0" err="1">
-                <a:solidFill>
-                  <a:srgbClr val="000000"/>
-                </a:solidFill>
-                <a:effectLst/>
-                <a:latin typeface="Consolas" panose="020B0609020204030204" pitchFamily="49" charset="0"/>
-              </a:rPr>
-              <a:t>providedIn</a:t>
-            </a:r>
-            <a:r>
-              <a:rPr lang="es-419" sz="1000" b="0" dirty="0">
-                <a:solidFill>
-                  <a:srgbClr val="000000"/>
-                </a:solidFill>
-                <a:effectLst/>
-                <a:latin typeface="Consolas" panose="020B0609020204030204" pitchFamily="49" charset="0"/>
-              </a:rPr>
-              <a:t>: </a:t>
-            </a:r>
-            <a:r>
-              <a:rPr lang="es-419" sz="1000" b="0" dirty="0">
-                <a:solidFill>
-                  <a:srgbClr val="A31515"/>
-                </a:solidFill>
-                <a:effectLst/>
-                <a:latin typeface="Consolas" panose="020B0609020204030204" pitchFamily="49" charset="0"/>
-              </a:rPr>
-              <a:t>'</a:t>
-            </a:r>
-            <a:r>
-              <a:rPr lang="es-419" sz="1000" b="0" dirty="0" err="1">
-                <a:solidFill>
-                  <a:srgbClr val="A31515"/>
-                </a:solidFill>
-                <a:effectLst/>
-                <a:latin typeface="Consolas" panose="020B0609020204030204" pitchFamily="49" charset="0"/>
-              </a:rPr>
-              <a:t>root</a:t>
-            </a:r>
-            <a:r>
-              <a:rPr lang="es-419" sz="1000" b="0" dirty="0">
-                <a:solidFill>
-                  <a:srgbClr val="A31515"/>
-                </a:solidFill>
-                <a:effectLst/>
-                <a:latin typeface="Consolas" panose="020B0609020204030204" pitchFamily="49" charset="0"/>
-              </a:rPr>
-              <a:t>'</a:t>
-            </a:r>
-            <a:endParaRPr lang="es-419" sz="1000" b="0" dirty="0">
-              <a:solidFill>
-                <a:srgbClr val="000000"/>
-              </a:solidFill>
-              <a:effectLst/>
-              <a:latin typeface="Consolas" panose="020B0609020204030204" pitchFamily="49" charset="0"/>
-            </a:endParaRPr>
-          </a:p>
-          <a:p>
-            <a:r>
-              <a:rPr lang="es-419" sz="1000" b="0" dirty="0">
-                <a:solidFill>
-                  <a:srgbClr val="000000"/>
-                </a:solidFill>
-                <a:effectLst/>
-                <a:latin typeface="Consolas" panose="020B0609020204030204" pitchFamily="49" charset="0"/>
-              </a:rPr>
-              <a:t>})</a:t>
-            </a:r>
-          </a:p>
-          <a:p>
-            <a:r>
-              <a:rPr lang="es-419" sz="1000" b="0" dirty="0" err="1">
-                <a:solidFill>
-                  <a:srgbClr val="0000FF"/>
-                </a:solidFill>
-                <a:effectLst/>
-                <a:latin typeface="Consolas" panose="020B0609020204030204" pitchFamily="49" charset="0"/>
-              </a:rPr>
-              <a:t>export</a:t>
-            </a:r>
-            <a:r>
-              <a:rPr lang="es-419" sz="1000" b="0" dirty="0">
-                <a:solidFill>
-                  <a:srgbClr val="000000"/>
-                </a:solidFill>
-                <a:effectLst/>
-                <a:latin typeface="Consolas" panose="020B0609020204030204" pitchFamily="49" charset="0"/>
-              </a:rPr>
-              <a:t> </a:t>
-            </a:r>
-            <a:r>
-              <a:rPr lang="es-419" sz="1000" b="0" dirty="0" err="1">
-                <a:solidFill>
-                  <a:srgbClr val="0000FF"/>
-                </a:solidFill>
-                <a:effectLst/>
-                <a:latin typeface="Consolas" panose="020B0609020204030204" pitchFamily="49" charset="0"/>
-              </a:rPr>
-              <a:t>class</a:t>
-            </a:r>
-            <a:r>
-              <a:rPr lang="es-419" sz="1000" b="0" dirty="0">
-                <a:solidFill>
-                  <a:srgbClr val="000000"/>
-                </a:solidFill>
-                <a:effectLst/>
-                <a:latin typeface="Consolas" panose="020B0609020204030204" pitchFamily="49" charset="0"/>
-              </a:rPr>
-              <a:t> </a:t>
-            </a:r>
-            <a:r>
-              <a:rPr lang="es-419" sz="1000" b="0" dirty="0" err="1">
-                <a:solidFill>
-                  <a:srgbClr val="000000"/>
-                </a:solidFill>
-                <a:effectLst/>
-                <a:latin typeface="Consolas" panose="020B0609020204030204" pitchFamily="49" charset="0"/>
-              </a:rPr>
-              <a:t>UsuarioService</a:t>
-            </a:r>
-            <a:r>
-              <a:rPr lang="es-419" sz="1000" b="0" dirty="0">
-                <a:solidFill>
-                  <a:srgbClr val="000000"/>
-                </a:solidFill>
-                <a:effectLst/>
-                <a:latin typeface="Consolas" panose="020B0609020204030204" pitchFamily="49" charset="0"/>
-              </a:rPr>
-              <a:t> {</a:t>
-            </a:r>
-          </a:p>
-        </p:txBody>
-      </p:sp>
-    </p:spTree>
-    <p:extLst>
-      <p:ext uri="{BB962C8B-B14F-4D97-AF65-F5344CB8AC3E}">
-        <p14:creationId xmlns:p14="http://schemas.microsoft.com/office/powerpoint/2010/main" val="2780718428"/>
-      </p:ext>
-    </p:extLst>
-  </p:cSld>
-  <p:clrMapOvr>
-    <a:masterClrMapping/>
-  </p:clrMapOvr>
-</p:sld>
-</file>
-
-<file path=ppt/slides/slide27.xml><?xml version="1.0" encoding="utf-8"?>
-<p:sld xmlns:a="http://schemas.openxmlformats.org/drawingml/2006/main" xmlns:r="http://schemas.openxmlformats.org/officeDocument/2006/relationships" xmlns:p="http://schemas.openxmlformats.org/presentationml/2006/main">
-  <p:cSld>
-    <p:spTree>
-      <p:nvGrpSpPr>
-        <p:cNvPr id="1" name=""/>
-        <p:cNvGrpSpPr/>
-        <p:nvPr/>
-      </p:nvGrpSpPr>
-      <p:grpSpPr>
-        <a:xfrm>
-          <a:off x="0" y="0"/>
-          <a:ext cx="0" cy="0"/>
-          <a:chOff x="0" y="0"/>
-          <a:chExt cx="0" cy="0"/>
-        </a:xfrm>
-      </p:grpSpPr>
-      <p:sp>
-        <p:nvSpPr>
-          <p:cNvPr id="2" name="Título 1">
-            <a:extLst>
-              <a:ext uri="{FF2B5EF4-FFF2-40B4-BE49-F238E27FC236}">
-                <a16:creationId xmlns:a16="http://schemas.microsoft.com/office/drawing/2014/main" id="{DDA0F478-E659-43F0-7A3A-E966BE629E17}"/>
-              </a:ext>
-            </a:extLst>
-          </p:cNvPr>
-          <p:cNvSpPr>
-            <a:spLocks noGrp="1"/>
-          </p:cNvSpPr>
-          <p:nvPr>
-            <p:ph type="title"/>
-          </p:nvPr>
-        </p:nvSpPr>
-        <p:spPr/>
-        <p:txBody>
-          <a:bodyPr/>
-          <a:lstStyle/>
-          <a:p>
-            <a:r>
-              <a:rPr lang="es-419" dirty="0" err="1"/>
-              <a:t>Login</a:t>
-            </a:r>
-            <a:r>
-              <a:rPr lang="es-419" dirty="0"/>
-              <a:t> de autenticación</a:t>
-            </a:r>
-          </a:p>
-        </p:txBody>
-      </p:sp>
-      <p:sp>
-        <p:nvSpPr>
-          <p:cNvPr id="4" name="Marcador de texto 3">
-            <a:extLst>
-              <a:ext uri="{FF2B5EF4-FFF2-40B4-BE49-F238E27FC236}">
-                <a16:creationId xmlns:a16="http://schemas.microsoft.com/office/drawing/2014/main" id="{B9BA2C9D-5204-4DF2-D3FC-D6C8656C5583}"/>
-              </a:ext>
-            </a:extLst>
-          </p:cNvPr>
-          <p:cNvSpPr>
-            <a:spLocks noGrp="1"/>
-          </p:cNvSpPr>
-          <p:nvPr>
-            <p:ph type="body" sz="quarter" idx="13"/>
-          </p:nvPr>
-        </p:nvSpPr>
-        <p:spPr>
-          <a:xfrm>
             <a:off x="991953" y="2122285"/>
             <a:ext cx="5113234" cy="3895953"/>
           </a:xfrm>
@@ -25675,7 +25540,7 @@
 </p:sld>
 </file>
 
-<file path=ppt/slides/slide28.xml><?xml version="1.0" encoding="utf-8"?>
+<file path=ppt/slides/slide27.xml><?xml version="1.0" encoding="utf-8"?>
 <p:sld xmlns:a="http://schemas.openxmlformats.org/drawingml/2006/main" xmlns:r="http://schemas.openxmlformats.org/officeDocument/2006/relationships" xmlns:p="http://schemas.openxmlformats.org/presentationml/2006/main">
   <p:cSld>
     <p:spTree>
@@ -28434,7 +28299,7 @@
 </p:sld>
 </file>
 
-<file path=ppt/slides/slide29.xml><?xml version="1.0" encoding="utf-8"?>
+<file path=ppt/slides/slide28.xml><?xml version="1.0" encoding="utf-8"?>
 <p:sld xmlns:a="http://schemas.openxmlformats.org/drawingml/2006/main" xmlns:r="http://schemas.openxmlformats.org/officeDocument/2006/relationships" xmlns:p="http://schemas.openxmlformats.org/presentationml/2006/main">
   <p:cSld>
     <p:spTree>
@@ -32408,6 +32273,232 @@
     <p:extLst>
       <p:ext uri="{BB962C8B-B14F-4D97-AF65-F5344CB8AC3E}">
         <p14:creationId xmlns:p14="http://schemas.microsoft.com/office/powerpoint/2010/main" val="1445985595"/>
+      </p:ext>
+    </p:extLst>
+  </p:cSld>
+  <p:clrMapOvr>
+    <a:masterClrMapping/>
+  </p:clrMapOvr>
+</p:sld>
+</file>
+
+<file path=ppt/slides/slide29.xml><?xml version="1.0" encoding="utf-8"?>
+<p:sld xmlns:a="http://schemas.openxmlformats.org/drawingml/2006/main" xmlns:r="http://schemas.openxmlformats.org/officeDocument/2006/relationships" xmlns:p="http://schemas.openxmlformats.org/presentationml/2006/main">
+  <p:cSld>
+    <p:spTree>
+      <p:nvGrpSpPr>
+        <p:cNvPr id="1" name=""/>
+        <p:cNvGrpSpPr/>
+        <p:nvPr/>
+      </p:nvGrpSpPr>
+      <p:grpSpPr>
+        <a:xfrm>
+          <a:off x="0" y="0"/>
+          <a:ext cx="0" cy="0"/>
+          <a:chOff x="0" y="0"/>
+          <a:chExt cx="0" cy="0"/>
+        </a:xfrm>
+      </p:grpSpPr>
+      <p:sp>
+        <p:nvSpPr>
+          <p:cNvPr id="2" name="Título 1">
+            <a:extLst>
+              <a:ext uri="{FF2B5EF4-FFF2-40B4-BE49-F238E27FC236}">
+                <a16:creationId xmlns:a16="http://schemas.microsoft.com/office/drawing/2014/main" id="{3223B224-128F-3002-8290-F16273AF5922}"/>
+              </a:ext>
+            </a:extLst>
+          </p:cNvPr>
+          <p:cNvSpPr>
+            <a:spLocks noGrp="1"/>
+          </p:cNvSpPr>
+          <p:nvPr>
+            <p:ph type="ctrTitle"/>
+          </p:nvPr>
+        </p:nvSpPr>
+        <p:spPr/>
+        <p:txBody>
+          <a:bodyPr/>
+          <a:lstStyle/>
+          <a:p>
+            <a:r>
+              <a:rPr lang="es-ES" dirty="0"/>
+              <a:t>Arquitectura MEAN </a:t>
+            </a:r>
+            <a:r>
+              <a:rPr lang="es-ES" dirty="0" err="1"/>
+              <a:t>stack</a:t>
+            </a:r>
+            <a:endParaRPr lang="es-419" dirty="0"/>
+          </a:p>
+        </p:txBody>
+      </p:sp>
+      <p:sp>
+        <p:nvSpPr>
+          <p:cNvPr id="4" name="Rectangle 5">
+            <a:extLst>
+              <a:ext uri="{FF2B5EF4-FFF2-40B4-BE49-F238E27FC236}">
+                <a16:creationId xmlns:a16="http://schemas.microsoft.com/office/drawing/2014/main" id="{AD26693D-36F2-EBC6-48FA-C84A90991B26}"/>
+              </a:ext>
+            </a:extLst>
+          </p:cNvPr>
+          <p:cNvSpPr/>
+          <p:nvPr/>
+        </p:nvSpPr>
+        <p:spPr>
+          <a:xfrm>
+            <a:off x="0" y="3010385"/>
+            <a:ext cx="5143501" cy="45719"/>
+          </a:xfrm>
+          <a:prstGeom prst="rect">
+            <a:avLst/>
+          </a:prstGeom>
+          <a:gradFill>
+            <a:gsLst>
+              <a:gs pos="7000">
+                <a:srgbClr val="F83A01"/>
+              </a:gs>
+              <a:gs pos="100000">
+                <a:srgbClr val="F9C921"/>
+              </a:gs>
+            </a:gsLst>
+            <a:lin ang="1200000" scaled="0"/>
+          </a:gradFill>
+          <a:ln>
+            <a:noFill/>
+          </a:ln>
+        </p:spPr>
+        <p:style>
+          <a:lnRef idx="2">
+            <a:schemeClr val="accent1">
+              <a:shade val="50000"/>
+            </a:schemeClr>
+          </a:lnRef>
+          <a:fillRef idx="1">
+            <a:schemeClr val="accent1"/>
+          </a:fillRef>
+          <a:effectRef idx="0">
+            <a:schemeClr val="accent1"/>
+          </a:effectRef>
+          <a:fontRef idx="minor">
+            <a:schemeClr val="lt1"/>
+          </a:fontRef>
+        </p:style>
+        <p:txBody>
+          <a:bodyPr rot="0" spcFirstLastPara="0" vertOverflow="overflow" horzOverflow="overflow" vert="horz" wrap="square" lIns="91440" tIns="45720" rIns="91440" bIns="45720" numCol="1" spcCol="0" rtlCol="0" fromWordArt="0" anchor="ctr" anchorCtr="0" forceAA="0" compatLnSpc="1">
+            <a:prstTxWarp prst="textNoShape">
+              <a:avLst/>
+            </a:prstTxWarp>
+            <a:noAutofit/>
+          </a:bodyPr>
+          <a:lstStyle/>
+          <a:p>
+            <a:pPr algn="ctr"/>
+            <a:endParaRPr lang="es-MX" dirty="0"/>
+          </a:p>
+        </p:txBody>
+      </p:sp>
+      <p:sp>
+        <p:nvSpPr>
+          <p:cNvPr id="10" name="Subtítulo 2">
+            <a:extLst>
+              <a:ext uri="{FF2B5EF4-FFF2-40B4-BE49-F238E27FC236}">
+                <a16:creationId xmlns:a16="http://schemas.microsoft.com/office/drawing/2014/main" id="{00EB1D16-7B39-F373-2053-73324326409B}"/>
+              </a:ext>
+            </a:extLst>
+          </p:cNvPr>
+          <p:cNvSpPr>
+            <a:spLocks noGrp="1"/>
+          </p:cNvSpPr>
+          <p:nvPr>
+            <p:ph type="subTitle" idx="1"/>
+          </p:nvPr>
+        </p:nvSpPr>
+        <p:spPr>
+          <a:xfrm>
+            <a:off x="839788" y="3216275"/>
+            <a:ext cx="7237412" cy="1008063"/>
+          </a:xfrm>
+        </p:spPr>
+        <p:txBody>
+          <a:bodyPr/>
+          <a:lstStyle/>
+          <a:p>
+            <a:r>
+              <a:rPr lang="es-419" dirty="0"/>
+              <a:t>VII. Configuración </a:t>
+            </a:r>
+            <a:r>
+              <a:rPr lang="es-419" dirty="0" err="1"/>
+              <a:t>Frontend</a:t>
+            </a:r>
+            <a:r>
+              <a:rPr lang="es-419" dirty="0"/>
+              <a:t> </a:t>
+            </a:r>
+          </a:p>
+        </p:txBody>
+      </p:sp>
+      <p:pic>
+        <p:nvPicPr>
+          <p:cNvPr id="11" name="Picture 4">
+            <a:extLst>
+              <a:ext uri="{FF2B5EF4-FFF2-40B4-BE49-F238E27FC236}">
+                <a16:creationId xmlns:a16="http://schemas.microsoft.com/office/drawing/2014/main" id="{B7439DA2-7760-4D25-571F-2C6C88737472}"/>
+              </a:ext>
+            </a:extLst>
+          </p:cNvPr>
+          <p:cNvPicPr>
+            <a:picLocks noChangeAspect="1" noChangeArrowheads="1"/>
+          </p:cNvPicPr>
+          <p:nvPr/>
+        </p:nvPicPr>
+        <p:blipFill>
+          <a:blip r:embed="rId2">
+            <a:clrChange>
+              <a:clrFrom>
+                <a:srgbClr val="FFFFFF"/>
+              </a:clrFrom>
+              <a:clrTo>
+                <a:srgbClr val="FFFFFF">
+                  <a:alpha val="0"/>
+                </a:srgbClr>
+              </a:clrTo>
+            </a:clrChange>
+            <a:extLst>
+              <a:ext uri="{28A0092B-C50C-407E-A947-70E740481C1C}">
+                <a14:useLocalDpi xmlns:a14="http://schemas.microsoft.com/office/drawing/2010/main" val="0"/>
+              </a:ext>
+            </a:extLst>
+          </a:blip>
+          <a:srcRect/>
+          <a:stretch>
+            <a:fillRect/>
+          </a:stretch>
+        </p:blipFill>
+        <p:spPr bwMode="auto">
+          <a:xfrm>
+            <a:off x="2853041" y="3720129"/>
+            <a:ext cx="1137051" cy="1220889"/>
+          </a:xfrm>
+          <a:prstGeom prst="rect">
+            <a:avLst/>
+          </a:prstGeom>
+          <a:noFill/>
+          <a:extLst>
+            <a:ext uri="{909E8E84-426E-40DD-AFC4-6F175D3DCCD1}">
+              <a14:hiddenFill xmlns:a14="http://schemas.microsoft.com/office/drawing/2010/main">
+                <a:solidFill>
+                  <a:srgbClr val="FFFFFF"/>
+                </a:solidFill>
+              </a14:hiddenFill>
+            </a:ext>
+          </a:extLst>
+        </p:spPr>
+      </p:pic>
+    </p:spTree>
+    <p:extLst>
+      <p:ext uri="{BB962C8B-B14F-4D97-AF65-F5344CB8AC3E}">
+        <p14:creationId xmlns:p14="http://schemas.microsoft.com/office/powerpoint/2010/main" val="1023595779"/>
       </p:ext>
     </p:extLst>
   </p:cSld>
@@ -32659,661 +32750,6 @@
     <p:extLst>
       <p:ext uri="{BB962C8B-B14F-4D97-AF65-F5344CB8AC3E}">
         <p14:creationId xmlns:p14="http://schemas.microsoft.com/office/powerpoint/2010/main" val="356345787"/>
-      </p:ext>
-    </p:extLst>
-  </p:cSld>
-  <p:clrMapOvr>
-    <a:masterClrMapping/>
-  </p:clrMapOvr>
-</p:sld>
-</file>
-
-<file path=ppt/slides/slide30.xml><?xml version="1.0" encoding="utf-8"?>
-<p:sld xmlns:a="http://schemas.openxmlformats.org/drawingml/2006/main" xmlns:r="http://schemas.openxmlformats.org/officeDocument/2006/relationships" xmlns:p="http://schemas.openxmlformats.org/presentationml/2006/main">
-  <p:cSld>
-    <p:spTree>
-      <p:nvGrpSpPr>
-        <p:cNvPr id="1" name=""/>
-        <p:cNvGrpSpPr/>
-        <p:nvPr/>
-      </p:nvGrpSpPr>
-      <p:grpSpPr>
-        <a:xfrm>
-          <a:off x="0" y="0"/>
-          <a:ext cx="0" cy="0"/>
-          <a:chOff x="0" y="0"/>
-          <a:chExt cx="0" cy="0"/>
-        </a:xfrm>
-      </p:grpSpPr>
-      <p:sp>
-        <p:nvSpPr>
-          <p:cNvPr id="2" name="Título 1">
-            <a:extLst>
-              <a:ext uri="{FF2B5EF4-FFF2-40B4-BE49-F238E27FC236}">
-                <a16:creationId xmlns:a16="http://schemas.microsoft.com/office/drawing/2014/main" id="{EB28AE6C-CC3B-4B19-7843-0C3462C9AAFD}"/>
-              </a:ext>
-            </a:extLst>
-          </p:cNvPr>
-          <p:cNvSpPr>
-            <a:spLocks noGrp="1"/>
-          </p:cNvSpPr>
-          <p:nvPr>
-            <p:ph type="title"/>
-          </p:nvPr>
-        </p:nvSpPr>
-        <p:spPr>
-          <a:xfrm>
-            <a:off x="838200" y="681037"/>
-            <a:ext cx="9921549" cy="387798"/>
-          </a:xfrm>
-        </p:spPr>
-        <p:txBody>
-          <a:bodyPr/>
-          <a:lstStyle/>
-          <a:p>
-            <a:r>
-              <a:rPr lang="es-419" dirty="0"/>
-              <a:t>Token AWT</a:t>
-            </a:r>
-          </a:p>
-        </p:txBody>
-      </p:sp>
-      <p:sp>
-        <p:nvSpPr>
-          <p:cNvPr id="3" name="Marcador de contenido 2">
-            <a:extLst>
-              <a:ext uri="{FF2B5EF4-FFF2-40B4-BE49-F238E27FC236}">
-                <a16:creationId xmlns:a16="http://schemas.microsoft.com/office/drawing/2014/main" id="{6A916FCB-CA31-4466-BB7C-D0D7D1438E59}"/>
-              </a:ext>
-            </a:extLst>
-          </p:cNvPr>
-          <p:cNvSpPr>
-            <a:spLocks noGrp="1"/>
-          </p:cNvSpPr>
-          <p:nvPr>
-            <p:ph idx="1"/>
-          </p:nvPr>
-        </p:nvSpPr>
-        <p:spPr/>
-        <p:txBody>
-          <a:bodyPr/>
-          <a:lstStyle/>
-          <a:p>
-            <a:endParaRPr lang="es-419"/>
-          </a:p>
-        </p:txBody>
-      </p:sp>
-    </p:spTree>
-    <p:extLst>
-      <p:ext uri="{BB962C8B-B14F-4D97-AF65-F5344CB8AC3E}">
-        <p14:creationId xmlns:p14="http://schemas.microsoft.com/office/powerpoint/2010/main" val="2206155453"/>
-      </p:ext>
-    </p:extLst>
-  </p:cSld>
-  <p:clrMapOvr>
-    <a:masterClrMapping/>
-  </p:clrMapOvr>
-</p:sld>
-</file>
-
-<file path=ppt/slides/slide31.xml><?xml version="1.0" encoding="utf-8"?>
-<p:sld xmlns:a="http://schemas.openxmlformats.org/drawingml/2006/main" xmlns:r="http://schemas.openxmlformats.org/officeDocument/2006/relationships" xmlns:p="http://schemas.openxmlformats.org/presentationml/2006/main">
-  <p:cSld>
-    <p:spTree>
-      <p:nvGrpSpPr>
-        <p:cNvPr id="1" name=""/>
-        <p:cNvGrpSpPr/>
-        <p:nvPr/>
-      </p:nvGrpSpPr>
-      <p:grpSpPr>
-        <a:xfrm>
-          <a:off x="0" y="0"/>
-          <a:ext cx="0" cy="0"/>
-          <a:chOff x="0" y="0"/>
-          <a:chExt cx="0" cy="0"/>
-        </a:xfrm>
-      </p:grpSpPr>
-      <p:sp>
-        <p:nvSpPr>
-          <p:cNvPr id="2" name="Título 1">
-            <a:extLst>
-              <a:ext uri="{FF2B5EF4-FFF2-40B4-BE49-F238E27FC236}">
-                <a16:creationId xmlns:a16="http://schemas.microsoft.com/office/drawing/2014/main" id="{DF9CE2F8-13D2-56B0-C146-CDA773234896}"/>
-              </a:ext>
-            </a:extLst>
-          </p:cNvPr>
-          <p:cNvSpPr>
-            <a:spLocks noGrp="1"/>
-          </p:cNvSpPr>
-          <p:nvPr>
-            <p:ph type="title"/>
-          </p:nvPr>
-        </p:nvSpPr>
-        <p:spPr/>
-        <p:txBody>
-          <a:bodyPr/>
-          <a:lstStyle/>
-          <a:p>
-            <a:r>
-              <a:rPr lang="es-419" dirty="0"/>
-              <a:t>Creación del token</a:t>
-            </a:r>
-          </a:p>
-        </p:txBody>
-      </p:sp>
-      <p:sp>
-        <p:nvSpPr>
-          <p:cNvPr id="3" name="Marcador de contenido 2">
-            <a:extLst>
-              <a:ext uri="{FF2B5EF4-FFF2-40B4-BE49-F238E27FC236}">
-                <a16:creationId xmlns:a16="http://schemas.microsoft.com/office/drawing/2014/main" id="{0B011A9A-6294-CEF6-0300-698E31755CFB}"/>
-              </a:ext>
-            </a:extLst>
-          </p:cNvPr>
-          <p:cNvSpPr>
-            <a:spLocks noGrp="1"/>
-          </p:cNvSpPr>
-          <p:nvPr>
-            <p:ph idx="1"/>
-          </p:nvPr>
-        </p:nvSpPr>
-        <p:spPr/>
-        <p:txBody>
-          <a:bodyPr/>
-          <a:lstStyle/>
-          <a:p>
-            <a:endParaRPr lang="es-419"/>
-          </a:p>
-        </p:txBody>
-      </p:sp>
-    </p:spTree>
-    <p:extLst>
-      <p:ext uri="{BB962C8B-B14F-4D97-AF65-F5344CB8AC3E}">
-        <p14:creationId xmlns:p14="http://schemas.microsoft.com/office/powerpoint/2010/main" val="2211093833"/>
-      </p:ext>
-    </p:extLst>
-  </p:cSld>
-  <p:clrMapOvr>
-    <a:masterClrMapping/>
-  </p:clrMapOvr>
-</p:sld>
-</file>
-
-<file path=ppt/slides/slide32.xml><?xml version="1.0" encoding="utf-8"?>
-<p:sld xmlns:a="http://schemas.openxmlformats.org/drawingml/2006/main" xmlns:r="http://schemas.openxmlformats.org/officeDocument/2006/relationships" xmlns:p="http://schemas.openxmlformats.org/presentationml/2006/main">
-  <p:cSld>
-    <p:spTree>
-      <p:nvGrpSpPr>
-        <p:cNvPr id="1" name=""/>
-        <p:cNvGrpSpPr/>
-        <p:nvPr/>
-      </p:nvGrpSpPr>
-      <p:grpSpPr>
-        <a:xfrm>
-          <a:off x="0" y="0"/>
-          <a:ext cx="0" cy="0"/>
-          <a:chOff x="0" y="0"/>
-          <a:chExt cx="0" cy="0"/>
-        </a:xfrm>
-      </p:grpSpPr>
-      <p:sp>
-        <p:nvSpPr>
-          <p:cNvPr id="2" name="Título 1">
-            <a:extLst>
-              <a:ext uri="{FF2B5EF4-FFF2-40B4-BE49-F238E27FC236}">
-                <a16:creationId xmlns:a16="http://schemas.microsoft.com/office/drawing/2014/main" id="{B997AB2A-B9A2-EAD6-D2FD-454E6739BB9A}"/>
-              </a:ext>
-            </a:extLst>
-          </p:cNvPr>
-          <p:cNvSpPr>
-            <a:spLocks noGrp="1"/>
-          </p:cNvSpPr>
-          <p:nvPr>
-            <p:ph type="title"/>
-          </p:nvPr>
-        </p:nvSpPr>
-        <p:spPr/>
-        <p:txBody>
-          <a:bodyPr/>
-          <a:lstStyle/>
-          <a:p>
-            <a:r>
-              <a:rPr lang="es-419" dirty="0"/>
-              <a:t>Middleware JWT</a:t>
-            </a:r>
-          </a:p>
-        </p:txBody>
-      </p:sp>
-      <p:sp>
-        <p:nvSpPr>
-          <p:cNvPr id="3" name="Marcador de contenido 2">
-            <a:extLst>
-              <a:ext uri="{FF2B5EF4-FFF2-40B4-BE49-F238E27FC236}">
-                <a16:creationId xmlns:a16="http://schemas.microsoft.com/office/drawing/2014/main" id="{EE3504AE-1DFB-E94E-53FE-3AB848C66C78}"/>
-              </a:ext>
-            </a:extLst>
-          </p:cNvPr>
-          <p:cNvSpPr>
-            <a:spLocks noGrp="1"/>
-          </p:cNvSpPr>
-          <p:nvPr>
-            <p:ph idx="1"/>
-          </p:nvPr>
-        </p:nvSpPr>
-        <p:spPr/>
-        <p:txBody>
-          <a:bodyPr/>
-          <a:lstStyle/>
-          <a:p>
-            <a:endParaRPr lang="es-419"/>
-          </a:p>
-        </p:txBody>
-      </p:sp>
-    </p:spTree>
-    <p:extLst>
-      <p:ext uri="{BB962C8B-B14F-4D97-AF65-F5344CB8AC3E}">
-        <p14:creationId xmlns:p14="http://schemas.microsoft.com/office/powerpoint/2010/main" val="341339412"/>
-      </p:ext>
-    </p:extLst>
-  </p:cSld>
-  <p:clrMapOvr>
-    <a:masterClrMapping/>
-  </p:clrMapOvr>
-</p:sld>
-</file>
-
-<file path=ppt/slides/slide33.xml><?xml version="1.0" encoding="utf-8"?>
-<p:sld xmlns:a="http://schemas.openxmlformats.org/drawingml/2006/main" xmlns:r="http://schemas.openxmlformats.org/officeDocument/2006/relationships" xmlns:p="http://schemas.openxmlformats.org/presentationml/2006/main">
-  <p:cSld>
-    <p:spTree>
-      <p:nvGrpSpPr>
-        <p:cNvPr id="1" name=""/>
-        <p:cNvGrpSpPr/>
-        <p:nvPr/>
-      </p:nvGrpSpPr>
-      <p:grpSpPr>
-        <a:xfrm>
-          <a:off x="0" y="0"/>
-          <a:ext cx="0" cy="0"/>
-          <a:chOff x="0" y="0"/>
-          <a:chExt cx="0" cy="0"/>
-        </a:xfrm>
-      </p:grpSpPr>
-      <p:sp>
-        <p:nvSpPr>
-          <p:cNvPr id="2" name="Título 1">
-            <a:extLst>
-              <a:ext uri="{FF2B5EF4-FFF2-40B4-BE49-F238E27FC236}">
-                <a16:creationId xmlns:a16="http://schemas.microsoft.com/office/drawing/2014/main" id="{9F977D53-27DB-646E-D27A-9485D204C397}"/>
-              </a:ext>
-            </a:extLst>
-          </p:cNvPr>
-          <p:cNvSpPr>
-            <a:spLocks noGrp="1"/>
-          </p:cNvSpPr>
-          <p:nvPr>
-            <p:ph type="title"/>
-          </p:nvPr>
-        </p:nvSpPr>
-        <p:spPr/>
-        <p:txBody>
-          <a:bodyPr/>
-          <a:lstStyle/>
-          <a:p>
-            <a:r>
-              <a:rPr lang="es-419" dirty="0" err="1"/>
-              <a:t>Extrear</a:t>
-            </a:r>
-            <a:r>
-              <a:rPr lang="es-419" dirty="0"/>
-              <a:t> token real de </a:t>
-            </a:r>
-            <a:r>
-              <a:rPr lang="es-419" dirty="0" err="1"/>
-              <a:t>Login</a:t>
-            </a:r>
-            <a:endParaRPr lang="es-419" dirty="0"/>
-          </a:p>
-        </p:txBody>
-      </p:sp>
-      <p:sp>
-        <p:nvSpPr>
-          <p:cNvPr id="3" name="Marcador de contenido 2">
-            <a:extLst>
-              <a:ext uri="{FF2B5EF4-FFF2-40B4-BE49-F238E27FC236}">
-                <a16:creationId xmlns:a16="http://schemas.microsoft.com/office/drawing/2014/main" id="{0735225A-D8FF-C53D-B862-8FFD6EA83FE9}"/>
-              </a:ext>
-            </a:extLst>
-          </p:cNvPr>
-          <p:cNvSpPr>
-            <a:spLocks noGrp="1"/>
-          </p:cNvSpPr>
-          <p:nvPr>
-            <p:ph idx="1"/>
-          </p:nvPr>
-        </p:nvSpPr>
-        <p:spPr/>
-        <p:txBody>
-          <a:bodyPr/>
-          <a:lstStyle/>
-          <a:p>
-            <a:endParaRPr lang="es-419"/>
-          </a:p>
-        </p:txBody>
-      </p:sp>
-    </p:spTree>
-    <p:extLst>
-      <p:ext uri="{BB962C8B-B14F-4D97-AF65-F5344CB8AC3E}">
-        <p14:creationId xmlns:p14="http://schemas.microsoft.com/office/powerpoint/2010/main" val="3818687898"/>
-      </p:ext>
-    </p:extLst>
-  </p:cSld>
-  <p:clrMapOvr>
-    <a:masterClrMapping/>
-  </p:clrMapOvr>
-</p:sld>
-</file>
-
-<file path=ppt/slides/slide34.xml><?xml version="1.0" encoding="utf-8"?>
-<p:sld xmlns:a="http://schemas.openxmlformats.org/drawingml/2006/main" xmlns:r="http://schemas.openxmlformats.org/officeDocument/2006/relationships" xmlns:p="http://schemas.openxmlformats.org/presentationml/2006/main">
-  <p:cSld>
-    <p:spTree>
-      <p:nvGrpSpPr>
-        <p:cNvPr id="1" name=""/>
-        <p:cNvGrpSpPr/>
-        <p:nvPr/>
-      </p:nvGrpSpPr>
-      <p:grpSpPr>
-        <a:xfrm>
-          <a:off x="0" y="0"/>
-          <a:ext cx="0" cy="0"/>
-          <a:chOff x="0" y="0"/>
-          <a:chExt cx="0" cy="0"/>
-        </a:xfrm>
-      </p:grpSpPr>
-      <p:sp>
-        <p:nvSpPr>
-          <p:cNvPr id="2" name="Título 1">
-            <a:extLst>
-              <a:ext uri="{FF2B5EF4-FFF2-40B4-BE49-F238E27FC236}">
-                <a16:creationId xmlns:a16="http://schemas.microsoft.com/office/drawing/2014/main" id="{EAEDC1D9-5BA2-7069-BD15-AF2186DF84AB}"/>
-              </a:ext>
-            </a:extLst>
-          </p:cNvPr>
-          <p:cNvSpPr>
-            <a:spLocks noGrp="1"/>
-          </p:cNvSpPr>
-          <p:nvPr>
-            <p:ph type="title"/>
-          </p:nvPr>
-        </p:nvSpPr>
-        <p:spPr/>
-        <p:txBody>
-          <a:bodyPr/>
-          <a:lstStyle/>
-          <a:p>
-            <a:r>
-              <a:rPr lang="es-419" dirty="0"/>
-              <a:t>Validar token</a:t>
-            </a:r>
-          </a:p>
-        </p:txBody>
-      </p:sp>
-      <p:sp>
-        <p:nvSpPr>
-          <p:cNvPr id="3" name="Marcador de contenido 2">
-            <a:extLst>
-              <a:ext uri="{FF2B5EF4-FFF2-40B4-BE49-F238E27FC236}">
-                <a16:creationId xmlns:a16="http://schemas.microsoft.com/office/drawing/2014/main" id="{5B6BD528-15F0-473E-D08B-0D56C6D21DB7}"/>
-              </a:ext>
-            </a:extLst>
-          </p:cNvPr>
-          <p:cNvSpPr>
-            <a:spLocks noGrp="1"/>
-          </p:cNvSpPr>
-          <p:nvPr>
-            <p:ph idx="1"/>
-          </p:nvPr>
-        </p:nvSpPr>
-        <p:spPr/>
-        <p:txBody>
-          <a:bodyPr/>
-          <a:lstStyle/>
-          <a:p>
-            <a:endParaRPr lang="es-419"/>
-          </a:p>
-        </p:txBody>
-      </p:sp>
-    </p:spTree>
-    <p:extLst>
-      <p:ext uri="{BB962C8B-B14F-4D97-AF65-F5344CB8AC3E}">
-        <p14:creationId xmlns:p14="http://schemas.microsoft.com/office/powerpoint/2010/main" val="1249399247"/>
-      </p:ext>
-    </p:extLst>
-  </p:cSld>
-  <p:clrMapOvr>
-    <a:masterClrMapping/>
-  </p:clrMapOvr>
-</p:sld>
-</file>
-
-<file path=ppt/slides/slide35.xml><?xml version="1.0" encoding="utf-8"?>
-<p:sld xmlns:a="http://schemas.openxmlformats.org/drawingml/2006/main" xmlns:r="http://schemas.openxmlformats.org/officeDocument/2006/relationships" xmlns:p="http://schemas.openxmlformats.org/presentationml/2006/main">
-  <p:cSld>
-    <p:spTree>
-      <p:nvGrpSpPr>
-        <p:cNvPr id="1" name=""/>
-        <p:cNvGrpSpPr/>
-        <p:nvPr/>
-      </p:nvGrpSpPr>
-      <p:grpSpPr>
-        <a:xfrm>
-          <a:off x="0" y="0"/>
-          <a:ext cx="0" cy="0"/>
-          <a:chOff x="0" y="0"/>
-          <a:chExt cx="0" cy="0"/>
-        </a:xfrm>
-      </p:grpSpPr>
-      <p:sp>
-        <p:nvSpPr>
-          <p:cNvPr id="2" name="Título 1">
-            <a:extLst>
-              <a:ext uri="{FF2B5EF4-FFF2-40B4-BE49-F238E27FC236}">
-                <a16:creationId xmlns:a16="http://schemas.microsoft.com/office/drawing/2014/main" id="{3223B224-128F-3002-8290-F16273AF5922}"/>
-              </a:ext>
-            </a:extLst>
-          </p:cNvPr>
-          <p:cNvSpPr>
-            <a:spLocks noGrp="1"/>
-          </p:cNvSpPr>
-          <p:nvPr>
-            <p:ph type="ctrTitle"/>
-          </p:nvPr>
-        </p:nvSpPr>
-        <p:spPr/>
-        <p:txBody>
-          <a:bodyPr/>
-          <a:lstStyle/>
-          <a:p>
-            <a:r>
-              <a:rPr lang="es-ES" dirty="0"/>
-              <a:t>Arquitectura MEAN </a:t>
-            </a:r>
-            <a:r>
-              <a:rPr lang="es-ES" dirty="0" err="1"/>
-              <a:t>stack</a:t>
-            </a:r>
-            <a:endParaRPr lang="es-419" dirty="0"/>
-          </a:p>
-        </p:txBody>
-      </p:sp>
-      <p:sp>
-        <p:nvSpPr>
-          <p:cNvPr id="4" name="Rectangle 5">
-            <a:extLst>
-              <a:ext uri="{FF2B5EF4-FFF2-40B4-BE49-F238E27FC236}">
-                <a16:creationId xmlns:a16="http://schemas.microsoft.com/office/drawing/2014/main" id="{AD26693D-36F2-EBC6-48FA-C84A90991B26}"/>
-              </a:ext>
-            </a:extLst>
-          </p:cNvPr>
-          <p:cNvSpPr/>
-          <p:nvPr/>
-        </p:nvSpPr>
-        <p:spPr>
-          <a:xfrm>
-            <a:off x="0" y="3010385"/>
-            <a:ext cx="5143501" cy="45719"/>
-          </a:xfrm>
-          <a:prstGeom prst="rect">
-            <a:avLst/>
-          </a:prstGeom>
-          <a:gradFill>
-            <a:gsLst>
-              <a:gs pos="7000">
-                <a:srgbClr val="F83A01"/>
-              </a:gs>
-              <a:gs pos="100000">
-                <a:srgbClr val="F9C921"/>
-              </a:gs>
-            </a:gsLst>
-            <a:lin ang="1200000" scaled="0"/>
-          </a:gradFill>
-          <a:ln>
-            <a:noFill/>
-          </a:ln>
-        </p:spPr>
-        <p:style>
-          <a:lnRef idx="2">
-            <a:schemeClr val="accent1">
-              <a:shade val="50000"/>
-            </a:schemeClr>
-          </a:lnRef>
-          <a:fillRef idx="1">
-            <a:schemeClr val="accent1"/>
-          </a:fillRef>
-          <a:effectRef idx="0">
-            <a:schemeClr val="accent1"/>
-          </a:effectRef>
-          <a:fontRef idx="minor">
-            <a:schemeClr val="lt1"/>
-          </a:fontRef>
-        </p:style>
-        <p:txBody>
-          <a:bodyPr rot="0" spcFirstLastPara="0" vertOverflow="overflow" horzOverflow="overflow" vert="horz" wrap="square" lIns="91440" tIns="45720" rIns="91440" bIns="45720" numCol="1" spcCol="0" rtlCol="0" fromWordArt="0" anchor="ctr" anchorCtr="0" forceAA="0" compatLnSpc="1">
-            <a:prstTxWarp prst="textNoShape">
-              <a:avLst/>
-            </a:prstTxWarp>
-            <a:noAutofit/>
-          </a:bodyPr>
-          <a:lstStyle/>
-          <a:p>
-            <a:pPr algn="ctr"/>
-            <a:endParaRPr lang="es-MX" dirty="0"/>
-          </a:p>
-        </p:txBody>
-      </p:sp>
-      <p:sp>
-        <p:nvSpPr>
-          <p:cNvPr id="10" name="Subtítulo 2">
-            <a:extLst>
-              <a:ext uri="{FF2B5EF4-FFF2-40B4-BE49-F238E27FC236}">
-                <a16:creationId xmlns:a16="http://schemas.microsoft.com/office/drawing/2014/main" id="{00EB1D16-7B39-F373-2053-73324326409B}"/>
-              </a:ext>
-            </a:extLst>
-          </p:cNvPr>
-          <p:cNvSpPr>
-            <a:spLocks noGrp="1"/>
-          </p:cNvSpPr>
-          <p:nvPr>
-            <p:ph type="subTitle" idx="1"/>
-          </p:nvPr>
-        </p:nvSpPr>
-        <p:spPr>
-          <a:xfrm>
-            <a:off x="839788" y="3216275"/>
-            <a:ext cx="7237412" cy="1008063"/>
-          </a:xfrm>
-        </p:spPr>
-        <p:txBody>
-          <a:bodyPr/>
-          <a:lstStyle/>
-          <a:p>
-            <a:r>
-              <a:rPr lang="es-419" dirty="0"/>
-              <a:t>VII. Configuración </a:t>
-            </a:r>
-            <a:r>
-              <a:rPr lang="es-419" dirty="0" err="1"/>
-              <a:t>Frontend</a:t>
-            </a:r>
-            <a:r>
-              <a:rPr lang="es-419" dirty="0"/>
-              <a:t> </a:t>
-            </a:r>
-          </a:p>
-        </p:txBody>
-      </p:sp>
-      <p:pic>
-        <p:nvPicPr>
-          <p:cNvPr id="11" name="Picture 4">
-            <a:extLst>
-              <a:ext uri="{FF2B5EF4-FFF2-40B4-BE49-F238E27FC236}">
-                <a16:creationId xmlns:a16="http://schemas.microsoft.com/office/drawing/2014/main" id="{B7439DA2-7760-4D25-571F-2C6C88737472}"/>
-              </a:ext>
-            </a:extLst>
-          </p:cNvPr>
-          <p:cNvPicPr>
-            <a:picLocks noChangeAspect="1" noChangeArrowheads="1"/>
-          </p:cNvPicPr>
-          <p:nvPr/>
-        </p:nvPicPr>
-        <p:blipFill>
-          <a:blip r:embed="rId2">
-            <a:clrChange>
-              <a:clrFrom>
-                <a:srgbClr val="FFFFFF"/>
-              </a:clrFrom>
-              <a:clrTo>
-                <a:srgbClr val="FFFFFF">
-                  <a:alpha val="0"/>
-                </a:srgbClr>
-              </a:clrTo>
-            </a:clrChange>
-            <a:extLst>
-              <a:ext uri="{28A0092B-C50C-407E-A947-70E740481C1C}">
-                <a14:useLocalDpi xmlns:a14="http://schemas.microsoft.com/office/drawing/2010/main" val="0"/>
-              </a:ext>
-            </a:extLst>
-          </a:blip>
-          <a:srcRect/>
-          <a:stretch>
-            <a:fillRect/>
-          </a:stretch>
-        </p:blipFill>
-        <p:spPr bwMode="auto">
-          <a:xfrm>
-            <a:off x="2853041" y="3720129"/>
-            <a:ext cx="1137051" cy="1220889"/>
-          </a:xfrm>
-          <a:prstGeom prst="rect">
-            <a:avLst/>
-          </a:prstGeom>
-          <a:noFill/>
-          <a:extLst>
-            <a:ext uri="{909E8E84-426E-40DD-AFC4-6F175D3DCCD1}">
-              <a14:hiddenFill xmlns:a14="http://schemas.microsoft.com/office/drawing/2010/main">
-                <a:solidFill>
-                  <a:srgbClr val="FFFFFF"/>
-                </a:solidFill>
-              </a14:hiddenFill>
-            </a:ext>
-          </a:extLst>
-        </p:spPr>
-      </p:pic>
-    </p:spTree>
-    <p:extLst>
-      <p:ext uri="{BB962C8B-B14F-4D97-AF65-F5344CB8AC3E}">
-        <p14:creationId xmlns:p14="http://schemas.microsoft.com/office/powerpoint/2010/main" val="1023595779"/>
       </p:ext>
     </p:extLst>
   </p:cSld>
@@ -38132,6 +37568,28 @@
 </file>
 
 <file path=customXml/item1.xml><?xml version="1.0" encoding="utf-8"?>
+<?mso-contentType ?>
+<FormTemplates xmlns="http://schemas.microsoft.com/sharepoint/v3/contenttype/forms">
+  <Display>DocumentLibraryForm</Display>
+  <Edit>DocumentLibraryForm</Edit>
+  <New>DocumentLibraryForm</New>
+</FormTemplates>
+</file>
+
+<file path=customXml/item2.xml><?xml version="1.0" encoding="utf-8"?>
+<p:properties xmlns:p="http://schemas.microsoft.com/office/2006/metadata/properties" xmlns:xsi="http://www.w3.org/2001/XMLSchema-instance" xmlns:pc="http://schemas.microsoft.com/office/infopath/2007/PartnerControls">
+  <documentManagement>
+    <_ip_UnifiedCompliancePolicyUIAction xmlns="http://schemas.microsoft.com/sharepoint/v3" xsi:nil="true"/>
+    <TaxCatchAll xmlns="9080061e-6b2b-4e70-8ca7-c0b47c0f5e87" xsi:nil="true"/>
+    <_ip_UnifiedCompliancePolicyProperties xmlns="http://schemas.microsoft.com/sharepoint/v3" xsi:nil="true"/>
+    <lcf76f155ced4ddcb4097134ff3c332f xmlns="76b5f3e4-471b-43d8-b987-477a55fdf64e">
+      <Terms xmlns="http://schemas.microsoft.com/office/infopath/2007/PartnerControls"/>
+    </lcf76f155ced4ddcb4097134ff3c332f>
+  </documentManagement>
+</p:properties>
+</file>
+
+<file path=customXml/item3.xml><?xml version="1.0" encoding="utf-8"?>
 <ct:contentTypeSchema xmlns:ct="http://schemas.microsoft.com/office/2006/metadata/contentType" xmlns:ma="http://schemas.microsoft.com/office/2006/metadata/properties/metaAttributes" ct:_="" ma:_="" ma:contentTypeName="Documento" ma:contentTypeID="0x01010093A9F5C9D3D5944CB4ECC5F9D472673D" ma:contentTypeVersion="19" ma:contentTypeDescription="Crear nuevo documento." ma:contentTypeScope="" ma:versionID="6d0581db0cc74f256c306961059a72ab">
   <xsd:schema xmlns:xsd="http://www.w3.org/2001/XMLSchema" xmlns:xs="http://www.w3.org/2001/XMLSchema" xmlns:p="http://schemas.microsoft.com/office/2006/metadata/properties" xmlns:ns1="http://schemas.microsoft.com/sharepoint/v3" xmlns:ns2="9080061e-6b2b-4e70-8ca7-c0b47c0f5e87" xmlns:ns3="76b5f3e4-471b-43d8-b987-477a55fdf64e" targetNamespace="http://schemas.microsoft.com/office/2006/metadata/properties" ma:root="true" ma:fieldsID="98f195a5aeeb56c3cb0520c3ec4adf93" ns1:_="" ns2:_="" ns3:_="">
     <xsd:import namespace="http://schemas.microsoft.com/sharepoint/v3"/>
@@ -38391,29 +37849,27 @@
 </ct:contentTypeSchema>
 </file>
 
-<file path=customXml/item2.xml><?xml version="1.0" encoding="utf-8"?>
-<p:properties xmlns:p="http://schemas.microsoft.com/office/2006/metadata/properties" xmlns:xsi="http://www.w3.org/2001/XMLSchema-instance" xmlns:pc="http://schemas.microsoft.com/office/infopath/2007/PartnerControls">
-  <documentManagement>
-    <_ip_UnifiedCompliancePolicyUIAction xmlns="http://schemas.microsoft.com/sharepoint/v3" xsi:nil="true"/>
-    <TaxCatchAll xmlns="9080061e-6b2b-4e70-8ca7-c0b47c0f5e87" xsi:nil="true"/>
-    <_ip_UnifiedCompliancePolicyProperties xmlns="http://schemas.microsoft.com/sharepoint/v3" xsi:nil="true"/>
-    <lcf76f155ced4ddcb4097134ff3c332f xmlns="76b5f3e4-471b-43d8-b987-477a55fdf64e">
-      <Terms xmlns="http://schemas.microsoft.com/office/infopath/2007/PartnerControls"/>
-    </lcf76f155ced4ddcb4097134ff3c332f>
-  </documentManagement>
-</p:properties>
+<file path=customXml/itemProps1.xml><?xml version="1.0" encoding="utf-8"?>
+<ds:datastoreItem xmlns:ds="http://schemas.openxmlformats.org/officeDocument/2006/customXml" ds:itemID="{1A46FA67-F99A-4C50-B55F-7B1EC684060D}">
+  <ds:schemaRefs>
+    <ds:schemaRef ds:uri="http://schemas.microsoft.com/sharepoint/v3/contenttype/forms"/>
+  </ds:schemaRefs>
+</ds:datastoreItem>
 </file>
 
-<file path=customXml/item3.xml><?xml version="1.0" encoding="utf-8"?>
-<?mso-contentType ?>
-<FormTemplates xmlns="http://schemas.microsoft.com/sharepoint/v3/contenttype/forms">
-  <Display>DocumentLibraryForm</Display>
-  <Edit>DocumentLibraryForm</Edit>
-  <New>DocumentLibraryForm</New>
-</FormTemplates>
+<file path=customXml/itemProps2.xml><?xml version="1.0" encoding="utf-8"?>
+<ds:datastoreItem xmlns:ds="http://schemas.openxmlformats.org/officeDocument/2006/customXml" ds:itemID="{27C2C156-6EF1-4C86-B2C5-65C8E3502F87}">
+  <ds:schemaRefs>
+    <ds:schemaRef ds:uri="76b5f3e4-471b-43d8-b987-477a55fdf64e"/>
+    <ds:schemaRef ds:uri="9080061e-6b2b-4e70-8ca7-c0b47c0f5e87"/>
+    <ds:schemaRef ds:uri="http://schemas.microsoft.com/office/2006/metadata/properties"/>
+    <ds:schemaRef ds:uri="http://schemas.microsoft.com/office/infopath/2007/PartnerControls"/>
+    <ds:schemaRef ds:uri="http://schemas.microsoft.com/sharepoint/v3"/>
+  </ds:schemaRefs>
+</ds:datastoreItem>
 </file>
 
-<file path=customXml/itemProps1.xml><?xml version="1.0" encoding="utf-8"?>
+<file path=customXml/itemProps3.xml><?xml version="1.0" encoding="utf-8"?>
 <ds:datastoreItem xmlns:ds="http://schemas.openxmlformats.org/officeDocument/2006/customXml" ds:itemID="{5A9CF4EA-2D67-4602-9B75-1385B3854A31}">
   <ds:schemaRefs>
     <ds:schemaRef ds:uri="76b5f3e4-471b-43d8-b987-477a55fdf64e"/>
@@ -38431,24 +37887,4 @@
     <ds:schemaRef ds:uri="http://www.w3.org/2001/XMLSchema"/>
   </ds:schemaRefs>
 </ds:datastoreItem>
-</file>
-
-<file path=customXml/itemProps2.xml><?xml version="1.0" encoding="utf-8"?>
-<ds:datastoreItem xmlns:ds="http://schemas.openxmlformats.org/officeDocument/2006/customXml" ds:itemID="{27C2C156-6EF1-4C86-B2C5-65C8E3502F87}">
-  <ds:schemaRefs>
-    <ds:schemaRef ds:uri="76b5f3e4-471b-43d8-b987-477a55fdf64e"/>
-    <ds:schemaRef ds:uri="9080061e-6b2b-4e70-8ca7-c0b47c0f5e87"/>
-    <ds:schemaRef ds:uri="http://schemas.microsoft.com/office/2006/metadata/properties"/>
-    <ds:schemaRef ds:uri="http://schemas.microsoft.com/office/infopath/2007/PartnerControls"/>
-    <ds:schemaRef ds:uri="http://schemas.microsoft.com/sharepoint/v3"/>
-  </ds:schemaRefs>
-</ds:datastoreItem>
-</file>
-
-<file path=customXml/itemProps3.xml><?xml version="1.0" encoding="utf-8"?>
-<ds:datastoreItem xmlns:ds="http://schemas.openxmlformats.org/officeDocument/2006/customXml" ds:itemID="{1A46FA67-F99A-4C50-B55F-7B1EC684060D}">
-  <ds:schemaRefs>
-    <ds:schemaRef ds:uri="http://schemas.microsoft.com/sharepoint/v3/contenttype/forms"/>
-  </ds:schemaRefs>
-</ds:datastoreItem>
 </file>